--- a/Paper/PEMC 2018/presentation/PEMC_2018_presentation.pptx
+++ b/Paper/PEMC 2018/presentation/PEMC_2018_presentation.pptx
@@ -15,16 +15,16 @@
     <p:sldId id="257" r:id="rId3"/>
     <p:sldId id="258" r:id="rId4"/>
     <p:sldId id="276" r:id="rId5"/>
-    <p:sldId id="273" r:id="rId6"/>
-    <p:sldId id="274" r:id="rId7"/>
-    <p:sldId id="277" r:id="rId8"/>
-    <p:sldId id="278" r:id="rId9"/>
-    <p:sldId id="279" r:id="rId10"/>
-    <p:sldId id="280" r:id="rId11"/>
+    <p:sldId id="274" r:id="rId6"/>
+    <p:sldId id="277" r:id="rId7"/>
+    <p:sldId id="278" r:id="rId8"/>
+    <p:sldId id="279" r:id="rId9"/>
+    <p:sldId id="280" r:id="rId10"/>
+    <p:sldId id="281" r:id="rId11"/>
     <p:sldId id="270" r:id="rId12"/>
     <p:sldId id="282" r:id="rId13"/>
     <p:sldId id="269" r:id="rId14"/>
-    <p:sldId id="281" r:id="rId15"/>
+    <p:sldId id="283" r:id="rId15"/>
     <p:sldId id="271" r:id="rId16"/>
   </p:sldIdLst>
   <p:sldSz cx="12192000" cy="6858000"/>
@@ -226,7 +226,7 @@
           <a:p>
             <a:fld id="{D9D78FAA-AF54-4929-93F1-1A1DC0537ED4}" type="datetimeFigureOut">
               <a:rPr lang="en-US" smtClean="0"/>
-              <a:t>8/21/2018</a:t>
+              <a:t>8/23/2018</a:t>
             </a:fld>
             <a:endParaRPr lang="en-US"/>
           </a:p>
@@ -403,7 +403,7 @@
           <a:p>
             <a:fld id="{FFE57ED1-54AA-49E9-B72B-7BBDB409E01D}" type="datetimeFigureOut">
               <a:rPr lang="en-US" smtClean="0"/>
-              <a:t>8/20/2018</a:t>
+              <a:t>8/23/2018</a:t>
             </a:fld>
             <a:endParaRPr lang="en-US"/>
           </a:p>
@@ -842,6 +842,49 @@
           <a:bodyPr/>
           <a:lstStyle/>
           <a:p>
+            <a:r>
+              <a:rPr lang="tr-TR" dirty="0" err="1"/>
+              <a:t>Interleaving</a:t>
+            </a:r>
+            <a:r>
+              <a:rPr lang="tr-TR" dirty="0"/>
+              <a:t> in </a:t>
+            </a:r>
+            <a:r>
+              <a:rPr lang="tr-TR" dirty="0" err="1"/>
+              <a:t>series</a:t>
+            </a:r>
+            <a:endParaRPr lang="tr-TR" dirty="0"/>
+          </a:p>
+          <a:p>
+            <a:r>
+              <a:rPr lang="tr-TR" dirty="0"/>
+              <a:t>150 </a:t>
+            </a:r>
+            <a:r>
+              <a:rPr lang="tr-TR" dirty="0" err="1"/>
+              <a:t>microjoule</a:t>
+            </a:r>
+            <a:r>
+              <a:rPr lang="tr-TR" dirty="0"/>
+              <a:t> for 60A</a:t>
+            </a:r>
+          </a:p>
+          <a:p>
+            <a:r>
+              <a:rPr lang="tr-TR" dirty="0"/>
+              <a:t>55 </a:t>
+            </a:r>
+            <a:r>
+              <a:rPr lang="tr-TR" dirty="0" err="1"/>
+              <a:t>microjoule</a:t>
+            </a:r>
+            <a:r>
+              <a:rPr lang="tr-TR" dirty="0"/>
+              <a:t> for 30A</a:t>
+            </a:r>
+          </a:p>
+          <a:p>
             <a:endParaRPr lang="en-US" dirty="0"/>
           </a:p>
         </p:txBody>
@@ -863,7 +906,7 @@
           <a:p>
             <a:fld id="{677260CE-44B3-4E71-A71B-E0F845278927}" type="slidenum">
               <a:rPr lang="en-US" smtClean="0"/>
-              <a:t>11</a:t>
+              <a:t>6</a:t>
             </a:fld>
             <a:endParaRPr lang="en-US"/>
           </a:p>
@@ -872,7 +915,7 @@
     </p:spTree>
     <p:extLst>
       <p:ext uri="{BB962C8B-B14F-4D97-AF65-F5344CB8AC3E}">
-        <p14:creationId xmlns:p14="http://schemas.microsoft.com/office/powerpoint/2010/main" val="4268545088"/>
+        <p14:creationId xmlns:p14="http://schemas.microsoft.com/office/powerpoint/2010/main" val="3071117505"/>
       </p:ext>
     </p:extLst>
   </p:cSld>
@@ -947,7 +990,7 @@
           <a:p>
             <a:fld id="{677260CE-44B3-4E71-A71B-E0F845278927}" type="slidenum">
               <a:rPr lang="en-US" smtClean="0"/>
-              <a:t>12</a:t>
+              <a:t>10</a:t>
             </a:fld>
             <a:endParaRPr lang="en-US"/>
           </a:p>
@@ -956,7 +999,7 @@
     </p:spTree>
     <p:extLst>
       <p:ext uri="{BB962C8B-B14F-4D97-AF65-F5344CB8AC3E}">
-        <p14:creationId xmlns:p14="http://schemas.microsoft.com/office/powerpoint/2010/main" val="1010971935"/>
+        <p14:creationId xmlns:p14="http://schemas.microsoft.com/office/powerpoint/2010/main" val="4278452090"/>
       </p:ext>
     </p:extLst>
   </p:cSld>
@@ -1031,7 +1074,7 @@
           <a:p>
             <a:fld id="{677260CE-44B3-4E71-A71B-E0F845278927}" type="slidenum">
               <a:rPr lang="en-US" smtClean="0"/>
-              <a:t>13</a:t>
+              <a:t>11</a:t>
             </a:fld>
             <a:endParaRPr lang="en-US"/>
           </a:p>
@@ -1040,7 +1083,7 @@
     </p:spTree>
     <p:extLst>
       <p:ext uri="{BB962C8B-B14F-4D97-AF65-F5344CB8AC3E}">
-        <p14:creationId xmlns:p14="http://schemas.microsoft.com/office/powerpoint/2010/main" val="1989081754"/>
+        <p14:creationId xmlns:p14="http://schemas.microsoft.com/office/powerpoint/2010/main" val="4268545088"/>
       </p:ext>
     </p:extLst>
   </p:cSld>
@@ -1115,7 +1158,7 @@
           <a:p>
             <a:fld id="{677260CE-44B3-4E71-A71B-E0F845278927}" type="slidenum">
               <a:rPr lang="en-US" smtClean="0"/>
-              <a:t>14</a:t>
+              <a:t>12</a:t>
             </a:fld>
             <a:endParaRPr lang="en-US"/>
           </a:p>
@@ -1124,7 +1167,91 @@
     </p:spTree>
     <p:extLst>
       <p:ext uri="{BB962C8B-B14F-4D97-AF65-F5344CB8AC3E}">
-        <p14:creationId xmlns:p14="http://schemas.microsoft.com/office/powerpoint/2010/main" val="4278452090"/>
+        <p14:creationId xmlns:p14="http://schemas.microsoft.com/office/powerpoint/2010/main" val="1010971935"/>
+      </p:ext>
+    </p:extLst>
+  </p:cSld>
+  <p:clrMapOvr>
+    <a:masterClrMapping/>
+  </p:clrMapOvr>
+</p:notes>
+</file>
+
+<file path=ppt/notesSlides/notesSlide6.xml><?xml version="1.0" encoding="utf-8"?>
+<p:notes xmlns:a="http://schemas.openxmlformats.org/drawingml/2006/main" xmlns:r="http://schemas.openxmlformats.org/officeDocument/2006/relationships" xmlns:p="http://schemas.openxmlformats.org/presentationml/2006/main">
+  <p:cSld>
+    <p:spTree>
+      <p:nvGrpSpPr>
+        <p:cNvPr id="1" name=""/>
+        <p:cNvGrpSpPr/>
+        <p:nvPr/>
+      </p:nvGrpSpPr>
+      <p:grpSpPr>
+        <a:xfrm>
+          <a:off x="0" y="0"/>
+          <a:ext cx="0" cy="0"/>
+          <a:chOff x="0" y="0"/>
+          <a:chExt cx="0" cy="0"/>
+        </a:xfrm>
+      </p:grpSpPr>
+      <p:sp>
+        <p:nvSpPr>
+          <p:cNvPr id="2" name="Slide Image Placeholder 1"/>
+          <p:cNvSpPr>
+            <a:spLocks noGrp="1" noRot="1" noChangeAspect="1"/>
+          </p:cNvSpPr>
+          <p:nvPr>
+            <p:ph type="sldImg"/>
+          </p:nvPr>
+        </p:nvSpPr>
+        <p:spPr/>
+      </p:sp>
+      <p:sp>
+        <p:nvSpPr>
+          <p:cNvPr id="3" name="Notes Placeholder 2"/>
+          <p:cNvSpPr>
+            <a:spLocks noGrp="1"/>
+          </p:cNvSpPr>
+          <p:nvPr>
+            <p:ph type="body" idx="1"/>
+          </p:nvPr>
+        </p:nvSpPr>
+        <p:spPr/>
+        <p:txBody>
+          <a:bodyPr/>
+          <a:lstStyle/>
+          <a:p>
+            <a:endParaRPr lang="en-US" dirty="0"/>
+          </a:p>
+        </p:txBody>
+      </p:sp>
+      <p:sp>
+        <p:nvSpPr>
+          <p:cNvPr id="4" name="Slide Number Placeholder 3"/>
+          <p:cNvSpPr>
+            <a:spLocks noGrp="1"/>
+          </p:cNvSpPr>
+          <p:nvPr>
+            <p:ph type="sldNum" sz="quarter" idx="10"/>
+          </p:nvPr>
+        </p:nvSpPr>
+        <p:spPr/>
+        <p:txBody>
+          <a:bodyPr/>
+          <a:lstStyle/>
+          <a:p>
+            <a:fld id="{677260CE-44B3-4E71-A71B-E0F845278927}" type="slidenum">
+              <a:rPr lang="en-US" smtClean="0"/>
+              <a:t>13</a:t>
+            </a:fld>
+            <a:endParaRPr lang="en-US"/>
+          </a:p>
+        </p:txBody>
+      </p:sp>
+    </p:spTree>
+    <p:extLst>
+      <p:ext uri="{BB962C8B-B14F-4D97-AF65-F5344CB8AC3E}">
+        <p14:creationId xmlns:p14="http://schemas.microsoft.com/office/powerpoint/2010/main" val="1989081754"/>
       </p:ext>
     </p:extLst>
   </p:cSld>
@@ -1281,7 +1408,7 @@
           <a:p>
             <a:fld id="{59F75422-24E1-48ED-8BA9-C4FD9C6AF1C9}" type="datetimeFigureOut">
               <a:rPr lang="en-US" smtClean="0"/>
-              <a:t>8/20/2018</a:t>
+              <a:t>8/23/2018</a:t>
             </a:fld>
             <a:endParaRPr lang="en-US"/>
           </a:p>
@@ -1479,7 +1606,7 @@
           <a:p>
             <a:fld id="{59F75422-24E1-48ED-8BA9-C4FD9C6AF1C9}" type="datetimeFigureOut">
               <a:rPr lang="en-US" smtClean="0"/>
-              <a:t>8/20/2018</a:t>
+              <a:t>8/23/2018</a:t>
             </a:fld>
             <a:endParaRPr lang="en-US"/>
           </a:p>
@@ -1687,7 +1814,7 @@
           <a:p>
             <a:fld id="{59F75422-24E1-48ED-8BA9-C4FD9C6AF1C9}" type="datetimeFigureOut">
               <a:rPr lang="en-US" smtClean="0"/>
-              <a:t>8/20/2018</a:t>
+              <a:t>8/23/2018</a:t>
             </a:fld>
             <a:endParaRPr lang="en-US"/>
           </a:p>
@@ -1885,7 +2012,7 @@
           <a:p>
             <a:fld id="{59F75422-24E1-48ED-8BA9-C4FD9C6AF1C9}" type="datetimeFigureOut">
               <a:rPr lang="en-US" smtClean="0"/>
-              <a:t>8/20/2018</a:t>
+              <a:t>8/23/2018</a:t>
             </a:fld>
             <a:endParaRPr lang="en-US"/>
           </a:p>
@@ -2160,7 +2287,7 @@
           <a:p>
             <a:fld id="{59F75422-24E1-48ED-8BA9-C4FD9C6AF1C9}" type="datetimeFigureOut">
               <a:rPr lang="en-US" smtClean="0"/>
-              <a:t>8/20/2018</a:t>
+              <a:t>8/23/2018</a:t>
             </a:fld>
             <a:endParaRPr lang="en-US"/>
           </a:p>
@@ -2425,7 +2552,7 @@
           <a:p>
             <a:fld id="{59F75422-24E1-48ED-8BA9-C4FD9C6AF1C9}" type="datetimeFigureOut">
               <a:rPr lang="en-US" smtClean="0"/>
-              <a:t>8/20/2018</a:t>
+              <a:t>8/23/2018</a:t>
             </a:fld>
             <a:endParaRPr lang="en-US"/>
           </a:p>
@@ -2837,7 +2964,7 @@
           <a:p>
             <a:fld id="{59F75422-24E1-48ED-8BA9-C4FD9C6AF1C9}" type="datetimeFigureOut">
               <a:rPr lang="en-US" smtClean="0"/>
-              <a:t>8/20/2018</a:t>
+              <a:t>8/23/2018</a:t>
             </a:fld>
             <a:endParaRPr lang="en-US"/>
           </a:p>
@@ -2978,7 +3105,7 @@
           <a:p>
             <a:fld id="{59F75422-24E1-48ED-8BA9-C4FD9C6AF1C9}" type="datetimeFigureOut">
               <a:rPr lang="en-US" smtClean="0"/>
-              <a:t>8/20/2018</a:t>
+              <a:t>8/23/2018</a:t>
             </a:fld>
             <a:endParaRPr lang="en-US"/>
           </a:p>
@@ -3091,7 +3218,7 @@
           <a:p>
             <a:fld id="{59F75422-24E1-48ED-8BA9-C4FD9C6AF1C9}" type="datetimeFigureOut">
               <a:rPr lang="en-US" smtClean="0"/>
-              <a:t>8/20/2018</a:t>
+              <a:t>8/23/2018</a:t>
             </a:fld>
             <a:endParaRPr lang="en-US"/>
           </a:p>
@@ -3402,7 +3529,7 @@
           <a:p>
             <a:fld id="{59F75422-24E1-48ED-8BA9-C4FD9C6AF1C9}" type="datetimeFigureOut">
               <a:rPr lang="en-US" smtClean="0"/>
-              <a:t>8/20/2018</a:t>
+              <a:t>8/23/2018</a:t>
             </a:fld>
             <a:endParaRPr lang="en-US"/>
           </a:p>
@@ -3690,7 +3817,7 @@
           <a:p>
             <a:fld id="{59F75422-24E1-48ED-8BA9-C4FD9C6AF1C9}" type="datetimeFigureOut">
               <a:rPr lang="en-US" smtClean="0"/>
-              <a:t>8/20/2018</a:t>
+              <a:t>8/23/2018</a:t>
             </a:fld>
             <a:endParaRPr lang="en-US"/>
           </a:p>
@@ -3931,7 +4058,7 @@
           <a:p>
             <a:fld id="{59F75422-24E1-48ED-8BA9-C4FD9C6AF1C9}" type="datetimeFigureOut">
               <a:rPr lang="en-US" smtClean="0"/>
-              <a:t>8/20/2018</a:t>
+              <a:t>8/23/2018</a:t>
             </a:fld>
             <a:endParaRPr lang="en-US"/>
           </a:p>
@@ -4999,7 +5126,7 @@
           <p:nvPr/>
         </p:nvPicPr>
         <p:blipFill>
-          <a:blip r:embed="rId2" cstate="print">
+          <a:blip r:embed="rId3" cstate="print">
             <a:extLst>
               <a:ext uri="{28A0092B-C50C-407E-A947-70E740481C1C}">
                 <a14:useLocalDpi xmlns:a14="http://schemas.microsoft.com/office/drawing/2010/main" val="0"/>
@@ -5044,7 +5171,7 @@
           <p:nvPr/>
         </p:nvPicPr>
         <p:blipFill rotWithShape="1">
-          <a:blip r:embed="rId3" cstate="print">
+          <a:blip r:embed="rId4" cstate="print">
             <a:extLst>
               <a:ext uri="{28A0092B-C50C-407E-A947-70E740481C1C}">
                 <a14:useLocalDpi xmlns:a14="http://schemas.microsoft.com/office/drawing/2010/main" val="0"/>
@@ -5095,7 +5222,7 @@
           <p:nvPr/>
         </p:nvPicPr>
         <p:blipFill>
-          <a:blip r:embed="rId4" cstate="print">
+          <a:blip r:embed="rId5" cstate="print">
             <a:extLst>
               <a:ext uri="{28A0092B-C50C-407E-A947-70E740481C1C}">
                 <a14:useLocalDpi xmlns:a14="http://schemas.microsoft.com/office/drawing/2010/main" val="0"/>
@@ -5122,63 +5249,6 @@
           </a:effectLst>
         </p:spPr>
       </p:pic>
-      <p:sp>
-        <p:nvSpPr>
-          <p:cNvPr id="2" name="TextBox 1">
-            <a:extLst>
-              <a:ext uri="{FF2B5EF4-FFF2-40B4-BE49-F238E27FC236}">
-                <a16:creationId xmlns:a16="http://schemas.microsoft.com/office/drawing/2014/main" id="{3E68B92E-44BD-442E-BC28-B996E2A733D5}"/>
-              </a:ext>
-            </a:extLst>
-          </p:cNvPr>
-          <p:cNvSpPr txBox="1"/>
-          <p:nvPr/>
-        </p:nvSpPr>
-        <p:spPr>
-          <a:xfrm>
-            <a:off x="1761946" y="188477"/>
-            <a:ext cx="8668107" cy="769441"/>
-          </a:xfrm>
-          <a:prstGeom prst="rect">
-            <a:avLst/>
-          </a:prstGeom>
-          <a:noFill/>
-        </p:spPr>
-        <p:txBody>
-          <a:bodyPr wrap="square" rtlCol="0">
-            <a:spAutoFit/>
-          </a:bodyPr>
-          <a:lstStyle/>
-          <a:p>
-            <a:pPr algn="ctr"/>
-            <a:r>
-              <a:rPr lang="tr-TR" sz="4400" b="1" dirty="0" err="1">
-                <a:latin typeface="Adobe Heiti Std R" panose="020B0400000000000000" pitchFamily="34" charset="-128"/>
-                <a:ea typeface="Adobe Heiti Std R" panose="020B0400000000000000" pitchFamily="34" charset="-128"/>
-              </a:rPr>
-              <a:t>Inverter</a:t>
-            </a:r>
-            <a:r>
-              <a:rPr lang="tr-TR" sz="4400" b="1" dirty="0">
-                <a:latin typeface="Adobe Heiti Std R" panose="020B0400000000000000" pitchFamily="34" charset="-128"/>
-                <a:ea typeface="Adobe Heiti Std R" panose="020B0400000000000000" pitchFamily="34" charset="-128"/>
-              </a:rPr>
-              <a:t> </a:t>
-            </a:r>
-            <a:r>
-              <a:rPr lang="tr-TR" sz="4400" b="1" dirty="0" err="1">
-                <a:latin typeface="Adobe Heiti Std R" panose="020B0400000000000000" pitchFamily="34" charset="-128"/>
-                <a:ea typeface="Adobe Heiti Std R" panose="020B0400000000000000" pitchFamily="34" charset="-128"/>
-              </a:rPr>
-              <a:t>Topologies</a:t>
-            </a:r>
-            <a:endParaRPr lang="en-US" sz="3400" b="1" dirty="0">
-              <a:latin typeface="Adobe Heiti Std R" panose="020B0400000000000000" pitchFamily="34" charset="-128"/>
-              <a:ea typeface="Adobe Heiti Std R" panose="020B0400000000000000" pitchFamily="34" charset="-128"/>
-            </a:endParaRPr>
-          </a:p>
-        </p:txBody>
-      </p:sp>
       <p:cxnSp>
         <p:nvCxnSpPr>
           <p:cNvPr id="12" name="Straight Connector 11">
@@ -5224,10 +5294,10 @@
       </p:cxnSp>
       <p:sp>
         <p:nvSpPr>
-          <p:cNvPr id="20" name="TextBox 19">
-            <a:extLst>
-              <a:ext uri="{FF2B5EF4-FFF2-40B4-BE49-F238E27FC236}">
-                <a16:creationId xmlns:a16="http://schemas.microsoft.com/office/drawing/2014/main" id="{679800E3-27CF-4AC7-8427-0FF4B19F1FE6}"/>
+          <p:cNvPr id="10" name="TextBox 9">
+            <a:extLst>
+              <a:ext uri="{FF2B5EF4-FFF2-40B4-BE49-F238E27FC236}">
+                <a16:creationId xmlns:a16="http://schemas.microsoft.com/office/drawing/2014/main" id="{DB32AD30-3B2B-490B-9C80-C58A3BFD95B3}"/>
               </a:ext>
             </a:extLst>
           </p:cNvPr>
@@ -5236,8 +5306,8 @@
         </p:nvSpPr>
         <p:spPr>
           <a:xfrm>
-            <a:off x="2782699" y="1215672"/>
-            <a:ext cx="6626600" cy="461665"/>
+            <a:off x="307758" y="128754"/>
+            <a:ext cx="11076534" cy="769441"/>
           </a:xfrm>
           <a:prstGeom prst="rect">
             <a:avLst/>
@@ -5250,73 +5320,34 @@
           </a:bodyPr>
           <a:lstStyle/>
           <a:p>
-            <a:pPr algn="ctr">
-              <a:spcAft>
-                <a:spcPts val="1200"/>
-              </a:spcAft>
-            </a:pPr>
-            <a:r>
-              <a:rPr lang="tr-TR" sz="2400" dirty="0">
-                <a:latin typeface="Adobe Heiti Std R" panose="020B0400000000000000" pitchFamily="34" charset="-128"/>
-                <a:ea typeface="Adobe Heiti Std R" panose="020B0400000000000000" pitchFamily="34" charset="-128"/>
-                <a:cs typeface="Times New Roman" panose="02020603050405020304" pitchFamily="18" charset="0"/>
-              </a:rPr>
-              <a:t>3 </a:t>
-            </a:r>
-            <a:r>
-              <a:rPr lang="tr-TR" sz="2400" dirty="0" err="1">
-                <a:latin typeface="Adobe Heiti Std R" panose="020B0400000000000000" pitchFamily="34" charset="-128"/>
-                <a:ea typeface="Adobe Heiti Std R" panose="020B0400000000000000" pitchFamily="34" charset="-128"/>
-                <a:cs typeface="Times New Roman" panose="02020603050405020304" pitchFamily="18" charset="0"/>
-              </a:rPr>
-              <a:t>level</a:t>
-            </a:r>
-            <a:r>
-              <a:rPr lang="tr-TR" sz="2400" dirty="0">
-                <a:latin typeface="Adobe Heiti Std R" panose="020B0400000000000000" pitchFamily="34" charset="-128"/>
-                <a:ea typeface="Adobe Heiti Std R" panose="020B0400000000000000" pitchFamily="34" charset="-128"/>
-                <a:cs typeface="Times New Roman" panose="02020603050405020304" pitchFamily="18" charset="0"/>
-              </a:rPr>
-              <a:t> NPC VSI </a:t>
-            </a:r>
-            <a:r>
-              <a:rPr lang="tr-TR" sz="2400" dirty="0" err="1">
-                <a:latin typeface="Adobe Heiti Std R" panose="020B0400000000000000" pitchFamily="34" charset="-128"/>
-                <a:ea typeface="Adobe Heiti Std R" panose="020B0400000000000000" pitchFamily="34" charset="-128"/>
-                <a:cs typeface="Times New Roman" panose="02020603050405020304" pitchFamily="18" charset="0"/>
-              </a:rPr>
-              <a:t>with</a:t>
-            </a:r>
-            <a:r>
-              <a:rPr lang="tr-TR" sz="2400" dirty="0">
-                <a:latin typeface="Adobe Heiti Std R" panose="020B0400000000000000" pitchFamily="34" charset="-128"/>
-                <a:ea typeface="Adobe Heiti Std R" panose="020B0400000000000000" pitchFamily="34" charset="-128"/>
-                <a:cs typeface="Times New Roman" panose="02020603050405020304" pitchFamily="18" charset="0"/>
-              </a:rPr>
-              <a:t> </a:t>
-            </a:r>
-            <a:r>
-              <a:rPr lang="tr-TR" sz="2400" dirty="0" err="1">
-                <a:latin typeface="Adobe Heiti Std R" panose="020B0400000000000000" pitchFamily="34" charset="-128"/>
-                <a:ea typeface="Adobe Heiti Std R" panose="020B0400000000000000" pitchFamily="34" charset="-128"/>
-                <a:cs typeface="Times New Roman" panose="02020603050405020304" pitchFamily="18" charset="0"/>
-              </a:rPr>
-              <a:t>GaN</a:t>
-            </a:r>
-            <a:endParaRPr lang="tr-TR" sz="2400" dirty="0">
+            <a:pPr algn="ctr"/>
+            <a:r>
+              <a:rPr lang="tr-TR" sz="4400" b="1" dirty="0">
+                <a:latin typeface="Adobe Heiti Std R" panose="020B0400000000000000" pitchFamily="34" charset="-128"/>
+                <a:ea typeface="Adobe Heiti Std R" panose="020B0400000000000000" pitchFamily="34" charset="-128"/>
+              </a:rPr>
+              <a:t>Evaluation &amp; </a:t>
+            </a:r>
+            <a:r>
+              <a:rPr lang="tr-TR" sz="4400" b="1" dirty="0" err="1">
+                <a:latin typeface="Adobe Heiti Std R" panose="020B0400000000000000" pitchFamily="34" charset="-128"/>
+                <a:ea typeface="Adobe Heiti Std R" panose="020B0400000000000000" pitchFamily="34" charset="-128"/>
+              </a:rPr>
+              <a:t>Results</a:t>
+            </a:r>
+            <a:endParaRPr lang="en-US" sz="3400" b="1" dirty="0">
               <a:latin typeface="Adobe Heiti Std R" panose="020B0400000000000000" pitchFamily="34" charset="-128"/>
               <a:ea typeface="Adobe Heiti Std R" panose="020B0400000000000000" pitchFamily="34" charset="-128"/>
-              <a:cs typeface="Times New Roman" panose="02020603050405020304" pitchFamily="18" charset="0"/>
             </a:endParaRPr>
           </a:p>
         </p:txBody>
       </p:sp>
       <p:pic>
         <p:nvPicPr>
-          <p:cNvPr id="8" name="Picture 7" descr="A picture containing object&#10;&#10;Description generated with very high confidence">
-            <a:extLst>
-              <a:ext uri="{FF2B5EF4-FFF2-40B4-BE49-F238E27FC236}">
-                <a16:creationId xmlns:a16="http://schemas.microsoft.com/office/drawing/2014/main" id="{874F5988-9CD0-44FA-8F53-FF2A8CFCBFD1}"/>
+          <p:cNvPr id="6" name="Picture 5">
+            <a:extLst>
+              <a:ext uri="{FF2B5EF4-FFF2-40B4-BE49-F238E27FC236}">
+                <a16:creationId xmlns:a16="http://schemas.microsoft.com/office/drawing/2014/main" id="{F3203454-7F9C-4254-B326-DCA64D19E82E}"/>
               </a:ext>
             </a:extLst>
           </p:cNvPr>
@@ -5325,15 +5356,16 @@
           </p:cNvPicPr>
           <p:nvPr/>
         </p:nvPicPr>
-        <p:blipFill rotWithShape="1">
-          <a:blip r:embed="rId5"/>
-          <a:srcRect l="23611" t="30417" b="39444"/>
-          <a:stretch/>
+        <p:blipFill>
+          <a:blip r:embed="rId6"/>
+          <a:stretch>
+            <a:fillRect/>
+          </a:stretch>
         </p:blipFill>
         <p:spPr>
           <a:xfrm>
-            <a:off x="3933824" y="1727359"/>
-            <a:ext cx="4324350" cy="1706153"/>
+            <a:off x="1388325" y="1074383"/>
+            <a:ext cx="8915400" cy="5265816"/>
           </a:xfrm>
           <a:prstGeom prst="rect">
             <a:avLst/>
@@ -5342,264 +5374,10 @@
       </p:pic>
       <p:sp>
         <p:nvSpPr>
-          <p:cNvPr id="17" name="TextBox 16">
-            <a:extLst>
-              <a:ext uri="{FF2B5EF4-FFF2-40B4-BE49-F238E27FC236}">
-                <a16:creationId xmlns:a16="http://schemas.microsoft.com/office/drawing/2014/main" id="{45667212-6DFA-4680-ADAE-E80D955FA4E8}"/>
-              </a:ext>
-            </a:extLst>
-          </p:cNvPr>
-          <p:cNvSpPr txBox="1"/>
-          <p:nvPr/>
-        </p:nvSpPr>
-        <p:spPr>
-          <a:xfrm>
-            <a:off x="2782699" y="3499968"/>
-            <a:ext cx="6626600" cy="461665"/>
-          </a:xfrm>
-          <a:prstGeom prst="rect">
-            <a:avLst/>
-          </a:prstGeom>
-          <a:noFill/>
-        </p:spPr>
-        <p:txBody>
-          <a:bodyPr wrap="square" rtlCol="0">
-            <a:spAutoFit/>
-          </a:bodyPr>
-          <a:lstStyle/>
-          <a:p>
-            <a:pPr algn="ctr">
-              <a:spcAft>
-                <a:spcPts val="1200"/>
-              </a:spcAft>
-            </a:pPr>
-            <a:r>
-              <a:rPr lang="tr-TR" sz="2400" dirty="0">
-                <a:latin typeface="Adobe Heiti Std R" panose="020B0400000000000000" pitchFamily="34" charset="-128"/>
-                <a:ea typeface="Adobe Heiti Std R" panose="020B0400000000000000" pitchFamily="34" charset="-128"/>
-                <a:cs typeface="Times New Roman" panose="02020603050405020304" pitchFamily="18" charset="0"/>
-              </a:rPr>
-              <a:t>3 </a:t>
-            </a:r>
-            <a:r>
-              <a:rPr lang="tr-TR" sz="2400" dirty="0" err="1">
-                <a:latin typeface="Adobe Heiti Std R" panose="020B0400000000000000" pitchFamily="34" charset="-128"/>
-                <a:ea typeface="Adobe Heiti Std R" panose="020B0400000000000000" pitchFamily="34" charset="-128"/>
-                <a:cs typeface="Times New Roman" panose="02020603050405020304" pitchFamily="18" charset="0"/>
-              </a:rPr>
-              <a:t>level</a:t>
-            </a:r>
-            <a:r>
-              <a:rPr lang="tr-TR" sz="2400" dirty="0">
-                <a:latin typeface="Adobe Heiti Std R" panose="020B0400000000000000" pitchFamily="34" charset="-128"/>
-                <a:ea typeface="Adobe Heiti Std R" panose="020B0400000000000000" pitchFamily="34" charset="-128"/>
-                <a:cs typeface="Times New Roman" panose="02020603050405020304" pitchFamily="18" charset="0"/>
-              </a:rPr>
-              <a:t> 2 </a:t>
-            </a:r>
-            <a:r>
-              <a:rPr lang="tr-TR" sz="2400" dirty="0" err="1">
-                <a:latin typeface="Adobe Heiti Std R" panose="020B0400000000000000" pitchFamily="34" charset="-128"/>
-                <a:ea typeface="Adobe Heiti Std R" panose="020B0400000000000000" pitchFamily="34" charset="-128"/>
-                <a:cs typeface="Times New Roman" panose="02020603050405020304" pitchFamily="18" charset="0"/>
-              </a:rPr>
-              <a:t>parallel</a:t>
-            </a:r>
-            <a:r>
-              <a:rPr lang="tr-TR" sz="2400" dirty="0">
-                <a:latin typeface="Adobe Heiti Std R" panose="020B0400000000000000" pitchFamily="34" charset="-128"/>
-                <a:ea typeface="Adobe Heiti Std R" panose="020B0400000000000000" pitchFamily="34" charset="-128"/>
-                <a:cs typeface="Times New Roman" panose="02020603050405020304" pitchFamily="18" charset="0"/>
-              </a:rPr>
-              <a:t> NPC VSI </a:t>
-            </a:r>
-            <a:r>
-              <a:rPr lang="tr-TR" sz="2400" dirty="0" err="1">
-                <a:latin typeface="Adobe Heiti Std R" panose="020B0400000000000000" pitchFamily="34" charset="-128"/>
-                <a:ea typeface="Adobe Heiti Std R" panose="020B0400000000000000" pitchFamily="34" charset="-128"/>
-                <a:cs typeface="Times New Roman" panose="02020603050405020304" pitchFamily="18" charset="0"/>
-              </a:rPr>
-              <a:t>with</a:t>
-            </a:r>
-            <a:r>
-              <a:rPr lang="tr-TR" sz="2400" dirty="0">
-                <a:latin typeface="Adobe Heiti Std R" panose="020B0400000000000000" pitchFamily="34" charset="-128"/>
-                <a:ea typeface="Adobe Heiti Std R" panose="020B0400000000000000" pitchFamily="34" charset="-128"/>
-                <a:cs typeface="Times New Roman" panose="02020603050405020304" pitchFamily="18" charset="0"/>
-              </a:rPr>
-              <a:t> </a:t>
-            </a:r>
-            <a:r>
-              <a:rPr lang="tr-TR" sz="2400" dirty="0" err="1">
-                <a:latin typeface="Adobe Heiti Std R" panose="020B0400000000000000" pitchFamily="34" charset="-128"/>
-                <a:ea typeface="Adobe Heiti Std R" panose="020B0400000000000000" pitchFamily="34" charset="-128"/>
-                <a:cs typeface="Times New Roman" panose="02020603050405020304" pitchFamily="18" charset="0"/>
-              </a:rPr>
-              <a:t>GaN</a:t>
-            </a:r>
-            <a:endParaRPr lang="tr-TR" sz="2400" dirty="0">
-              <a:latin typeface="Adobe Heiti Std R" panose="020B0400000000000000" pitchFamily="34" charset="-128"/>
-              <a:ea typeface="Adobe Heiti Std R" panose="020B0400000000000000" pitchFamily="34" charset="-128"/>
-              <a:cs typeface="Times New Roman" panose="02020603050405020304" pitchFamily="18" charset="0"/>
-            </a:endParaRPr>
-          </a:p>
-        </p:txBody>
-      </p:sp>
-      <p:pic>
-        <p:nvPicPr>
-          <p:cNvPr id="11" name="Picture 10">
-            <a:extLst>
-              <a:ext uri="{FF2B5EF4-FFF2-40B4-BE49-F238E27FC236}">
-                <a16:creationId xmlns:a16="http://schemas.microsoft.com/office/drawing/2014/main" id="{A11622C2-92A8-436A-9BF5-60DD8131750C}"/>
-              </a:ext>
-            </a:extLst>
-          </p:cNvPr>
-          <p:cNvPicPr>
-            <a:picLocks noChangeAspect="1"/>
-          </p:cNvPicPr>
-          <p:nvPr/>
-        </p:nvPicPr>
-        <p:blipFill rotWithShape="1">
-          <a:blip r:embed="rId6"/>
-          <a:srcRect l="15152" t="36058" r="13607" b="21519"/>
-          <a:stretch/>
-        </p:blipFill>
-        <p:spPr>
-          <a:xfrm>
-            <a:off x="3890454" y="4028089"/>
-            <a:ext cx="4000502" cy="2382236"/>
-          </a:xfrm>
-          <a:prstGeom prst="rect">
-            <a:avLst/>
-          </a:prstGeom>
-        </p:spPr>
-      </p:pic>
-      <p:sp>
-        <p:nvSpPr>
-          <p:cNvPr id="21" name="TextBox 20">
-            <a:extLst>
-              <a:ext uri="{FF2B5EF4-FFF2-40B4-BE49-F238E27FC236}">
-                <a16:creationId xmlns:a16="http://schemas.microsoft.com/office/drawing/2014/main" id="{EDC12B0B-6B33-43E6-9FAF-52C4D858DDAA}"/>
-              </a:ext>
-            </a:extLst>
-          </p:cNvPr>
-          <p:cNvSpPr txBox="1"/>
-          <p:nvPr/>
-        </p:nvSpPr>
-        <p:spPr>
-          <a:xfrm>
-            <a:off x="7941814" y="2321535"/>
-            <a:ext cx="2350127" cy="338554"/>
-          </a:xfrm>
-          <a:prstGeom prst="rect">
-            <a:avLst/>
-          </a:prstGeom>
-          <a:noFill/>
-        </p:spPr>
-        <p:txBody>
-          <a:bodyPr wrap="square" rtlCol="0">
-            <a:spAutoFit/>
-          </a:bodyPr>
-          <a:lstStyle/>
-          <a:p>
-            <a:r>
-              <a:rPr lang="tr-TR" sz="1600" b="1" dirty="0" err="1"/>
-              <a:t>Modules</a:t>
-            </a:r>
-            <a:r>
-              <a:rPr lang="tr-TR" sz="1600" b="1" dirty="0"/>
-              <a:t> 1,2,3,4</a:t>
-            </a:r>
-            <a:endParaRPr lang="en-US" sz="1600" b="1" dirty="0"/>
-          </a:p>
-        </p:txBody>
-      </p:sp>
-      <p:sp>
-        <p:nvSpPr>
-          <p:cNvPr id="24" name="TextBox 23">
-            <a:extLst>
-              <a:ext uri="{FF2B5EF4-FFF2-40B4-BE49-F238E27FC236}">
-                <a16:creationId xmlns:a16="http://schemas.microsoft.com/office/drawing/2014/main" id="{DADEB9D6-1717-4626-BD0D-06FDC7CC355E}"/>
-              </a:ext>
-            </a:extLst>
-          </p:cNvPr>
-          <p:cNvSpPr txBox="1"/>
-          <p:nvPr/>
-        </p:nvSpPr>
-        <p:spPr>
-          <a:xfrm>
-            <a:off x="7941813" y="4586077"/>
-            <a:ext cx="2350127" cy="338554"/>
-          </a:xfrm>
-          <a:prstGeom prst="rect">
-            <a:avLst/>
-          </a:prstGeom>
-          <a:noFill/>
-        </p:spPr>
-        <p:txBody>
-          <a:bodyPr wrap="square" rtlCol="0">
-            <a:spAutoFit/>
-          </a:bodyPr>
-          <a:lstStyle/>
-          <a:p>
-            <a:r>
-              <a:rPr lang="tr-TR" sz="1600" b="1" dirty="0" err="1"/>
-              <a:t>Modules</a:t>
-            </a:r>
-            <a:r>
-              <a:rPr lang="tr-TR" sz="1600" b="1" dirty="0"/>
-              <a:t> 1,2</a:t>
-            </a:r>
-            <a:endParaRPr lang="en-US" sz="1600" b="1" dirty="0"/>
-          </a:p>
-        </p:txBody>
-      </p:sp>
-      <p:sp>
-        <p:nvSpPr>
-          <p:cNvPr id="25" name="TextBox 24">
-            <a:extLst>
-              <a:ext uri="{FF2B5EF4-FFF2-40B4-BE49-F238E27FC236}">
-                <a16:creationId xmlns:a16="http://schemas.microsoft.com/office/drawing/2014/main" id="{518FD30C-7F08-439A-9331-4EDA16C7774D}"/>
-              </a:ext>
-            </a:extLst>
-          </p:cNvPr>
-          <p:cNvSpPr txBox="1"/>
-          <p:nvPr/>
-        </p:nvSpPr>
-        <p:spPr>
-          <a:xfrm>
-            <a:off x="7941813" y="5614987"/>
-            <a:ext cx="2350127" cy="338554"/>
-          </a:xfrm>
-          <a:prstGeom prst="rect">
-            <a:avLst/>
-          </a:prstGeom>
-          <a:noFill/>
-        </p:spPr>
-        <p:txBody>
-          <a:bodyPr wrap="square" rtlCol="0">
-            <a:spAutoFit/>
-          </a:bodyPr>
-          <a:lstStyle/>
-          <a:p>
-            <a:r>
-              <a:rPr lang="tr-TR" sz="1600" b="1" dirty="0" err="1"/>
-              <a:t>Modules</a:t>
-            </a:r>
-            <a:r>
-              <a:rPr lang="tr-TR" sz="1600" b="1" dirty="0"/>
-              <a:t> 3,4</a:t>
-            </a:r>
-            <a:endParaRPr lang="en-US" sz="1600" b="1" dirty="0"/>
-          </a:p>
-        </p:txBody>
-      </p:sp>
-      <p:sp>
-        <p:nvSpPr>
-          <p:cNvPr id="29" name="Slide Number Placeholder 9">
-            <a:extLst>
-              <a:ext uri="{FF2B5EF4-FFF2-40B4-BE49-F238E27FC236}">
-                <a16:creationId xmlns:a16="http://schemas.microsoft.com/office/drawing/2014/main" id="{804930DC-F461-4DF7-8194-FF0543420A9E}"/>
+          <p:cNvPr id="19" name="Slide Number Placeholder 9">
+            <a:extLst>
+              <a:ext uri="{FF2B5EF4-FFF2-40B4-BE49-F238E27FC236}">
+                <a16:creationId xmlns:a16="http://schemas.microsoft.com/office/drawing/2014/main" id="{85D9F5EC-4A85-495F-B00B-A5EE30CF651D}"/>
               </a:ext>
             </a:extLst>
           </p:cNvPr>
@@ -5635,137 +5413,13 @@
     </p:spTree>
     <p:extLst>
       <p:ext uri="{BB962C8B-B14F-4D97-AF65-F5344CB8AC3E}">
-        <p14:creationId xmlns:p14="http://schemas.microsoft.com/office/powerpoint/2010/main" val="218358080"/>
+        <p14:creationId xmlns:p14="http://schemas.microsoft.com/office/powerpoint/2010/main" val="1038672925"/>
       </p:ext>
     </p:extLst>
   </p:cSld>
   <p:clrMapOvr>
     <a:masterClrMapping/>
   </p:clrMapOvr>
-  <p:timing>
-    <p:tnLst>
-      <p:par>
-        <p:cTn id="1" dur="indefinite" restart="never" nodeType="tmRoot">
-          <p:childTnLst>
-            <p:seq concurrent="1" nextAc="seek">
-              <p:cTn id="2" dur="indefinite" nodeType="mainSeq">
-                <p:childTnLst>
-                  <p:par>
-                    <p:cTn id="3" fill="hold">
-                      <p:stCondLst>
-                        <p:cond delay="indefinite"/>
-                      </p:stCondLst>
-                      <p:childTnLst>
-                        <p:par>
-                          <p:cTn id="4" fill="hold">
-                            <p:stCondLst>
-                              <p:cond delay="0"/>
-                            </p:stCondLst>
-                            <p:childTnLst>
-                              <p:par>
-                                <p:cTn id="5" presetID="1" presetClass="entr" presetSubtype="0" fill="hold" grpId="0" nodeType="clickEffect">
-                                  <p:stCondLst>
-                                    <p:cond delay="0"/>
-                                  </p:stCondLst>
-                                  <p:childTnLst>
-                                    <p:set>
-                                      <p:cBhvr>
-                                        <p:cTn id="6" dur="1" fill="hold">
-                                          <p:stCondLst>
-                                            <p:cond delay="0"/>
-                                          </p:stCondLst>
-                                        </p:cTn>
-                                        <p:tgtEl>
-                                          <p:spTgt spid="20"/>
-                                        </p:tgtEl>
-                                        <p:attrNameLst>
-                                          <p:attrName>style.visibility</p:attrName>
-                                        </p:attrNameLst>
-                                      </p:cBhvr>
-                                      <p:to>
-                                        <p:strVal val="visible"/>
-                                      </p:to>
-                                    </p:set>
-                                  </p:childTnLst>
-                                </p:cTn>
-                              </p:par>
-                            </p:childTnLst>
-                          </p:cTn>
-                        </p:par>
-                      </p:childTnLst>
-                    </p:cTn>
-                  </p:par>
-                  <p:par>
-                    <p:cTn id="7" fill="hold">
-                      <p:stCondLst>
-                        <p:cond delay="indefinite"/>
-                      </p:stCondLst>
-                      <p:childTnLst>
-                        <p:par>
-                          <p:cTn id="8" fill="hold">
-                            <p:stCondLst>
-                              <p:cond delay="0"/>
-                            </p:stCondLst>
-                            <p:childTnLst>
-                              <p:par>
-                                <p:cTn id="9" presetID="1" presetClass="entr" presetSubtype="0" fill="hold" grpId="0" nodeType="clickEffect">
-                                  <p:stCondLst>
-                                    <p:cond delay="0"/>
-                                  </p:stCondLst>
-                                  <p:childTnLst>
-                                    <p:set>
-                                      <p:cBhvr>
-                                        <p:cTn id="10" dur="1" fill="hold">
-                                          <p:stCondLst>
-                                            <p:cond delay="0"/>
-                                          </p:stCondLst>
-                                        </p:cTn>
-                                        <p:tgtEl>
-                                          <p:spTgt spid="17"/>
-                                        </p:tgtEl>
-                                        <p:attrNameLst>
-                                          <p:attrName>style.visibility</p:attrName>
-                                        </p:attrNameLst>
-                                      </p:cBhvr>
-                                      <p:to>
-                                        <p:strVal val="visible"/>
-                                      </p:to>
-                                    </p:set>
-                                  </p:childTnLst>
-                                </p:cTn>
-                              </p:par>
-                            </p:childTnLst>
-                          </p:cTn>
-                        </p:par>
-                      </p:childTnLst>
-                    </p:cTn>
-                  </p:par>
-                </p:childTnLst>
-              </p:cTn>
-              <p:prevCondLst>
-                <p:cond evt="onPrev" delay="0">
-                  <p:tgtEl>
-                    <p:sldTgt/>
-                  </p:tgtEl>
-                </p:cond>
-              </p:prevCondLst>
-              <p:nextCondLst>
-                <p:cond evt="onNext" delay="0">
-                  <p:tgtEl>
-                    <p:sldTgt/>
-                  </p:tgtEl>
-                </p:cond>
-              </p:nextCondLst>
-            </p:seq>
-          </p:childTnLst>
-        </p:cTn>
-      </p:par>
-    </p:tnLst>
-    <p:bldLst>
-      <p:bldP spid="20" grpId="0"/>
-      <p:bldP spid="17" grpId="0"/>
-    </p:bldLst>
-  </p:timing>
 </p:sld>
 </file>
 
@@ -6475,33 +6129,6 @@
                                   </p:childTnLst>
                                 </p:cTn>
                               </p:par>
-                              <p:par>
-                                <p:cTn id="15" presetID="1" presetClass="entr" presetSubtype="0" fill="hold" nodeType="withEffect">
-                                  <p:stCondLst>
-                                    <p:cond delay="0"/>
-                                  </p:stCondLst>
-                                  <p:childTnLst>
-                                    <p:set>
-                                      <p:cBhvr>
-                                        <p:cTn id="16" dur="1" fill="hold">
-                                          <p:stCondLst>
-                                            <p:cond delay="0"/>
-                                          </p:stCondLst>
-                                        </p:cTn>
-                                        <p:tgtEl>
-                                          <p:spTgt spid="3"/>
-                                        </p:tgtEl>
-                                        <p:attrNameLst>
-                                          <p:attrName>style.visibility</p:attrName>
-                                        </p:attrNameLst>
-                                      </p:cBhvr>
-                                      <p:to>
-                                        <p:strVal val="visible"/>
-                                      </p:to>
-                                    </p:set>
-                                  </p:childTnLst>
-                                </p:cTn>
-                              </p:par>
                             </p:childTnLst>
                           </p:cTn>
                         </p:par>
@@ -7305,7 +6932,7 @@
           <p:nvPr/>
         </p:nvPicPr>
         <p:blipFill>
-          <a:blip r:embed="rId3" cstate="print">
+          <a:blip r:embed="rId2" cstate="print">
             <a:extLst>
               <a:ext uri="{28A0092B-C50C-407E-A947-70E740481C1C}">
                 <a14:useLocalDpi xmlns:a14="http://schemas.microsoft.com/office/drawing/2010/main" val="0"/>
@@ -7350,7 +6977,7 @@
           <p:nvPr/>
         </p:nvPicPr>
         <p:blipFill rotWithShape="1">
-          <a:blip r:embed="rId4" cstate="print">
+          <a:blip r:embed="rId3" cstate="print">
             <a:extLst>
               <a:ext uri="{28A0092B-C50C-407E-A947-70E740481C1C}">
                 <a14:useLocalDpi xmlns:a14="http://schemas.microsoft.com/office/drawing/2010/main" val="0"/>
@@ -7401,7 +7028,7 @@
           <p:nvPr/>
         </p:nvPicPr>
         <p:blipFill>
-          <a:blip r:embed="rId5" cstate="print">
+          <a:blip r:embed="rId4" cstate="print">
             <a:extLst>
               <a:ext uri="{28A0092B-C50C-407E-A947-70E740481C1C}">
                 <a14:useLocalDpi xmlns:a14="http://schemas.microsoft.com/office/drawing/2010/main" val="0"/>
@@ -7473,90 +7100,10 @@
       </p:cxnSp>
       <p:sp>
         <p:nvSpPr>
-          <p:cNvPr id="10" name="TextBox 9">
-            <a:extLst>
-              <a:ext uri="{FF2B5EF4-FFF2-40B4-BE49-F238E27FC236}">
-                <a16:creationId xmlns:a16="http://schemas.microsoft.com/office/drawing/2014/main" id="{DB32AD30-3B2B-490B-9C80-C58A3BFD95B3}"/>
-              </a:ext>
-            </a:extLst>
-          </p:cNvPr>
-          <p:cNvSpPr txBox="1"/>
-          <p:nvPr/>
-        </p:nvSpPr>
-        <p:spPr>
-          <a:xfrm>
-            <a:off x="307758" y="128754"/>
-            <a:ext cx="11076534" cy="769441"/>
-          </a:xfrm>
-          <a:prstGeom prst="rect">
-            <a:avLst/>
-          </a:prstGeom>
-          <a:noFill/>
-        </p:spPr>
-        <p:txBody>
-          <a:bodyPr wrap="square" rtlCol="0">
-            <a:spAutoFit/>
-          </a:bodyPr>
-          <a:lstStyle/>
-          <a:p>
-            <a:pPr algn="ctr"/>
-            <a:r>
-              <a:rPr lang="tr-TR" sz="4400" b="1" dirty="0">
-                <a:latin typeface="Adobe Heiti Std R" panose="020B0400000000000000" pitchFamily="34" charset="-128"/>
-                <a:ea typeface="Adobe Heiti Std R" panose="020B0400000000000000" pitchFamily="34" charset="-128"/>
-              </a:rPr>
-              <a:t>Evaluation &amp; </a:t>
-            </a:r>
-            <a:r>
-              <a:rPr lang="tr-TR" sz="4400" b="1" dirty="0" err="1">
-                <a:latin typeface="Adobe Heiti Std R" panose="020B0400000000000000" pitchFamily="34" charset="-128"/>
-                <a:ea typeface="Adobe Heiti Std R" panose="020B0400000000000000" pitchFamily="34" charset="-128"/>
-              </a:rPr>
-              <a:t>Results</a:t>
-            </a:r>
-            <a:endParaRPr lang="en-US" sz="3400" b="1" dirty="0">
-              <a:latin typeface="Adobe Heiti Std R" panose="020B0400000000000000" pitchFamily="34" charset="-128"/>
-              <a:ea typeface="Adobe Heiti Std R" panose="020B0400000000000000" pitchFamily="34" charset="-128"/>
-            </a:endParaRPr>
-          </a:p>
-        </p:txBody>
-      </p:sp>
-      <p:pic>
-        <p:nvPicPr>
-          <p:cNvPr id="6" name="Picture 5">
-            <a:extLst>
-              <a:ext uri="{FF2B5EF4-FFF2-40B4-BE49-F238E27FC236}">
-                <a16:creationId xmlns:a16="http://schemas.microsoft.com/office/drawing/2014/main" id="{F3203454-7F9C-4254-B326-DCA64D19E82E}"/>
-              </a:ext>
-            </a:extLst>
-          </p:cNvPr>
-          <p:cNvPicPr>
-            <a:picLocks noChangeAspect="1"/>
-          </p:cNvPicPr>
-          <p:nvPr/>
-        </p:nvPicPr>
-        <p:blipFill>
-          <a:blip r:embed="rId6"/>
-          <a:stretch>
-            <a:fillRect/>
-          </a:stretch>
-        </p:blipFill>
-        <p:spPr>
-          <a:xfrm>
-            <a:off x="1388325" y="1074383"/>
-            <a:ext cx="8915400" cy="5265816"/>
-          </a:xfrm>
-          <a:prstGeom prst="rect">
-            <a:avLst/>
-          </a:prstGeom>
-        </p:spPr>
-      </p:pic>
-      <p:sp>
-        <p:nvSpPr>
-          <p:cNvPr id="19" name="Slide Number Placeholder 9">
-            <a:extLst>
-              <a:ext uri="{FF2B5EF4-FFF2-40B4-BE49-F238E27FC236}">
-                <a16:creationId xmlns:a16="http://schemas.microsoft.com/office/drawing/2014/main" id="{85D9F5EC-4A85-495F-B00B-A5EE30CF651D}"/>
+          <p:cNvPr id="14" name="Slide Number Placeholder 9">
+            <a:extLst>
+              <a:ext uri="{FF2B5EF4-FFF2-40B4-BE49-F238E27FC236}">
+                <a16:creationId xmlns:a16="http://schemas.microsoft.com/office/drawing/2014/main" id="{A3C1AF35-BF34-42B8-8289-AEABDA66BDA1}"/>
               </a:ext>
             </a:extLst>
           </p:cNvPr>
@@ -7589,10 +7136,217 @@
           </a:p>
         </p:txBody>
       </p:sp>
+      <p:pic>
+        <p:nvPicPr>
+          <p:cNvPr id="10" name="Picture 9">
+            <a:extLst>
+              <a:ext uri="{FF2B5EF4-FFF2-40B4-BE49-F238E27FC236}">
+                <a16:creationId xmlns:a16="http://schemas.microsoft.com/office/drawing/2014/main" id="{6B51DD7D-2D69-4137-A047-0C7141866EFB}"/>
+              </a:ext>
+            </a:extLst>
+          </p:cNvPr>
+          <p:cNvPicPr>
+            <a:picLocks noChangeAspect="1"/>
+          </p:cNvPicPr>
+          <p:nvPr/>
+        </p:nvPicPr>
+        <p:blipFill>
+          <a:blip r:embed="rId5" cstate="print">
+            <a:extLst>
+              <a:ext uri="{28A0092B-C50C-407E-A947-70E740481C1C}">
+                <a14:useLocalDpi xmlns:a14="http://schemas.microsoft.com/office/drawing/2010/main" val="0"/>
+              </a:ext>
+            </a:extLst>
+          </a:blip>
+          <a:stretch>
+            <a:fillRect/>
+          </a:stretch>
+        </p:blipFill>
+        <p:spPr>
+          <a:xfrm>
+            <a:off x="4658895" y="1296573"/>
+            <a:ext cx="2874209" cy="2874209"/>
+          </a:xfrm>
+          <a:prstGeom prst="rect">
+            <a:avLst/>
+          </a:prstGeom>
+        </p:spPr>
+      </p:pic>
+      <p:sp>
+        <p:nvSpPr>
+          <p:cNvPr id="11" name="TextBox 10">
+            <a:extLst>
+              <a:ext uri="{FF2B5EF4-FFF2-40B4-BE49-F238E27FC236}">
+                <a16:creationId xmlns:a16="http://schemas.microsoft.com/office/drawing/2014/main" id="{62BF51F1-5674-4CF1-8ED8-222633AF07DE}"/>
+              </a:ext>
+            </a:extLst>
+          </p:cNvPr>
+          <p:cNvSpPr txBox="1"/>
+          <p:nvPr/>
+        </p:nvSpPr>
+        <p:spPr>
+          <a:xfrm>
+            <a:off x="2284927" y="4267786"/>
+            <a:ext cx="7622144" cy="1508105"/>
+          </a:xfrm>
+          <a:prstGeom prst="rect">
+            <a:avLst/>
+          </a:prstGeom>
+          <a:noFill/>
+        </p:spPr>
+        <p:txBody>
+          <a:bodyPr wrap="square" rtlCol="0">
+            <a:spAutoFit/>
+          </a:bodyPr>
+          <a:lstStyle/>
+          <a:p>
+            <a:pPr algn="ctr"/>
+            <a:r>
+              <a:rPr lang="tr-TR" sz="2600" dirty="0">
+                <a:latin typeface="Adobe Heiti Std R" panose="020B0400000000000000" pitchFamily="34" charset="-128"/>
+                <a:ea typeface="Adobe Heiti Std R" panose="020B0400000000000000" pitchFamily="34" charset="-128"/>
+                <a:cs typeface="Times New Roman" panose="02020603050405020304" pitchFamily="18" charset="0"/>
+              </a:rPr>
+              <a:t>Hakan SARA</a:t>
+            </a:r>
+            <a:r>
+              <a:rPr lang="tr-TR" sz="3200" dirty="0">
+                <a:latin typeface="Adobe Heiti Std R" panose="020B0400000000000000" pitchFamily="34" charset="-128"/>
+                <a:ea typeface="Adobe Heiti Std R" panose="020B0400000000000000" pitchFamily="34" charset="-128"/>
+                <a:cs typeface="Times New Roman" panose="02020603050405020304" pitchFamily="18" charset="0"/>
+              </a:rPr>
+              <a:t>Ç</a:t>
+            </a:r>
+            <a:endParaRPr lang="tr-TR" sz="2600" dirty="0">
+              <a:latin typeface="Adobe Heiti Std R" panose="020B0400000000000000" pitchFamily="34" charset="-128"/>
+              <a:ea typeface="Adobe Heiti Std R" panose="020B0400000000000000" pitchFamily="34" charset="-128"/>
+              <a:cs typeface="Times New Roman" panose="02020603050405020304" pitchFamily="18" charset="0"/>
+            </a:endParaRPr>
+          </a:p>
+          <a:p>
+            <a:pPr algn="ctr"/>
+            <a:r>
+              <a:rPr lang="tr-TR" sz="2000" dirty="0">
+                <a:latin typeface="Adobe Heiti Std R" panose="020B0400000000000000" pitchFamily="34" charset="-128"/>
+                <a:ea typeface="Adobe Heiti Std R" panose="020B0400000000000000" pitchFamily="34" charset="-128"/>
+                <a:cs typeface="Times New Roman" panose="02020603050405020304" pitchFamily="18" charset="0"/>
+                <a:hlinkClick r:id="rId6"/>
+              </a:rPr>
+              <a:t>hakan.sarac@metu.edu.tr</a:t>
+            </a:r>
+            <a:endParaRPr lang="en-US" sz="2000" dirty="0">
+              <a:latin typeface="Adobe Heiti Std R" panose="020B0400000000000000" pitchFamily="34" charset="-128"/>
+              <a:ea typeface="Adobe Heiti Std R" panose="020B0400000000000000" pitchFamily="34" charset="-128"/>
+              <a:cs typeface="Times New Roman" panose="02020603050405020304" pitchFamily="18" charset="0"/>
+            </a:endParaRPr>
+          </a:p>
+          <a:p>
+            <a:pPr algn="ctr"/>
+            <a:r>
+              <a:rPr lang="en-US" sz="2000" dirty="0">
+                <a:latin typeface="Adobe Heiti Std R" panose="020B0400000000000000" pitchFamily="34" charset="-128"/>
+                <a:ea typeface="Adobe Heiti Std R" panose="020B0400000000000000" pitchFamily="34" charset="-128"/>
+                <a:cs typeface="Times New Roman" panose="02020603050405020304" pitchFamily="18" charset="0"/>
+              </a:rPr>
+              <a:t>Department of Electrical and Electronics Engineering</a:t>
+            </a:r>
+          </a:p>
+          <a:p>
+            <a:pPr algn="ctr"/>
+            <a:r>
+              <a:rPr lang="en-US" sz="2000" dirty="0">
+                <a:latin typeface="Adobe Heiti Std R" panose="020B0400000000000000" pitchFamily="34" charset="-128"/>
+                <a:ea typeface="Adobe Heiti Std R" panose="020B0400000000000000" pitchFamily="34" charset="-128"/>
+                <a:cs typeface="Times New Roman" panose="02020603050405020304" pitchFamily="18" charset="0"/>
+              </a:rPr>
+              <a:t>Middle East Technical University</a:t>
+            </a:r>
+          </a:p>
+        </p:txBody>
+      </p:sp>
+      <p:sp>
+        <p:nvSpPr>
+          <p:cNvPr id="3" name="Rectangle 2">
+            <a:extLst>
+              <a:ext uri="{FF2B5EF4-FFF2-40B4-BE49-F238E27FC236}">
+                <a16:creationId xmlns:a16="http://schemas.microsoft.com/office/drawing/2014/main" id="{0E34C710-D4E9-4983-AF02-00CF597AF8D1}"/>
+              </a:ext>
+            </a:extLst>
+          </p:cNvPr>
+          <p:cNvSpPr/>
+          <p:nvPr/>
+        </p:nvSpPr>
+        <p:spPr>
+          <a:xfrm>
+            <a:off x="4615820" y="6362550"/>
+            <a:ext cx="3072444" cy="369332"/>
+          </a:xfrm>
+          <a:prstGeom prst="rect">
+            <a:avLst/>
+          </a:prstGeom>
+        </p:spPr>
+        <p:txBody>
+          <a:bodyPr wrap="none">
+            <a:spAutoFit/>
+          </a:bodyPr>
+          <a:lstStyle/>
+          <a:p>
+            <a:r>
+              <a:rPr lang="en-US" dirty="0">
+                <a:hlinkClick r:id="rId7"/>
+              </a:rPr>
+              <a:t>http://power.eee.metu.edu.tr/</a:t>
+            </a:r>
+            <a:endParaRPr lang="en-US" dirty="0"/>
+          </a:p>
+        </p:txBody>
+      </p:sp>
+      <p:pic>
+        <p:nvPicPr>
+          <p:cNvPr id="13" name="Picture 12" descr="C:\Users\ugurm\Desktop\gitthub\IMMD\GRW2017\Metu5.png">
+            <a:extLst>
+              <a:ext uri="{FF2B5EF4-FFF2-40B4-BE49-F238E27FC236}">
+                <a16:creationId xmlns:a16="http://schemas.microsoft.com/office/drawing/2014/main" id="{03A1FFDF-6FFD-4EFB-996E-43E0B6FD95D8}"/>
+              </a:ext>
+            </a:extLst>
+          </p:cNvPr>
+          <p:cNvPicPr/>
+          <p:nvPr/>
+        </p:nvPicPr>
+        <p:blipFill rotWithShape="1">
+          <a:blip r:embed="rId3" cstate="print">
+            <a:extLst>
+              <a:ext uri="{28A0092B-C50C-407E-A947-70E740481C1C}">
+                <a14:useLocalDpi xmlns:a14="http://schemas.microsoft.com/office/drawing/2010/main" val="0"/>
+              </a:ext>
+            </a:extLst>
+          </a:blip>
+          <a:srcRect l="14652" t="39667" r="15041" b="41051"/>
+          <a:stretch/>
+        </p:blipFill>
+        <p:spPr bwMode="auto">
+          <a:xfrm>
+            <a:off x="4438456" y="5689173"/>
+            <a:ext cx="3427172" cy="760096"/>
+          </a:xfrm>
+          <a:prstGeom prst="rect">
+            <a:avLst/>
+          </a:prstGeom>
+          <a:noFill/>
+          <a:ln>
+            <a:noFill/>
+          </a:ln>
+          <a:extLst>
+            <a:ext uri="{53640926-AAD7-44D8-BBD7-CCE9431645EC}">
+              <a14:shadowObscured xmlns:a14="http://schemas.microsoft.com/office/drawing/2010/main"/>
+            </a:ext>
+          </a:extLst>
+        </p:spPr>
+      </p:pic>
     </p:spTree>
     <p:extLst>
       <p:ext uri="{BB962C8B-B14F-4D97-AF65-F5344CB8AC3E}">
-        <p14:creationId xmlns:p14="http://schemas.microsoft.com/office/powerpoint/2010/main" val="1038672925"/>
+        <p14:creationId xmlns:p14="http://schemas.microsoft.com/office/powerpoint/2010/main" val="659441395"/>
       </p:ext>
     </p:extLst>
   </p:cSld>
@@ -9485,7 +9239,7 @@
         <p:spPr>
           <a:xfrm>
             <a:off x="1732739" y="957918"/>
-            <a:ext cx="6114771" cy="5970865"/>
+            <a:ext cx="6114771" cy="4062651"/>
           </a:xfrm>
           <a:prstGeom prst="rect">
             <a:avLst/>
@@ -9684,199 +9438,6 @@
               </a:spcAft>
             </a:pPr>
             <a:endParaRPr lang="tr-TR" sz="2400" dirty="0">
-              <a:latin typeface="Adobe Heiti Std R" panose="020B0400000000000000" pitchFamily="34" charset="-128"/>
-              <a:ea typeface="Adobe Heiti Std R" panose="020B0400000000000000" pitchFamily="34" charset="-128"/>
-              <a:cs typeface="Times New Roman" panose="02020603050405020304" pitchFamily="18" charset="0"/>
-            </a:endParaRPr>
-          </a:p>
-          <a:p>
-            <a:pPr>
-              <a:spcAft>
-                <a:spcPts val="1200"/>
-              </a:spcAft>
-            </a:pPr>
-            <a:r>
-              <a:rPr lang="tr-TR" sz="2400" dirty="0">
-                <a:latin typeface="Adobe Heiti Std R" panose="020B0400000000000000" pitchFamily="34" charset="-128"/>
-                <a:ea typeface="Adobe Heiti Std R" panose="020B0400000000000000" pitchFamily="34" charset="-128"/>
-                <a:cs typeface="Times New Roman" panose="02020603050405020304" pitchFamily="18" charset="0"/>
-              </a:rPr>
-              <a:t>Drive </a:t>
-            </a:r>
-            <a:r>
-              <a:rPr lang="tr-TR" sz="2400" dirty="0" err="1">
-                <a:latin typeface="Adobe Heiti Std R" panose="020B0400000000000000" pitchFamily="34" charset="-128"/>
-                <a:ea typeface="Adobe Heiti Std R" panose="020B0400000000000000" pitchFamily="34" charset="-128"/>
-                <a:cs typeface="Times New Roman" panose="02020603050405020304" pitchFamily="18" charset="0"/>
-              </a:rPr>
-              <a:t>and</a:t>
-            </a:r>
-            <a:r>
-              <a:rPr lang="tr-TR" sz="2400" dirty="0">
-                <a:latin typeface="Adobe Heiti Std R" panose="020B0400000000000000" pitchFamily="34" charset="-128"/>
-                <a:ea typeface="Adobe Heiti Std R" panose="020B0400000000000000" pitchFamily="34" charset="-128"/>
-                <a:cs typeface="Times New Roman" panose="02020603050405020304" pitchFamily="18" charset="0"/>
-              </a:rPr>
-              <a:t> motor </a:t>
-            </a:r>
-            <a:r>
-              <a:rPr lang="tr-TR" sz="2400" dirty="0" err="1">
-                <a:latin typeface="Adobe Heiti Std R" panose="020B0400000000000000" pitchFamily="34" charset="-128"/>
-                <a:ea typeface="Adobe Heiti Std R" panose="020B0400000000000000" pitchFamily="34" charset="-128"/>
-                <a:cs typeface="Times New Roman" panose="02020603050405020304" pitchFamily="18" charset="0"/>
-              </a:rPr>
-              <a:t>are</a:t>
-            </a:r>
-            <a:r>
-              <a:rPr lang="tr-TR" sz="2400" dirty="0">
-                <a:latin typeface="Adobe Heiti Std R" panose="020B0400000000000000" pitchFamily="34" charset="-128"/>
-                <a:ea typeface="Adobe Heiti Std R" panose="020B0400000000000000" pitchFamily="34" charset="-128"/>
-                <a:cs typeface="Times New Roman" panose="02020603050405020304" pitchFamily="18" charset="0"/>
-              </a:rPr>
-              <a:t> </a:t>
-            </a:r>
-            <a:r>
-              <a:rPr lang="tr-TR" sz="2400" dirty="0" err="1">
-                <a:latin typeface="Adobe Heiti Std R" panose="020B0400000000000000" pitchFamily="34" charset="-128"/>
-                <a:ea typeface="Adobe Heiti Std R" panose="020B0400000000000000" pitchFamily="34" charset="-128"/>
-                <a:cs typeface="Times New Roman" panose="02020603050405020304" pitchFamily="18" charset="0"/>
-              </a:rPr>
-              <a:t>integrated</a:t>
-            </a:r>
-            <a:endParaRPr lang="tr-TR" sz="2400" dirty="0">
-              <a:latin typeface="Adobe Heiti Std R" panose="020B0400000000000000" pitchFamily="34" charset="-128"/>
-              <a:ea typeface="Adobe Heiti Std R" panose="020B0400000000000000" pitchFamily="34" charset="-128"/>
-              <a:cs typeface="Times New Roman" panose="02020603050405020304" pitchFamily="18" charset="0"/>
-            </a:endParaRPr>
-          </a:p>
-          <a:p>
-            <a:pPr marL="342900" indent="-342900">
-              <a:spcAft>
-                <a:spcPts val="1200"/>
-              </a:spcAft>
-              <a:buFont typeface="Arial" panose="020B0604020202020204" pitchFamily="34" charset="0"/>
-              <a:buChar char="•"/>
-            </a:pPr>
-            <a:r>
-              <a:rPr lang="tr-TR" sz="2000" dirty="0" err="1">
-                <a:latin typeface="Adobe Heiti Std R" panose="020B0400000000000000" pitchFamily="34" charset="-128"/>
-                <a:ea typeface="Adobe Heiti Std R" panose="020B0400000000000000" pitchFamily="34" charset="-128"/>
-                <a:cs typeface="Times New Roman" panose="02020603050405020304" pitchFamily="18" charset="0"/>
-              </a:rPr>
-              <a:t>Reduced</a:t>
-            </a:r>
-            <a:r>
-              <a:rPr lang="tr-TR" sz="2000" dirty="0">
-                <a:latin typeface="Adobe Heiti Std R" panose="020B0400000000000000" pitchFamily="34" charset="-128"/>
-                <a:ea typeface="Adobe Heiti Std R" panose="020B0400000000000000" pitchFamily="34" charset="-128"/>
-                <a:cs typeface="Times New Roman" panose="02020603050405020304" pitchFamily="18" charset="0"/>
-              </a:rPr>
-              <a:t> </a:t>
-            </a:r>
-            <a:r>
-              <a:rPr lang="tr-TR" sz="2000" dirty="0" err="1">
-                <a:latin typeface="Adobe Heiti Std R" panose="020B0400000000000000" pitchFamily="34" charset="-128"/>
-                <a:ea typeface="Adobe Heiti Std R" panose="020B0400000000000000" pitchFamily="34" charset="-128"/>
-                <a:cs typeface="Times New Roman" panose="02020603050405020304" pitchFamily="18" charset="0"/>
-              </a:rPr>
-              <a:t>overall</a:t>
-            </a:r>
-            <a:r>
-              <a:rPr lang="tr-TR" sz="2000" dirty="0">
-                <a:latin typeface="Adobe Heiti Std R" panose="020B0400000000000000" pitchFamily="34" charset="-128"/>
-                <a:ea typeface="Adobe Heiti Std R" panose="020B0400000000000000" pitchFamily="34" charset="-128"/>
-                <a:cs typeface="Times New Roman" panose="02020603050405020304" pitchFamily="18" charset="0"/>
-              </a:rPr>
-              <a:t> size</a:t>
-            </a:r>
-          </a:p>
-          <a:p>
-            <a:pPr marL="342900" indent="-342900">
-              <a:spcAft>
-                <a:spcPts val="1200"/>
-              </a:spcAft>
-              <a:buFont typeface="Arial" panose="020B0604020202020204" pitchFamily="34" charset="0"/>
-              <a:buChar char="•"/>
-            </a:pPr>
-            <a:r>
-              <a:rPr lang="tr-TR" sz="2000" dirty="0">
-                <a:latin typeface="Adobe Heiti Std R" panose="020B0400000000000000" pitchFamily="34" charset="-128"/>
-                <a:ea typeface="Adobe Heiti Std R" panose="020B0400000000000000" pitchFamily="34" charset="-128"/>
-                <a:cs typeface="Times New Roman" panose="02020603050405020304" pitchFamily="18" charset="0"/>
-              </a:rPr>
-              <a:t>Modular </a:t>
-            </a:r>
-            <a:r>
-              <a:rPr lang="tr-TR" sz="2000" dirty="0" err="1">
-                <a:latin typeface="Adobe Heiti Std R" panose="020B0400000000000000" pitchFamily="34" charset="-128"/>
-                <a:ea typeface="Adobe Heiti Std R" panose="020B0400000000000000" pitchFamily="34" charset="-128"/>
-                <a:cs typeface="Times New Roman" panose="02020603050405020304" pitchFamily="18" charset="0"/>
-              </a:rPr>
-              <a:t>structure</a:t>
-            </a:r>
-            <a:r>
-              <a:rPr lang="tr-TR" sz="2000" dirty="0">
-                <a:latin typeface="Adobe Heiti Std R" panose="020B0400000000000000" pitchFamily="34" charset="-128"/>
-                <a:ea typeface="Adobe Heiti Std R" panose="020B0400000000000000" pitchFamily="34" charset="-128"/>
-                <a:cs typeface="Times New Roman" panose="02020603050405020304" pitchFamily="18" charset="0"/>
-              </a:rPr>
-              <a:t>	</a:t>
-            </a:r>
-            <a:endParaRPr lang="en-US" sz="2000" dirty="0">
-              <a:latin typeface="Adobe Heiti Std R" panose="020B0400000000000000" pitchFamily="34" charset="-128"/>
-              <a:ea typeface="Adobe Heiti Std R" panose="020B0400000000000000" pitchFamily="34" charset="-128"/>
-              <a:cs typeface="Times New Roman" panose="02020603050405020304" pitchFamily="18" charset="0"/>
-            </a:endParaRPr>
-          </a:p>
-          <a:p>
-            <a:pPr marL="342900" indent="-342900">
-              <a:spcAft>
-                <a:spcPts val="1200"/>
-              </a:spcAft>
-              <a:buFont typeface="Arial" panose="020B0604020202020204" pitchFamily="34" charset="0"/>
-              <a:buChar char="•"/>
-            </a:pPr>
-            <a:r>
-              <a:rPr lang="tr-TR" sz="2000" dirty="0" err="1">
-                <a:latin typeface="Adobe Heiti Std R" panose="020B0400000000000000" pitchFamily="34" charset="-128"/>
-                <a:ea typeface="Adobe Heiti Std R" panose="020B0400000000000000" pitchFamily="34" charset="-128"/>
-                <a:cs typeface="Times New Roman" panose="02020603050405020304" pitchFamily="18" charset="0"/>
-              </a:rPr>
-              <a:t>Fault</a:t>
-            </a:r>
-            <a:r>
-              <a:rPr lang="tr-TR" sz="2000" dirty="0">
-                <a:latin typeface="Adobe Heiti Std R" panose="020B0400000000000000" pitchFamily="34" charset="-128"/>
-                <a:ea typeface="Adobe Heiti Std R" panose="020B0400000000000000" pitchFamily="34" charset="-128"/>
-                <a:cs typeface="Times New Roman" panose="02020603050405020304" pitchFamily="18" charset="0"/>
-              </a:rPr>
-              <a:t> </a:t>
-            </a:r>
-            <a:r>
-              <a:rPr lang="tr-TR" sz="2000" dirty="0" err="1">
-                <a:latin typeface="Adobe Heiti Std R" panose="020B0400000000000000" pitchFamily="34" charset="-128"/>
-                <a:ea typeface="Adobe Heiti Std R" panose="020B0400000000000000" pitchFamily="34" charset="-128"/>
-                <a:cs typeface="Times New Roman" panose="02020603050405020304" pitchFamily="18" charset="0"/>
-              </a:rPr>
-              <a:t>tolerance</a:t>
-            </a:r>
-            <a:r>
-              <a:rPr lang="tr-TR" sz="2000" dirty="0">
-                <a:latin typeface="Adobe Heiti Std R" panose="020B0400000000000000" pitchFamily="34" charset="-128"/>
-                <a:ea typeface="Adobe Heiti Std R" panose="020B0400000000000000" pitchFamily="34" charset="-128"/>
-                <a:cs typeface="Times New Roman" panose="02020603050405020304" pitchFamily="18" charset="0"/>
-              </a:rPr>
-              <a:t> </a:t>
-            </a:r>
-            <a:r>
-              <a:rPr lang="tr-TR" sz="2000" dirty="0" err="1">
-                <a:latin typeface="Adobe Heiti Std R" panose="020B0400000000000000" pitchFamily="34" charset="-128"/>
-                <a:ea typeface="Adobe Heiti Std R" panose="020B0400000000000000" pitchFamily="34" charset="-128"/>
-                <a:cs typeface="Times New Roman" panose="02020603050405020304" pitchFamily="18" charset="0"/>
-              </a:rPr>
-              <a:t>capability</a:t>
-            </a:r>
-            <a:endParaRPr lang="tr-TR" sz="2000" dirty="0">
               <a:latin typeface="Adobe Heiti Std R" panose="020B0400000000000000" pitchFamily="34" charset="-128"/>
               <a:ea typeface="Adobe Heiti Std R" panose="020B0400000000000000" pitchFamily="34" charset="-128"/>
               <a:cs typeface="Times New Roman" panose="02020603050405020304" pitchFamily="18" charset="0"/>
@@ -10066,6 +9627,228 @@
               <a:t>/15</a:t>
             </a:r>
             <a:endParaRPr lang="en-US" dirty="0"/>
+          </a:p>
+        </p:txBody>
+      </p:sp>
+      <p:sp>
+        <p:nvSpPr>
+          <p:cNvPr id="8" name="TextBox 7">
+            <a:extLst>
+              <a:ext uri="{FF2B5EF4-FFF2-40B4-BE49-F238E27FC236}">
+                <a16:creationId xmlns:a16="http://schemas.microsoft.com/office/drawing/2014/main" id="{6962E563-86E9-44BF-924A-0663AB01D76B}"/>
+              </a:ext>
+            </a:extLst>
+          </p:cNvPr>
+          <p:cNvSpPr txBox="1"/>
+          <p:nvPr/>
+        </p:nvSpPr>
+        <p:spPr>
+          <a:xfrm>
+            <a:off x="1732739" y="3429000"/>
+            <a:ext cx="4685876" cy="1846659"/>
+          </a:xfrm>
+          <a:prstGeom prst="rect">
+            <a:avLst/>
+          </a:prstGeom>
+          <a:noFill/>
+        </p:spPr>
+        <p:txBody>
+          <a:bodyPr wrap="square" rtlCol="0">
+            <a:spAutoFit/>
+          </a:bodyPr>
+          <a:lstStyle/>
+          <a:p>
+            <a:pPr>
+              <a:spcAft>
+                <a:spcPts val="1200"/>
+              </a:spcAft>
+            </a:pPr>
+            <a:r>
+              <a:rPr lang="tr-TR" sz="2400" dirty="0">
+                <a:latin typeface="Adobe Heiti Std R" panose="020B0400000000000000" pitchFamily="34" charset="-128"/>
+                <a:ea typeface="Adobe Heiti Std R" panose="020B0400000000000000" pitchFamily="34" charset="-128"/>
+                <a:cs typeface="Times New Roman" panose="02020603050405020304" pitchFamily="18" charset="0"/>
+              </a:rPr>
+              <a:t>Drive </a:t>
+            </a:r>
+            <a:r>
+              <a:rPr lang="tr-TR" sz="2400" dirty="0" err="1">
+                <a:latin typeface="Adobe Heiti Std R" panose="020B0400000000000000" pitchFamily="34" charset="-128"/>
+                <a:ea typeface="Adobe Heiti Std R" panose="020B0400000000000000" pitchFamily="34" charset="-128"/>
+                <a:cs typeface="Times New Roman" panose="02020603050405020304" pitchFamily="18" charset="0"/>
+              </a:rPr>
+              <a:t>and</a:t>
+            </a:r>
+            <a:r>
+              <a:rPr lang="tr-TR" sz="2400" dirty="0">
+                <a:latin typeface="Adobe Heiti Std R" panose="020B0400000000000000" pitchFamily="34" charset="-128"/>
+                <a:ea typeface="Adobe Heiti Std R" panose="020B0400000000000000" pitchFamily="34" charset="-128"/>
+                <a:cs typeface="Times New Roman" panose="02020603050405020304" pitchFamily="18" charset="0"/>
+              </a:rPr>
+              <a:t> motor </a:t>
+            </a:r>
+            <a:r>
+              <a:rPr lang="tr-TR" sz="2400" dirty="0" err="1">
+                <a:latin typeface="Adobe Heiti Std R" panose="020B0400000000000000" pitchFamily="34" charset="-128"/>
+                <a:ea typeface="Adobe Heiti Std R" panose="020B0400000000000000" pitchFamily="34" charset="-128"/>
+                <a:cs typeface="Times New Roman" panose="02020603050405020304" pitchFamily="18" charset="0"/>
+              </a:rPr>
+              <a:t>are</a:t>
+            </a:r>
+            <a:r>
+              <a:rPr lang="tr-TR" sz="2400" dirty="0">
+                <a:latin typeface="Adobe Heiti Std R" panose="020B0400000000000000" pitchFamily="34" charset="-128"/>
+                <a:ea typeface="Adobe Heiti Std R" panose="020B0400000000000000" pitchFamily="34" charset="-128"/>
+                <a:cs typeface="Times New Roman" panose="02020603050405020304" pitchFamily="18" charset="0"/>
+              </a:rPr>
+              <a:t> </a:t>
+            </a:r>
+            <a:r>
+              <a:rPr lang="tr-TR" sz="2400" dirty="0" err="1">
+                <a:latin typeface="Adobe Heiti Std R" panose="020B0400000000000000" pitchFamily="34" charset="-128"/>
+                <a:ea typeface="Adobe Heiti Std R" panose="020B0400000000000000" pitchFamily="34" charset="-128"/>
+                <a:cs typeface="Times New Roman" panose="02020603050405020304" pitchFamily="18" charset="0"/>
+              </a:rPr>
+              <a:t>integrated</a:t>
+            </a:r>
+            <a:endParaRPr lang="tr-TR" sz="2400" dirty="0">
+              <a:latin typeface="Adobe Heiti Std R" panose="020B0400000000000000" pitchFamily="34" charset="-128"/>
+              <a:ea typeface="Adobe Heiti Std R" panose="020B0400000000000000" pitchFamily="34" charset="-128"/>
+              <a:cs typeface="Times New Roman" panose="02020603050405020304" pitchFamily="18" charset="0"/>
+            </a:endParaRPr>
+          </a:p>
+          <a:p>
+            <a:pPr marL="342900" indent="-342900">
+              <a:spcAft>
+                <a:spcPts val="1200"/>
+              </a:spcAft>
+              <a:buFont typeface="Arial" panose="020B0604020202020204" pitchFamily="34" charset="0"/>
+              <a:buChar char="•"/>
+            </a:pPr>
+            <a:r>
+              <a:rPr lang="tr-TR" sz="2000" dirty="0" err="1">
+                <a:latin typeface="Adobe Heiti Std R" panose="020B0400000000000000" pitchFamily="34" charset="-128"/>
+                <a:ea typeface="Adobe Heiti Std R" panose="020B0400000000000000" pitchFamily="34" charset="-128"/>
+                <a:cs typeface="Times New Roman" panose="02020603050405020304" pitchFamily="18" charset="0"/>
+              </a:rPr>
+              <a:t>Reduced</a:t>
+            </a:r>
+            <a:r>
+              <a:rPr lang="tr-TR" sz="2000" dirty="0">
+                <a:latin typeface="Adobe Heiti Std R" panose="020B0400000000000000" pitchFamily="34" charset="-128"/>
+                <a:ea typeface="Adobe Heiti Std R" panose="020B0400000000000000" pitchFamily="34" charset="-128"/>
+                <a:cs typeface="Times New Roman" panose="02020603050405020304" pitchFamily="18" charset="0"/>
+              </a:rPr>
+              <a:t> </a:t>
+            </a:r>
+            <a:r>
+              <a:rPr lang="tr-TR" sz="2000" dirty="0" err="1">
+                <a:latin typeface="Adobe Heiti Std R" panose="020B0400000000000000" pitchFamily="34" charset="-128"/>
+                <a:ea typeface="Adobe Heiti Std R" panose="020B0400000000000000" pitchFamily="34" charset="-128"/>
+                <a:cs typeface="Times New Roman" panose="02020603050405020304" pitchFamily="18" charset="0"/>
+              </a:rPr>
+              <a:t>overall</a:t>
+            </a:r>
+            <a:r>
+              <a:rPr lang="tr-TR" sz="2000" dirty="0">
+                <a:latin typeface="Adobe Heiti Std R" panose="020B0400000000000000" pitchFamily="34" charset="-128"/>
+                <a:ea typeface="Adobe Heiti Std R" panose="020B0400000000000000" pitchFamily="34" charset="-128"/>
+                <a:cs typeface="Times New Roman" panose="02020603050405020304" pitchFamily="18" charset="0"/>
+              </a:rPr>
+              <a:t> size</a:t>
+            </a:r>
+          </a:p>
+          <a:p>
+            <a:pPr marL="342900" indent="-342900">
+              <a:spcAft>
+                <a:spcPts val="1200"/>
+              </a:spcAft>
+              <a:buFont typeface="Arial" panose="020B0604020202020204" pitchFamily="34" charset="0"/>
+              <a:buChar char="•"/>
+            </a:pPr>
+            <a:r>
+              <a:rPr lang="tr-TR" sz="2000" dirty="0">
+                <a:latin typeface="Adobe Heiti Std R" panose="020B0400000000000000" pitchFamily="34" charset="-128"/>
+                <a:ea typeface="Adobe Heiti Std R" panose="020B0400000000000000" pitchFamily="34" charset="-128"/>
+                <a:cs typeface="Times New Roman" panose="02020603050405020304" pitchFamily="18" charset="0"/>
+              </a:rPr>
+              <a:t>Modular </a:t>
+            </a:r>
+            <a:r>
+              <a:rPr lang="tr-TR" sz="2000" dirty="0" err="1">
+                <a:latin typeface="Adobe Heiti Std R" panose="020B0400000000000000" pitchFamily="34" charset="-128"/>
+                <a:ea typeface="Adobe Heiti Std R" panose="020B0400000000000000" pitchFamily="34" charset="-128"/>
+                <a:cs typeface="Times New Roman" panose="02020603050405020304" pitchFamily="18" charset="0"/>
+              </a:rPr>
+              <a:t>structure</a:t>
+            </a:r>
+            <a:r>
+              <a:rPr lang="tr-TR" sz="2000" dirty="0">
+                <a:latin typeface="Adobe Heiti Std R" panose="020B0400000000000000" pitchFamily="34" charset="-128"/>
+                <a:ea typeface="Adobe Heiti Std R" panose="020B0400000000000000" pitchFamily="34" charset="-128"/>
+                <a:cs typeface="Times New Roman" panose="02020603050405020304" pitchFamily="18" charset="0"/>
+              </a:rPr>
+              <a:t>	</a:t>
+            </a:r>
+            <a:endParaRPr lang="en-US" sz="2000" dirty="0">
+              <a:latin typeface="Adobe Heiti Std R" panose="020B0400000000000000" pitchFamily="34" charset="-128"/>
+              <a:ea typeface="Adobe Heiti Std R" panose="020B0400000000000000" pitchFamily="34" charset="-128"/>
+              <a:cs typeface="Times New Roman" panose="02020603050405020304" pitchFamily="18" charset="0"/>
+            </a:endParaRPr>
+          </a:p>
+          <a:p>
+            <a:pPr marL="342900" indent="-342900">
+              <a:spcAft>
+                <a:spcPts val="1200"/>
+              </a:spcAft>
+              <a:buFont typeface="Arial" panose="020B0604020202020204" pitchFamily="34" charset="0"/>
+              <a:buChar char="•"/>
+            </a:pPr>
+            <a:r>
+              <a:rPr lang="tr-TR" sz="2000" dirty="0" err="1">
+                <a:latin typeface="Adobe Heiti Std R" panose="020B0400000000000000" pitchFamily="34" charset="-128"/>
+                <a:ea typeface="Adobe Heiti Std R" panose="020B0400000000000000" pitchFamily="34" charset="-128"/>
+                <a:cs typeface="Times New Roman" panose="02020603050405020304" pitchFamily="18" charset="0"/>
+              </a:rPr>
+              <a:t>Fault</a:t>
+            </a:r>
+            <a:r>
+              <a:rPr lang="tr-TR" sz="2000" dirty="0">
+                <a:latin typeface="Adobe Heiti Std R" panose="020B0400000000000000" pitchFamily="34" charset="-128"/>
+                <a:ea typeface="Adobe Heiti Std R" panose="020B0400000000000000" pitchFamily="34" charset="-128"/>
+                <a:cs typeface="Times New Roman" panose="02020603050405020304" pitchFamily="18" charset="0"/>
+              </a:rPr>
+              <a:t> </a:t>
+            </a:r>
+            <a:r>
+              <a:rPr lang="tr-TR" sz="2000" dirty="0" err="1">
+                <a:latin typeface="Adobe Heiti Std R" panose="020B0400000000000000" pitchFamily="34" charset="-128"/>
+                <a:ea typeface="Adobe Heiti Std R" panose="020B0400000000000000" pitchFamily="34" charset="-128"/>
+                <a:cs typeface="Times New Roman" panose="02020603050405020304" pitchFamily="18" charset="0"/>
+              </a:rPr>
+              <a:t>tolerance</a:t>
+            </a:r>
+            <a:r>
+              <a:rPr lang="tr-TR" sz="2000" dirty="0">
+                <a:latin typeface="Adobe Heiti Std R" panose="020B0400000000000000" pitchFamily="34" charset="-128"/>
+                <a:ea typeface="Adobe Heiti Std R" panose="020B0400000000000000" pitchFamily="34" charset="-128"/>
+                <a:cs typeface="Times New Roman" panose="02020603050405020304" pitchFamily="18" charset="0"/>
+              </a:rPr>
+              <a:t> </a:t>
+            </a:r>
+            <a:r>
+              <a:rPr lang="tr-TR" sz="2000" dirty="0" err="1">
+                <a:latin typeface="Adobe Heiti Std R" panose="020B0400000000000000" pitchFamily="34" charset="-128"/>
+                <a:ea typeface="Adobe Heiti Std R" panose="020B0400000000000000" pitchFamily="34" charset="-128"/>
+                <a:cs typeface="Times New Roman" panose="02020603050405020304" pitchFamily="18" charset="0"/>
+              </a:rPr>
+              <a:t>capability</a:t>
+            </a:r>
+            <a:endParaRPr lang="tr-TR" sz="2000" dirty="0">
+              <a:latin typeface="Adobe Heiti Std R" panose="020B0400000000000000" pitchFamily="34" charset="-128"/>
+              <a:ea typeface="Adobe Heiti Std R" panose="020B0400000000000000" pitchFamily="34" charset="-128"/>
+              <a:cs typeface="Times New Roman" panose="02020603050405020304" pitchFamily="18" charset="0"/>
+            </a:endParaRPr>
           </a:p>
         </p:txBody>
       </p:sp>
@@ -10100,7 +9883,7 @@
                             </p:stCondLst>
                             <p:childTnLst>
                               <p:par>
-                                <p:cTn id="5" presetID="1" presetClass="entr" presetSubtype="0" fill="hold" nodeType="clickEffect">
+                                <p:cTn id="5" presetID="1" presetClass="entr" presetSubtype="0" fill="hold" grpId="0" nodeType="clickEffect">
                                   <p:stCondLst>
                                     <p:cond delay="0"/>
                                   </p:stCondLst>
@@ -10108,6 +9891,33 @@
                                     <p:set>
                                       <p:cBhvr>
                                         <p:cTn id="6" dur="1" fill="hold">
+                                          <p:stCondLst>
+                                            <p:cond delay="0"/>
+                                          </p:stCondLst>
+                                        </p:cTn>
+                                        <p:tgtEl>
+                                          <p:spTgt spid="10"/>
+                                        </p:tgtEl>
+                                        <p:attrNameLst>
+                                          <p:attrName>style.visibility</p:attrName>
+                                        </p:attrNameLst>
+                                      </p:cBhvr>
+                                      <p:to>
+                                        <p:strVal val="visible"/>
+                                      </p:to>
+                                    </p:set>
+                                  </p:childTnLst>
+                                </p:cTn>
+                              </p:par>
+                              <p:par>
+                                <p:cTn id="7" presetID="1" presetClass="entr" presetSubtype="0" fill="hold" nodeType="withEffect">
+                                  <p:stCondLst>
+                                    <p:cond delay="0"/>
+                                  </p:stCondLst>
+                                  <p:childTnLst>
+                                    <p:set>
+                                      <p:cBhvr>
+                                        <p:cTn id="8" dur="1" fill="hold">
                                           <p:stCondLst>
                                             <p:cond delay="0"/>
                                           </p:stCondLst>
@@ -10126,26 +9936,8 @@
                                   </p:childTnLst>
                                 </p:cTn>
                               </p:par>
-                            </p:childTnLst>
-                          </p:cTn>
-                        </p:par>
-                      </p:childTnLst>
-                    </p:cTn>
-                  </p:par>
-                  <p:par>
-                    <p:cTn id="7" fill="hold">
-                      <p:stCondLst>
-                        <p:cond delay="indefinite"/>
-                      </p:stCondLst>
-                      <p:childTnLst>
-                        <p:par>
-                          <p:cTn id="8" fill="hold">
-                            <p:stCondLst>
-                              <p:cond delay="0"/>
-                            </p:stCondLst>
-                            <p:childTnLst>
                               <p:par>
-                                <p:cTn id="9" presetID="1" presetClass="entr" presetSubtype="0" fill="hold" grpId="0" nodeType="clickEffect">
+                                <p:cTn id="9" presetID="1" presetClass="entr" presetSubtype="0" fill="hold" grpId="0" nodeType="withEffect">
                                   <p:stCondLst>
                                     <p:cond delay="0"/>
                                   </p:stCondLst>
@@ -10158,7 +9950,7 @@
                                           </p:stCondLst>
                                         </p:cTn>
                                         <p:tgtEl>
-                                          <p:spTgt spid="10"/>
+                                          <p:spTgt spid="5"/>
                                         </p:tgtEl>
                                         <p:attrNameLst>
                                           <p:attrName>style.visibility</p:attrName>
@@ -10216,6 +10008,60 @@
                                   </p:childTnLst>
                                 </p:cTn>
                               </p:par>
+                              <p:par>
+                                <p:cTn id="15" presetID="1" presetClass="entr" presetSubtype="0" fill="hold" grpId="0" nodeType="withEffect">
+                                  <p:stCondLst>
+                                    <p:cond delay="0"/>
+                                  </p:stCondLst>
+                                  <p:childTnLst>
+                                    <p:set>
+                                      <p:cBhvr>
+                                        <p:cTn id="16" dur="1" fill="hold">
+                                          <p:stCondLst>
+                                            <p:cond delay="0"/>
+                                          </p:stCondLst>
+                                        </p:cTn>
+                                        <p:tgtEl>
+                                          <p:spTgt spid="8"/>
+                                        </p:tgtEl>
+                                        <p:attrNameLst>
+                                          <p:attrName>style.visibility</p:attrName>
+                                        </p:attrNameLst>
+                                      </p:cBhvr>
+                                      <p:to>
+                                        <p:strVal val="visible"/>
+                                      </p:to>
+                                    </p:set>
+                                  </p:childTnLst>
+                                </p:cTn>
+                              </p:par>
+                              <p:par>
+                                <p:cTn id="17" presetID="1" presetClass="entr" presetSubtype="0" fill="hold" grpId="0" nodeType="withEffect">
+                                  <p:stCondLst>
+                                    <p:cond delay="0"/>
+                                  </p:stCondLst>
+                                  <p:childTnLst>
+                                    <p:set>
+                                      <p:cBhvr>
+                                        <p:cTn id="18" dur="1" fill="hold">
+                                          <p:stCondLst>
+                                            <p:cond delay="0"/>
+                                          </p:stCondLst>
+                                        </p:cTn>
+                                        <p:tgtEl>
+                                          <p:spTgt spid="3"/>
+                                        </p:tgtEl>
+                                        <p:attrNameLst>
+                                          <p:attrName>style.visibility</p:attrName>
+                                        </p:attrNameLst>
+                                      </p:cBhvr>
+                                      <p:to>
+                                        <p:strVal val="visible"/>
+                                      </p:to>
+                                    </p:set>
+                                  </p:childTnLst>
+                                </p:cTn>
+                              </p:par>
                             </p:childTnLst>
                           </p:cTn>
                         </p:par>
@@ -10245,6 +10091,9 @@
     </p:tnLst>
     <p:bldLst>
       <p:bldP spid="10" grpId="0"/>
+      <p:bldP spid="3" grpId="0"/>
+      <p:bldP spid="5" grpId="0"/>
+      <p:bldP spid="8" grpId="0"/>
     </p:bldLst>
   </p:timing>
 </p:sld>
@@ -10538,7 +10387,7 @@
         <p:spPr>
           <a:xfrm>
             <a:off x="1732739" y="2151727"/>
-            <a:ext cx="6114771" cy="2554545"/>
+            <a:ext cx="6114771" cy="2800767"/>
           </a:xfrm>
           <a:prstGeom prst="rect">
             <a:avLst/>
@@ -10582,18 +10431,6 @@
               </a:rPr>
               <a:t>vibration</a:t>
             </a:r>
-            <a:endParaRPr lang="tr-TR" sz="2400" dirty="0">
-              <a:latin typeface="Adobe Heiti Std R" panose="020B0400000000000000" pitchFamily="34" charset="-128"/>
-              <a:ea typeface="Adobe Heiti Std R" panose="020B0400000000000000" pitchFamily="34" charset="-128"/>
-              <a:cs typeface="Times New Roman" panose="02020603050405020304" pitchFamily="18" charset="0"/>
-            </a:endParaRPr>
-          </a:p>
-          <a:p>
-            <a:pPr>
-              <a:spcAft>
-                <a:spcPts val="1200"/>
-              </a:spcAft>
-            </a:pPr>
             <a:r>
               <a:rPr lang="tr-TR" sz="2400" dirty="0">
                 <a:latin typeface="Adobe Heiti Std R" panose="020B0400000000000000" pitchFamily="34" charset="-128"/>
@@ -10655,6 +10492,126 @@
             </a:endParaRPr>
           </a:p>
           <a:p>
+            <a:pPr>
+              <a:spcAft>
+                <a:spcPts val="1200"/>
+              </a:spcAft>
+            </a:pPr>
+            <a:r>
+              <a:rPr lang="tr-TR" dirty="0">
+                <a:latin typeface="Adobe Heiti Std R" panose="020B0400000000000000" pitchFamily="34" charset="-128"/>
+                <a:ea typeface="Adobe Heiti Std R" panose="020B0400000000000000" pitchFamily="34" charset="-128"/>
+                <a:cs typeface="Times New Roman" panose="02020603050405020304" pitchFamily="18" charset="0"/>
+              </a:rPr>
+              <a:t>	High </a:t>
+            </a:r>
+            <a:r>
+              <a:rPr lang="tr-TR" dirty="0" err="1">
+                <a:latin typeface="Adobe Heiti Std R" panose="020B0400000000000000" pitchFamily="34" charset="-128"/>
+                <a:ea typeface="Adobe Heiti Std R" panose="020B0400000000000000" pitchFamily="34" charset="-128"/>
+                <a:cs typeface="Times New Roman" panose="02020603050405020304" pitchFamily="18" charset="0"/>
+              </a:rPr>
+              <a:t>switching</a:t>
+            </a:r>
+            <a:r>
+              <a:rPr lang="tr-TR" dirty="0">
+                <a:latin typeface="Adobe Heiti Std R" panose="020B0400000000000000" pitchFamily="34" charset="-128"/>
+                <a:ea typeface="Adobe Heiti Std R" panose="020B0400000000000000" pitchFamily="34" charset="-128"/>
+                <a:cs typeface="Times New Roman" panose="02020603050405020304" pitchFamily="18" charset="0"/>
+              </a:rPr>
+              <a:t> </a:t>
+            </a:r>
+            <a:r>
+              <a:rPr lang="tr-TR" dirty="0" err="1">
+                <a:latin typeface="Adobe Heiti Std R" panose="020B0400000000000000" pitchFamily="34" charset="-128"/>
+                <a:ea typeface="Adobe Heiti Std R" panose="020B0400000000000000" pitchFamily="34" charset="-128"/>
+                <a:cs typeface="Times New Roman" panose="02020603050405020304" pitchFamily="18" charset="0"/>
+              </a:rPr>
+              <a:t>frequency</a:t>
+            </a:r>
+            <a:endParaRPr lang="tr-TR" dirty="0">
+              <a:latin typeface="Adobe Heiti Std R" panose="020B0400000000000000" pitchFamily="34" charset="-128"/>
+              <a:ea typeface="Adobe Heiti Std R" panose="020B0400000000000000" pitchFamily="34" charset="-128"/>
+              <a:cs typeface="Times New Roman" panose="02020603050405020304" pitchFamily="18" charset="0"/>
+            </a:endParaRPr>
+          </a:p>
+          <a:p>
+            <a:pPr>
+              <a:spcAft>
+                <a:spcPts val="1200"/>
+              </a:spcAft>
+            </a:pPr>
+            <a:r>
+              <a:rPr lang="tr-TR" dirty="0">
+                <a:latin typeface="Adobe Heiti Std R" panose="020B0400000000000000" pitchFamily="34" charset="-128"/>
+                <a:ea typeface="Adobe Heiti Std R" panose="020B0400000000000000" pitchFamily="34" charset="-128"/>
+                <a:cs typeface="Times New Roman" panose="02020603050405020304" pitchFamily="18" charset="0"/>
+              </a:rPr>
+              <a:t>	</a:t>
+            </a:r>
+            <a:r>
+              <a:rPr lang="tr-TR" dirty="0" err="1">
+                <a:latin typeface="Adobe Heiti Std R" panose="020B0400000000000000" pitchFamily="34" charset="-128"/>
+                <a:ea typeface="Adobe Heiti Std R" panose="020B0400000000000000" pitchFamily="34" charset="-128"/>
+                <a:cs typeface="Times New Roman" panose="02020603050405020304" pitchFamily="18" charset="0"/>
+              </a:rPr>
+              <a:t>Interleaving</a:t>
+            </a:r>
+            <a:r>
+              <a:rPr lang="tr-TR" dirty="0">
+                <a:latin typeface="Adobe Heiti Std R" panose="020B0400000000000000" pitchFamily="34" charset="-128"/>
+                <a:ea typeface="Adobe Heiti Std R" panose="020B0400000000000000" pitchFamily="34" charset="-128"/>
+                <a:cs typeface="Times New Roman" panose="02020603050405020304" pitchFamily="18" charset="0"/>
+              </a:rPr>
+              <a:t> </a:t>
+            </a:r>
+            <a:r>
+              <a:rPr lang="tr-TR" dirty="0" err="1">
+                <a:latin typeface="Adobe Heiti Std R" panose="020B0400000000000000" pitchFamily="34" charset="-128"/>
+                <a:ea typeface="Adobe Heiti Std R" panose="020B0400000000000000" pitchFamily="34" charset="-128"/>
+                <a:cs typeface="Times New Roman" panose="02020603050405020304" pitchFamily="18" charset="0"/>
+              </a:rPr>
+              <a:t>between</a:t>
+            </a:r>
+            <a:r>
+              <a:rPr lang="tr-TR" dirty="0">
+                <a:latin typeface="Adobe Heiti Std R" panose="020B0400000000000000" pitchFamily="34" charset="-128"/>
+                <a:ea typeface="Adobe Heiti Std R" panose="020B0400000000000000" pitchFamily="34" charset="-128"/>
+                <a:cs typeface="Times New Roman" panose="02020603050405020304" pitchFamily="18" charset="0"/>
+              </a:rPr>
+              <a:t> </a:t>
+            </a:r>
+            <a:r>
+              <a:rPr lang="tr-TR" dirty="0" err="1">
+                <a:latin typeface="Adobe Heiti Std R" panose="020B0400000000000000" pitchFamily="34" charset="-128"/>
+                <a:ea typeface="Adobe Heiti Std R" panose="020B0400000000000000" pitchFamily="34" charset="-128"/>
+                <a:cs typeface="Times New Roman" panose="02020603050405020304" pitchFamily="18" charset="0"/>
+              </a:rPr>
+              <a:t>parallel</a:t>
+            </a:r>
+            <a:r>
+              <a:rPr lang="tr-TR" dirty="0">
+                <a:latin typeface="Adobe Heiti Std R" panose="020B0400000000000000" pitchFamily="34" charset="-128"/>
+                <a:ea typeface="Adobe Heiti Std R" panose="020B0400000000000000" pitchFamily="34" charset="-128"/>
+                <a:cs typeface="Times New Roman" panose="02020603050405020304" pitchFamily="18" charset="0"/>
+              </a:rPr>
+              <a:t> </a:t>
+            </a:r>
+            <a:r>
+              <a:rPr lang="tr-TR" dirty="0" err="1">
+                <a:latin typeface="Adobe Heiti Std R" panose="020B0400000000000000" pitchFamily="34" charset="-128"/>
+                <a:ea typeface="Adobe Heiti Std R" panose="020B0400000000000000" pitchFamily="34" charset="-128"/>
+                <a:cs typeface="Times New Roman" panose="02020603050405020304" pitchFamily="18" charset="0"/>
+              </a:rPr>
+              <a:t>inverters</a:t>
+            </a:r>
+            <a:endParaRPr lang="en-US" sz="2400" dirty="0">
+              <a:latin typeface="Adobe Heiti Std R" panose="020B0400000000000000" pitchFamily="34" charset="-128"/>
+              <a:ea typeface="Adobe Heiti Std R" panose="020B0400000000000000" pitchFamily="34" charset="-128"/>
+              <a:cs typeface="Times New Roman" panose="02020603050405020304" pitchFamily="18" charset="0"/>
+            </a:endParaRPr>
+          </a:p>
+          <a:p>
             <a:pPr marL="342900" indent="-342900">
               <a:spcAft>
                 <a:spcPts val="1200"/>
@@ -10662,29 +10619,59 @@
               <a:buFont typeface="Arial" panose="020B0604020202020204" pitchFamily="34" charset="0"/>
               <a:buChar char="•"/>
             </a:pPr>
-            <a:endParaRPr lang="en-US" sz="2400" dirty="0">
+            <a:r>
+              <a:rPr lang="tr-TR" sz="2400" dirty="0" err="1">
+                <a:latin typeface="Adobe Heiti Std R" panose="020B0400000000000000" pitchFamily="34" charset="-128"/>
+                <a:ea typeface="Adobe Heiti Std R" panose="020B0400000000000000" pitchFamily="34" charset="-128"/>
+                <a:cs typeface="Times New Roman" panose="02020603050405020304" pitchFamily="18" charset="0"/>
+              </a:rPr>
+              <a:t>Cooling</a:t>
+            </a:r>
+            <a:endParaRPr lang="tr-TR" sz="2400" dirty="0">
               <a:latin typeface="Adobe Heiti Std R" panose="020B0400000000000000" pitchFamily="34" charset="-128"/>
               <a:ea typeface="Adobe Heiti Std R" panose="020B0400000000000000" pitchFamily="34" charset="-128"/>
               <a:cs typeface="Times New Roman" panose="02020603050405020304" pitchFamily="18" charset="0"/>
             </a:endParaRPr>
           </a:p>
           <a:p>
-            <a:pPr marL="342900" indent="-342900">
+            <a:pPr>
               <a:spcAft>
                 <a:spcPts val="1200"/>
               </a:spcAft>
-              <a:buFont typeface="Arial" panose="020B0604020202020204" pitchFamily="34" charset="0"/>
-              <a:buChar char="•"/>
             </a:pPr>
             <a:r>
-              <a:rPr lang="tr-TR" sz="2400" dirty="0" err="1">
-                <a:latin typeface="Adobe Heiti Std R" panose="020B0400000000000000" pitchFamily="34" charset="-128"/>
-                <a:ea typeface="Adobe Heiti Std R" panose="020B0400000000000000" pitchFamily="34" charset="-128"/>
-                <a:cs typeface="Times New Roman" panose="02020603050405020304" pitchFamily="18" charset="0"/>
-              </a:rPr>
-              <a:t>Cooling</a:t>
-            </a:r>
-            <a:endParaRPr lang="en-US" sz="2400" dirty="0">
+              <a:rPr lang="tr-TR" dirty="0">
+                <a:latin typeface="Adobe Heiti Std R" panose="020B0400000000000000" pitchFamily="34" charset="-128"/>
+                <a:ea typeface="Adobe Heiti Std R" panose="020B0400000000000000" pitchFamily="34" charset="-128"/>
+                <a:cs typeface="Times New Roman" panose="02020603050405020304" pitchFamily="18" charset="0"/>
+              </a:rPr>
+              <a:t>	</a:t>
+            </a:r>
+            <a:r>
+              <a:rPr lang="en-US" dirty="0">
+                <a:latin typeface="Adobe Heiti Std R" panose="020B0400000000000000" pitchFamily="34" charset="-128"/>
+                <a:ea typeface="Adobe Heiti Std R" panose="020B0400000000000000" pitchFamily="34" charset="-128"/>
+                <a:cs typeface="Times New Roman" panose="02020603050405020304" pitchFamily="18" charset="0"/>
+              </a:rPr>
+              <a:t>Efficient</a:t>
+            </a:r>
+            <a:r>
+              <a:rPr lang="tr-TR" dirty="0">
+                <a:latin typeface="Adobe Heiti Std R" panose="020B0400000000000000" pitchFamily="34" charset="-128"/>
+                <a:ea typeface="Adobe Heiti Std R" panose="020B0400000000000000" pitchFamily="34" charset="-128"/>
+                <a:cs typeface="Times New Roman" panose="02020603050405020304" pitchFamily="18" charset="0"/>
+              </a:rPr>
+              <a:t> </a:t>
+            </a:r>
+            <a:r>
+              <a:rPr lang="tr-TR" dirty="0" err="1">
+                <a:latin typeface="Adobe Heiti Std R" panose="020B0400000000000000" pitchFamily="34" charset="-128"/>
+                <a:ea typeface="Adobe Heiti Std R" panose="020B0400000000000000" pitchFamily="34" charset="-128"/>
+                <a:cs typeface="Times New Roman" panose="02020603050405020304" pitchFamily="18" charset="0"/>
+              </a:rPr>
+              <a:t>transistors</a:t>
+            </a:r>
+            <a:endParaRPr lang="en-US" dirty="0">
               <a:latin typeface="Adobe Heiti Std R" panose="020B0400000000000000" pitchFamily="34" charset="-128"/>
               <a:ea typeface="Adobe Heiti Std R" panose="020B0400000000000000" pitchFamily="34" charset="-128"/>
               <a:cs typeface="Times New Roman" panose="02020603050405020304" pitchFamily="18" charset="0"/>
@@ -10770,7 +10757,7 @@
         </p:blipFill>
         <p:spPr>
           <a:xfrm>
-            <a:off x="6162939" y="573197"/>
+            <a:off x="6880218" y="824286"/>
             <a:ext cx="5047960" cy="5047960"/>
           </a:xfrm>
           <a:prstGeom prst="rect">
@@ -10931,7 +10918,7 @@
                             </p:stCondLst>
                             <p:childTnLst>
                               <p:par>
-                                <p:cTn id="9" presetID="1" presetClass="entr" presetSubtype="0" fill="hold" nodeType="clickEffect">
+                                <p:cTn id="9" presetID="1" presetClass="entr" presetSubtype="0" fill="hold" grpId="0" nodeType="clickEffect">
                                   <p:stCondLst>
                                     <p:cond delay="0"/>
                                   </p:stCondLst>
@@ -10939,51 +10926,6 @@
                                     <p:set>
                                       <p:cBhvr>
                                         <p:cTn id="10" dur="1" fill="hold">
-                                          <p:stCondLst>
-                                            <p:cond delay="0"/>
-                                          </p:stCondLst>
-                                        </p:cTn>
-                                        <p:tgtEl>
-                                          <p:spTgt spid="6"/>
-                                        </p:tgtEl>
-                                        <p:attrNameLst>
-                                          <p:attrName>style.visibility</p:attrName>
-                                        </p:attrNameLst>
-                                      </p:cBhvr>
-                                      <p:to>
-                                        <p:strVal val="visible"/>
-                                      </p:to>
-                                    </p:set>
-                                  </p:childTnLst>
-                                </p:cTn>
-                              </p:par>
-                            </p:childTnLst>
-                          </p:cTn>
-                        </p:par>
-                      </p:childTnLst>
-                    </p:cTn>
-                  </p:par>
-                  <p:par>
-                    <p:cTn id="11" fill="hold">
-                      <p:stCondLst>
-                        <p:cond delay="indefinite"/>
-                      </p:stCondLst>
-                      <p:childTnLst>
-                        <p:par>
-                          <p:cTn id="12" fill="hold">
-                            <p:stCondLst>
-                              <p:cond delay="0"/>
-                            </p:stCondLst>
-                            <p:childTnLst>
-                              <p:par>
-                                <p:cTn id="13" presetID="1" presetClass="entr" presetSubtype="0" fill="hold" grpId="0" nodeType="clickEffect">
-                                  <p:stCondLst>
-                                    <p:cond delay="0"/>
-                                  </p:stCondLst>
-                                  <p:childTnLst>
-                                    <p:set>
-                                      <p:cBhvr>
-                                        <p:cTn id="14" dur="1" fill="hold">
                                           <p:stCondLst>
                                             <p:cond delay="0"/>
                                           </p:stCondLst>
@@ -11231,8 +11173,8 @@
         </p:nvSpPr>
         <p:spPr>
           <a:xfrm>
-            <a:off x="3489567" y="188477"/>
-            <a:ext cx="5212865" cy="769441"/>
+            <a:off x="1761946" y="188477"/>
+            <a:ext cx="8668107" cy="769441"/>
           </a:xfrm>
           <a:prstGeom prst="rect">
             <a:avLst/>
@@ -11245,19 +11187,27 @@
           </a:bodyPr>
           <a:lstStyle/>
           <a:p>
+            <a:pPr algn="ctr"/>
+            <a:r>
+              <a:rPr lang="tr-TR" sz="4400" b="1" dirty="0" err="1">
+                <a:latin typeface="Adobe Heiti Std R" panose="020B0400000000000000" pitchFamily="34" charset="-128"/>
+                <a:ea typeface="Adobe Heiti Std R" panose="020B0400000000000000" pitchFamily="34" charset="-128"/>
+              </a:rPr>
+              <a:t>Inverter</a:t>
+            </a:r>
             <a:r>
               <a:rPr lang="tr-TR" sz="4400" b="1" dirty="0">
                 <a:latin typeface="Adobe Heiti Std R" panose="020B0400000000000000" pitchFamily="34" charset="-128"/>
                 <a:ea typeface="Adobe Heiti Std R" panose="020B0400000000000000" pitchFamily="34" charset="-128"/>
               </a:rPr>
-              <a:t>IMMD </a:t>
+              <a:t> </a:t>
             </a:r>
             <a:r>
               <a:rPr lang="tr-TR" sz="4400" b="1" dirty="0" err="1">
                 <a:latin typeface="Adobe Heiti Std R" panose="020B0400000000000000" pitchFamily="34" charset="-128"/>
                 <a:ea typeface="Adobe Heiti Std R" panose="020B0400000000000000" pitchFamily="34" charset="-128"/>
               </a:rPr>
-              <a:t>Technology</a:t>
+              <a:t>Topologies</a:t>
             </a:r>
             <a:endParaRPr lang="en-US" sz="3400" b="1" dirty="0">
               <a:latin typeface="Adobe Heiti Std R" panose="020B0400000000000000" pitchFamily="34" charset="-128"/>
@@ -11324,7 +11274,7 @@
         <p:spPr>
           <a:xfrm>
             <a:off x="1596291" y="2151726"/>
-            <a:ext cx="5942646" cy="2554545"/>
+            <a:ext cx="5942646" cy="3200876"/>
           </a:xfrm>
           <a:prstGeom prst="rect">
             <a:avLst/>
@@ -11336,6 +11286,26 @@
             <a:spAutoFit/>
           </a:bodyPr>
           <a:lstStyle/>
+          <a:p>
+            <a:pPr>
+              <a:spcAft>
+                <a:spcPts val="1200"/>
+              </a:spcAft>
+            </a:pPr>
+            <a:r>
+              <a:rPr lang="tr-TR" sz="2800" dirty="0" err="1">
+                <a:latin typeface="Adobe Heiti Std R" panose="020B0400000000000000" pitchFamily="34" charset="-128"/>
+                <a:ea typeface="Adobe Heiti Std R" panose="020B0400000000000000" pitchFamily="34" charset="-128"/>
+                <a:cs typeface="Times New Roman" panose="02020603050405020304" pitchFamily="18" charset="0"/>
+              </a:rPr>
+              <a:t>Advantages</a:t>
+            </a:r>
+            <a:endParaRPr lang="tr-TR" sz="2800" dirty="0">
+              <a:latin typeface="Adobe Heiti Std R" panose="020B0400000000000000" pitchFamily="34" charset="-128"/>
+              <a:ea typeface="Adobe Heiti Std R" panose="020B0400000000000000" pitchFamily="34" charset="-128"/>
+              <a:cs typeface="Times New Roman" panose="02020603050405020304" pitchFamily="18" charset="0"/>
+            </a:endParaRPr>
+          </a:p>
           <a:p>
             <a:pPr marL="342900" indent="-342900">
               <a:spcAft>
@@ -11344,7 +11314,75 @@
               <a:buFont typeface="Arial" panose="020B0604020202020204" pitchFamily="34" charset="0"/>
               <a:buChar char="•"/>
             </a:pPr>
+            <a:r>
+              <a:rPr lang="tr-TR" sz="2400" dirty="0" err="1">
+                <a:latin typeface="Adobe Heiti Std R" panose="020B0400000000000000" pitchFamily="34" charset="-128"/>
+                <a:ea typeface="Adobe Heiti Std R" panose="020B0400000000000000" pitchFamily="34" charset="-128"/>
+                <a:cs typeface="Times New Roman" panose="02020603050405020304" pitchFamily="18" charset="0"/>
+              </a:rPr>
+              <a:t>Low</a:t>
+            </a:r>
+            <a:r>
+              <a:rPr lang="tr-TR" sz="2400" dirty="0">
+                <a:latin typeface="Adobe Heiti Std R" panose="020B0400000000000000" pitchFamily="34" charset="-128"/>
+                <a:ea typeface="Adobe Heiti Std R" panose="020B0400000000000000" pitchFamily="34" charset="-128"/>
+                <a:cs typeface="Times New Roman" panose="02020603050405020304" pitchFamily="18" charset="0"/>
+              </a:rPr>
+              <a:t> </a:t>
+            </a:r>
+            <a:r>
+              <a:rPr lang="tr-TR" sz="2400" dirty="0" err="1">
+                <a:latin typeface="Adobe Heiti Std R" panose="020B0400000000000000" pitchFamily="34" charset="-128"/>
+                <a:ea typeface="Adobe Heiti Std R" panose="020B0400000000000000" pitchFamily="34" charset="-128"/>
+                <a:cs typeface="Times New Roman" panose="02020603050405020304" pitchFamily="18" charset="0"/>
+              </a:rPr>
+              <a:t>switching</a:t>
+            </a:r>
+            <a:r>
+              <a:rPr lang="tr-TR" sz="2400" dirty="0">
+                <a:latin typeface="Adobe Heiti Std R" panose="020B0400000000000000" pitchFamily="34" charset="-128"/>
+                <a:ea typeface="Adobe Heiti Std R" panose="020B0400000000000000" pitchFamily="34" charset="-128"/>
+                <a:cs typeface="Times New Roman" panose="02020603050405020304" pitchFamily="18" charset="0"/>
+              </a:rPr>
+              <a:t> </a:t>
+            </a:r>
+            <a:r>
+              <a:rPr lang="tr-TR" sz="2400" dirty="0" err="1">
+                <a:latin typeface="Adobe Heiti Std R" panose="020B0400000000000000" pitchFamily="34" charset="-128"/>
+                <a:ea typeface="Adobe Heiti Std R" panose="020B0400000000000000" pitchFamily="34" charset="-128"/>
+                <a:cs typeface="Times New Roman" panose="02020603050405020304" pitchFamily="18" charset="0"/>
+              </a:rPr>
+              <a:t>energy</a:t>
+            </a:r>
             <a:endParaRPr lang="tr-TR" sz="2400" dirty="0">
+              <a:latin typeface="Adobe Heiti Std R" panose="020B0400000000000000" pitchFamily="34" charset="-128"/>
+              <a:ea typeface="Adobe Heiti Std R" panose="020B0400000000000000" pitchFamily="34" charset="-128"/>
+              <a:cs typeface="Times New Roman" panose="02020603050405020304" pitchFamily="18" charset="0"/>
+            </a:endParaRPr>
+          </a:p>
+          <a:p>
+            <a:pPr>
+              <a:spcAft>
+                <a:spcPts val="1200"/>
+              </a:spcAft>
+            </a:pPr>
+            <a:r>
+              <a:rPr lang="tr-TR" sz="2800" dirty="0" err="1">
+                <a:latin typeface="Adobe Heiti Std R" panose="020B0400000000000000" pitchFamily="34" charset="-128"/>
+                <a:ea typeface="Adobe Heiti Std R" panose="020B0400000000000000" pitchFamily="34" charset="-128"/>
+                <a:cs typeface="Times New Roman" panose="02020603050405020304" pitchFamily="18" charset="0"/>
+              </a:rPr>
+              <a:t>Disadvantages</a:t>
+            </a:r>
+            <a:r>
+              <a:rPr lang="tr-TR" sz="2800" dirty="0">
+                <a:latin typeface="Adobe Heiti Std R" panose="020B0400000000000000" pitchFamily="34" charset="-128"/>
+                <a:ea typeface="Adobe Heiti Std R" panose="020B0400000000000000" pitchFamily="34" charset="-128"/>
+                <a:cs typeface="Times New Roman" panose="02020603050405020304" pitchFamily="18" charset="0"/>
+              </a:rPr>
+              <a:t>	</a:t>
+            </a:r>
+            <a:endParaRPr lang="en-US" sz="2800" dirty="0">
               <a:latin typeface="Adobe Heiti Std R" panose="020B0400000000000000" pitchFamily="34" charset="-128"/>
               <a:ea typeface="Adobe Heiti Std R" panose="020B0400000000000000" pitchFamily="34" charset="-128"/>
               <a:cs typeface="Times New Roman" panose="02020603050405020304" pitchFamily="18" charset="0"/>
@@ -11359,12 +11397,20 @@
               <a:buChar char="•"/>
             </a:pPr>
             <a:r>
+              <a:rPr lang="tr-TR" sz="2400" dirty="0" err="1">
+                <a:latin typeface="Adobe Heiti Std R" panose="020B0400000000000000" pitchFamily="34" charset="-128"/>
+                <a:ea typeface="Adobe Heiti Std R" panose="020B0400000000000000" pitchFamily="34" charset="-128"/>
+                <a:cs typeface="Times New Roman" panose="02020603050405020304" pitchFamily="18" charset="0"/>
+              </a:rPr>
+              <a:t>Low</a:t>
+            </a:r>
+            <a:r>
               <a:rPr lang="tr-TR" sz="2400" dirty="0">
                 <a:latin typeface="Adobe Heiti Std R" panose="020B0400000000000000" pitchFamily="34" charset="-128"/>
                 <a:ea typeface="Adobe Heiti Std R" panose="020B0400000000000000" pitchFamily="34" charset="-128"/>
                 <a:cs typeface="Times New Roman" panose="02020603050405020304" pitchFamily="18" charset="0"/>
               </a:rPr>
-              <a:t>High </a:t>
+              <a:t> </a:t>
             </a:r>
             <a:r>
               <a:rPr lang="tr-TR" sz="2400" dirty="0" err="1">
@@ -11372,7 +11418,7 @@
                 <a:ea typeface="Adobe Heiti Std R" panose="020B0400000000000000" pitchFamily="34" charset="-128"/>
                 <a:cs typeface="Times New Roman" panose="02020603050405020304" pitchFamily="18" charset="0"/>
               </a:rPr>
-              <a:t>switching</a:t>
+              <a:t>voltage</a:t>
             </a:r>
             <a:r>
               <a:rPr lang="tr-TR" sz="2400" dirty="0">
@@ -11388,33 +11434,16 @@
                 <a:ea typeface="Adobe Heiti Std R" panose="020B0400000000000000" pitchFamily="34" charset="-128"/>
                 <a:cs typeface="Times New Roman" panose="02020603050405020304" pitchFamily="18" charset="0"/>
               </a:rPr>
-              <a:t>frequency</a:t>
-            </a:r>
-            <a:endParaRPr lang="tr-TR" sz="2400" dirty="0">
-              <a:latin typeface="Adobe Heiti Std R" panose="020B0400000000000000" pitchFamily="34" charset="-128"/>
-              <a:ea typeface="Adobe Heiti Std R" panose="020B0400000000000000" pitchFamily="34" charset="-128"/>
-              <a:cs typeface="Times New Roman" panose="02020603050405020304" pitchFamily="18" charset="0"/>
-            </a:endParaRPr>
-          </a:p>
-          <a:p>
-            <a:pPr>
-              <a:spcAft>
-                <a:spcPts val="1200"/>
-              </a:spcAft>
-            </a:pPr>
+              <a:t>rating</a:t>
+            </a:r>
             <a:r>
               <a:rPr lang="tr-TR" sz="2400" dirty="0">
                 <a:latin typeface="Adobe Heiti Std R" panose="020B0400000000000000" pitchFamily="34" charset="-128"/>
                 <a:ea typeface="Adobe Heiti Std R" panose="020B0400000000000000" pitchFamily="34" charset="-128"/>
                 <a:cs typeface="Times New Roman" panose="02020603050405020304" pitchFamily="18" charset="0"/>
               </a:rPr>
-              <a:t>	</a:t>
-            </a:r>
-            <a:endParaRPr lang="en-US" sz="2400" dirty="0">
-              <a:latin typeface="Adobe Heiti Std R" panose="020B0400000000000000" pitchFamily="34" charset="-128"/>
-              <a:ea typeface="Adobe Heiti Std R" panose="020B0400000000000000" pitchFamily="34" charset="-128"/>
-              <a:cs typeface="Times New Roman" panose="02020603050405020304" pitchFamily="18" charset="0"/>
-            </a:endParaRPr>
+              <a:t> </a:t>
+            </a:r>
           </a:p>
           <a:p>
             <a:pPr marL="342900" indent="-342900">
@@ -11425,12 +11454,20 @@
               <a:buChar char="•"/>
             </a:pPr>
             <a:r>
+              <a:rPr lang="tr-TR" sz="2400" dirty="0">
+                <a:latin typeface="Adobe Heiti Std R" panose="020B0400000000000000" pitchFamily="34" charset="-128"/>
+                <a:ea typeface="Adobe Heiti Std R" panose="020B0400000000000000" pitchFamily="34" charset="-128"/>
+                <a:cs typeface="Times New Roman" panose="02020603050405020304" pitchFamily="18" charset="0"/>
+              </a:rPr>
+              <a:t>High </a:t>
+            </a:r>
+            <a:r>
               <a:rPr lang="tr-TR" sz="2400" dirty="0" err="1">
                 <a:latin typeface="Adobe Heiti Std R" panose="020B0400000000000000" pitchFamily="34" charset="-128"/>
                 <a:ea typeface="Adobe Heiti Std R" panose="020B0400000000000000" pitchFamily="34" charset="-128"/>
                 <a:cs typeface="Times New Roman" panose="02020603050405020304" pitchFamily="18" charset="0"/>
               </a:rPr>
-              <a:t>Interleaving</a:t>
+              <a:t>dV</a:t>
             </a:r>
             <a:r>
               <a:rPr lang="tr-TR" sz="2400" dirty="0">
@@ -11438,53 +11475,24 @@
                 <a:ea typeface="Adobe Heiti Std R" panose="020B0400000000000000" pitchFamily="34" charset="-128"/>
                 <a:cs typeface="Times New Roman" panose="02020603050405020304" pitchFamily="18" charset="0"/>
               </a:rPr>
+              <a:t>/</a:t>
+            </a:r>
+            <a:r>
+              <a:rPr lang="tr-TR" sz="2400" dirty="0" err="1">
+                <a:latin typeface="Adobe Heiti Std R" panose="020B0400000000000000" pitchFamily="34" charset="-128"/>
+                <a:ea typeface="Adobe Heiti Std R" panose="020B0400000000000000" pitchFamily="34" charset="-128"/>
+                <a:cs typeface="Times New Roman" panose="02020603050405020304" pitchFamily="18" charset="0"/>
+              </a:rPr>
+              <a:t>dt</a:t>
+            </a:r>
+            <a:r>
+              <a:rPr lang="tr-TR" sz="2400" dirty="0">
+                <a:latin typeface="Adobe Heiti Std R" panose="020B0400000000000000" pitchFamily="34" charset="-128"/>
+                <a:ea typeface="Adobe Heiti Std R" panose="020B0400000000000000" pitchFamily="34" charset="-128"/>
+                <a:cs typeface="Times New Roman" panose="02020603050405020304" pitchFamily="18" charset="0"/>
+              </a:rPr>
               <a:t> </a:t>
             </a:r>
-            <a:r>
-              <a:rPr lang="tr-TR" sz="2400" dirty="0" err="1">
-                <a:latin typeface="Adobe Heiti Std R" panose="020B0400000000000000" pitchFamily="34" charset="-128"/>
-                <a:ea typeface="Adobe Heiti Std R" panose="020B0400000000000000" pitchFamily="34" charset="-128"/>
-                <a:cs typeface="Times New Roman" panose="02020603050405020304" pitchFamily="18" charset="0"/>
-              </a:rPr>
-              <a:t>between</a:t>
-            </a:r>
-            <a:r>
-              <a:rPr lang="tr-TR" sz="2400" dirty="0">
-                <a:latin typeface="Adobe Heiti Std R" panose="020B0400000000000000" pitchFamily="34" charset="-128"/>
-                <a:ea typeface="Adobe Heiti Std R" panose="020B0400000000000000" pitchFamily="34" charset="-128"/>
-                <a:cs typeface="Times New Roman" panose="02020603050405020304" pitchFamily="18" charset="0"/>
-              </a:rPr>
-              <a:t> </a:t>
-            </a:r>
-            <a:r>
-              <a:rPr lang="tr-TR" sz="2400" dirty="0" err="1">
-                <a:latin typeface="Adobe Heiti Std R" panose="020B0400000000000000" pitchFamily="34" charset="-128"/>
-                <a:ea typeface="Adobe Heiti Std R" panose="020B0400000000000000" pitchFamily="34" charset="-128"/>
-                <a:cs typeface="Times New Roman" panose="02020603050405020304" pitchFamily="18" charset="0"/>
-              </a:rPr>
-              <a:t>parallel</a:t>
-            </a:r>
-            <a:r>
-              <a:rPr lang="tr-TR" sz="2400" dirty="0">
-                <a:latin typeface="Adobe Heiti Std R" panose="020B0400000000000000" pitchFamily="34" charset="-128"/>
-                <a:ea typeface="Adobe Heiti Std R" panose="020B0400000000000000" pitchFamily="34" charset="-128"/>
-                <a:cs typeface="Times New Roman" panose="02020603050405020304" pitchFamily="18" charset="0"/>
-              </a:rPr>
-              <a:t> </a:t>
-            </a:r>
-            <a:r>
-              <a:rPr lang="tr-TR" sz="2400" dirty="0" err="1">
-                <a:latin typeface="Adobe Heiti Std R" panose="020B0400000000000000" pitchFamily="34" charset="-128"/>
-                <a:ea typeface="Adobe Heiti Std R" panose="020B0400000000000000" pitchFamily="34" charset="-128"/>
-                <a:cs typeface="Times New Roman" panose="02020603050405020304" pitchFamily="18" charset="0"/>
-              </a:rPr>
-              <a:t>inverters</a:t>
-            </a:r>
-            <a:endParaRPr lang="tr-TR" sz="2400" dirty="0">
-              <a:latin typeface="Adobe Heiti Std R" panose="020B0400000000000000" pitchFamily="34" charset="-128"/>
-              <a:ea typeface="Adobe Heiti Std R" panose="020B0400000000000000" pitchFamily="34" charset="-128"/>
-              <a:cs typeface="Times New Roman" panose="02020603050405020304" pitchFamily="18" charset="0"/>
-            </a:endParaRPr>
           </a:p>
           <a:p>
             <a:pPr>
@@ -11514,7 +11522,7 @@
         </p:nvSpPr>
         <p:spPr>
           <a:xfrm>
-            <a:off x="1226482" y="1162547"/>
+            <a:off x="919793" y="1130858"/>
             <a:ext cx="6356496" cy="584775"/>
           </a:xfrm>
           <a:prstGeom prst="rect">
@@ -11529,18 +11537,18 @@
           <a:lstStyle/>
           <a:p>
             <a:r>
+              <a:rPr lang="tr-TR" sz="3200" dirty="0" err="1">
+                <a:latin typeface="Adobe Heiti Std R" panose="020B0400000000000000" pitchFamily="34" charset="-128"/>
+                <a:ea typeface="Adobe Heiti Std R" panose="020B0400000000000000" pitchFamily="34" charset="-128"/>
+              </a:rPr>
+              <a:t>GaN</a:t>
+            </a:r>
+            <a:r>
               <a:rPr lang="tr-TR" sz="3200" dirty="0">
                 <a:latin typeface="Adobe Heiti Std R" panose="020B0400000000000000" pitchFamily="34" charset="-128"/>
                 <a:ea typeface="Adobe Heiti Std R" panose="020B0400000000000000" pitchFamily="34" charset="-128"/>
               </a:rPr>
-              <a:t>Compact </a:t>
-            </a:r>
-            <a:r>
-              <a:rPr lang="tr-TR" sz="3200" dirty="0" err="1">
-                <a:latin typeface="Adobe Heiti Std R" panose="020B0400000000000000" pitchFamily="34" charset="-128"/>
-                <a:ea typeface="Adobe Heiti Std R" panose="020B0400000000000000" pitchFamily="34" charset="-128"/>
-              </a:rPr>
-              <a:t>drive</a:t>
+              <a:t> transistor</a:t>
             </a:r>
             <a:endParaRPr lang="en-US" sz="3200" dirty="0">
               <a:latin typeface="Adobe Heiti Std R" panose="020B0400000000000000" pitchFamily="34" charset="-128"/>
@@ -11551,10 +11559,10 @@
       </p:sp>
       <p:pic>
         <p:nvPicPr>
-          <p:cNvPr id="16" name="Picture 15" descr="A close up of a device&#10;&#10;Description generated with high confidence">
-            <a:extLst>
-              <a:ext uri="{FF2B5EF4-FFF2-40B4-BE49-F238E27FC236}">
-                <a16:creationId xmlns:a16="http://schemas.microsoft.com/office/drawing/2014/main" id="{008DC6A2-9654-4C18-A286-AE143A60DEEF}"/>
+          <p:cNvPr id="8" name="Picture 7" descr="A close up of a logo&#10;&#10;Description generated with very high confidence">
+            <a:extLst>
+              <a:ext uri="{FF2B5EF4-FFF2-40B4-BE49-F238E27FC236}">
+                <a16:creationId xmlns:a16="http://schemas.microsoft.com/office/drawing/2014/main" id="{CD80B700-63EE-42E7-9B33-59B58509AB06}"/>
               </a:ext>
             </a:extLst>
           </p:cNvPr>
@@ -11563,16 +11571,15 @@
           </p:cNvPicPr>
           <p:nvPr/>
         </p:nvPicPr>
-        <p:blipFill>
+        <p:blipFill rotWithShape="1">
           <a:blip r:embed="rId5"/>
-          <a:stretch>
-            <a:fillRect/>
-          </a:stretch>
+          <a:srcRect b="35293"/>
+          <a:stretch/>
         </p:blipFill>
         <p:spPr>
           <a:xfrm>
-            <a:off x="6954856" y="2109590"/>
-            <a:ext cx="4975374" cy="2301111"/>
+            <a:off x="6456678" y="2471665"/>
+            <a:ext cx="4772498" cy="1914666"/>
           </a:xfrm>
           <a:prstGeom prst="rect">
             <a:avLst/>
@@ -11581,10 +11588,10 @@
       </p:pic>
       <p:sp>
         <p:nvSpPr>
-          <p:cNvPr id="24" name="Slide Number Placeholder 9">
-            <a:extLst>
-              <a:ext uri="{FF2B5EF4-FFF2-40B4-BE49-F238E27FC236}">
-                <a16:creationId xmlns:a16="http://schemas.microsoft.com/office/drawing/2014/main" id="{CD1A789F-6B7E-4AB4-9FC4-D58739AAFB84}"/>
+          <p:cNvPr id="16" name="Slide Number Placeholder 9">
+            <a:extLst>
+              <a:ext uri="{FF2B5EF4-FFF2-40B4-BE49-F238E27FC236}">
+                <a16:creationId xmlns:a16="http://schemas.microsoft.com/office/drawing/2014/main" id="{D9591E97-792D-4A31-AAF2-1E1990B5C7B6}"/>
               </a:ext>
             </a:extLst>
           </p:cNvPr>
@@ -11620,7 +11627,7 @@
     </p:spTree>
     <p:extLst>
       <p:ext uri="{BB962C8B-B14F-4D97-AF65-F5344CB8AC3E}">
-        <p14:creationId xmlns:p14="http://schemas.microsoft.com/office/powerpoint/2010/main" val="696244190"/>
+        <p14:creationId xmlns:p14="http://schemas.microsoft.com/office/powerpoint/2010/main" val="2299171445"/>
       </p:ext>
     </p:extLst>
   </p:cSld>
@@ -11811,7 +11818,7 @@
           <p:nvPr/>
         </p:nvPicPr>
         <p:blipFill>
-          <a:blip r:embed="rId2" cstate="print">
+          <a:blip r:embed="rId3" cstate="print">
             <a:extLst>
               <a:ext uri="{28A0092B-C50C-407E-A947-70E740481C1C}">
                 <a14:useLocalDpi xmlns:a14="http://schemas.microsoft.com/office/drawing/2010/main" val="0"/>
@@ -11856,7 +11863,7 @@
           <p:nvPr/>
         </p:nvPicPr>
         <p:blipFill rotWithShape="1">
-          <a:blip r:embed="rId3" cstate="print">
+          <a:blip r:embed="rId4" cstate="print">
             <a:extLst>
               <a:ext uri="{28A0092B-C50C-407E-A947-70E740481C1C}">
                 <a14:useLocalDpi xmlns:a14="http://schemas.microsoft.com/office/drawing/2010/main" val="0"/>
@@ -11907,7 +11914,7 @@
           <p:nvPr/>
         </p:nvPicPr>
         <p:blipFill>
-          <a:blip r:embed="rId4" cstate="print">
+          <a:blip r:embed="rId5" cstate="print">
             <a:extLst>
               <a:ext uri="{28A0092B-C50C-407E-A947-70E740481C1C}">
                 <a14:useLocalDpi xmlns:a14="http://schemas.microsoft.com/office/drawing/2010/main" val="0"/>
@@ -12048,8 +12055,8 @@
         </p:nvSpPr>
         <p:spPr>
           <a:xfrm>
-            <a:off x="1596291" y="2151726"/>
-            <a:ext cx="5942646" cy="3200876"/>
+            <a:off x="1682921" y="1418272"/>
+            <a:ext cx="3835752" cy="3262432"/>
           </a:xfrm>
           <a:prstGeom prst="rect">
             <a:avLst/>
@@ -12068,12 +12075,20 @@
               </a:spcAft>
             </a:pPr>
             <a:r>
+              <a:rPr lang="tr-TR" sz="2800" dirty="0">
+                <a:latin typeface="Adobe Heiti Std R" panose="020B0400000000000000" pitchFamily="34" charset="-128"/>
+                <a:ea typeface="Adobe Heiti Std R" panose="020B0400000000000000" pitchFamily="34" charset="-128"/>
+                <a:cs typeface="Times New Roman" panose="02020603050405020304" pitchFamily="18" charset="0"/>
+              </a:rPr>
+              <a:t>Series </a:t>
+            </a:r>
+            <a:r>
               <a:rPr lang="tr-TR" sz="2800" dirty="0" err="1">
                 <a:latin typeface="Adobe Heiti Std R" panose="020B0400000000000000" pitchFamily="34" charset="-128"/>
                 <a:ea typeface="Adobe Heiti Std R" panose="020B0400000000000000" pitchFamily="34" charset="-128"/>
                 <a:cs typeface="Times New Roman" panose="02020603050405020304" pitchFamily="18" charset="0"/>
               </a:rPr>
-              <a:t>Advantages</a:t>
+              <a:t>configration</a:t>
             </a:r>
             <a:endParaRPr lang="tr-TR" sz="2800" dirty="0">
               <a:latin typeface="Adobe Heiti Std R" panose="020B0400000000000000" pitchFamily="34" charset="-128"/>
@@ -12090,15 +12105,15 @@
               <a:buChar char="•"/>
             </a:pPr>
             <a:r>
-              <a:rPr lang="tr-TR" sz="2400" dirty="0" err="1">
-                <a:latin typeface="Adobe Heiti Std R" panose="020B0400000000000000" pitchFamily="34" charset="-128"/>
-                <a:ea typeface="Adobe Heiti Std R" panose="020B0400000000000000" pitchFamily="34" charset="-128"/>
-                <a:cs typeface="Times New Roman" panose="02020603050405020304" pitchFamily="18" charset="0"/>
-              </a:rPr>
-              <a:t>Low</a:t>
-            </a:r>
-            <a:r>
-              <a:rPr lang="tr-TR" sz="2400" dirty="0">
+              <a:rPr lang="tr-TR" dirty="0" err="1">
+                <a:latin typeface="Adobe Heiti Std R" panose="020B0400000000000000" pitchFamily="34" charset="-128"/>
+                <a:ea typeface="Adobe Heiti Std R" panose="020B0400000000000000" pitchFamily="34" charset="-128"/>
+                <a:cs typeface="Times New Roman" panose="02020603050405020304" pitchFamily="18" charset="0"/>
+              </a:rPr>
+              <a:t>Voltage</a:t>
+            </a:r>
+            <a:r>
+              <a:rPr lang="tr-TR" dirty="0">
                 <a:latin typeface="Adobe Heiti Std R" panose="020B0400000000000000" pitchFamily="34" charset="-128"/>
                 <a:ea typeface="Adobe Heiti Std R" panose="020B0400000000000000" pitchFamily="34" charset="-128"/>
                 <a:cs typeface="Times New Roman" panose="02020603050405020304" pitchFamily="18" charset="0"/>
@@ -12106,58 +12121,30 @@
               <a:t> </a:t>
             </a:r>
             <a:r>
-              <a:rPr lang="tr-TR" sz="2400" dirty="0" err="1">
-                <a:latin typeface="Adobe Heiti Std R" panose="020B0400000000000000" pitchFamily="34" charset="-128"/>
-                <a:ea typeface="Adobe Heiti Std R" panose="020B0400000000000000" pitchFamily="34" charset="-128"/>
-                <a:cs typeface="Times New Roman" panose="02020603050405020304" pitchFamily="18" charset="0"/>
-              </a:rPr>
-              <a:t>switching</a:t>
-            </a:r>
-            <a:r>
-              <a:rPr lang="tr-TR" sz="2400" dirty="0">
-                <a:latin typeface="Adobe Heiti Std R" panose="020B0400000000000000" pitchFamily="34" charset="-128"/>
-                <a:ea typeface="Adobe Heiti Std R" panose="020B0400000000000000" pitchFamily="34" charset="-128"/>
-                <a:cs typeface="Times New Roman" panose="02020603050405020304" pitchFamily="18" charset="0"/>
-              </a:rPr>
-              <a:t> </a:t>
-            </a:r>
-            <a:r>
-              <a:rPr lang="tr-TR" sz="2400" dirty="0" err="1">
-                <a:latin typeface="Adobe Heiti Std R" panose="020B0400000000000000" pitchFamily="34" charset="-128"/>
-                <a:ea typeface="Adobe Heiti Std R" panose="020B0400000000000000" pitchFamily="34" charset="-128"/>
-                <a:cs typeface="Times New Roman" panose="02020603050405020304" pitchFamily="18" charset="0"/>
-              </a:rPr>
-              <a:t>energy</a:t>
-            </a:r>
-            <a:endParaRPr lang="tr-TR" sz="2400" dirty="0">
-              <a:latin typeface="Adobe Heiti Std R" panose="020B0400000000000000" pitchFamily="34" charset="-128"/>
-              <a:ea typeface="Adobe Heiti Std R" panose="020B0400000000000000" pitchFamily="34" charset="-128"/>
-              <a:cs typeface="Times New Roman" panose="02020603050405020304" pitchFamily="18" charset="0"/>
-            </a:endParaRPr>
-          </a:p>
-          <a:p>
-            <a:pPr>
-              <a:spcAft>
-                <a:spcPts val="1200"/>
-              </a:spcAft>
-            </a:pPr>
-            <a:r>
-              <a:rPr lang="tr-TR" sz="2800" dirty="0" err="1">
-                <a:latin typeface="Adobe Heiti Std R" panose="020B0400000000000000" pitchFamily="34" charset="-128"/>
-                <a:ea typeface="Adobe Heiti Std R" panose="020B0400000000000000" pitchFamily="34" charset="-128"/>
-                <a:cs typeface="Times New Roman" panose="02020603050405020304" pitchFamily="18" charset="0"/>
-              </a:rPr>
-              <a:t>Disadvantages</a:t>
-            </a:r>
-            <a:r>
-              <a:rPr lang="tr-TR" sz="2800" dirty="0">
-                <a:latin typeface="Adobe Heiti Std R" panose="020B0400000000000000" pitchFamily="34" charset="-128"/>
-                <a:ea typeface="Adobe Heiti Std R" panose="020B0400000000000000" pitchFamily="34" charset="-128"/>
-                <a:cs typeface="Times New Roman" panose="02020603050405020304" pitchFamily="18" charset="0"/>
-              </a:rPr>
-              <a:t>	</a:t>
-            </a:r>
-            <a:endParaRPr lang="en-US" sz="2800" dirty="0">
+              <a:rPr lang="tr-TR" dirty="0" err="1">
+                <a:latin typeface="Adobe Heiti Std R" panose="020B0400000000000000" pitchFamily="34" charset="-128"/>
+                <a:ea typeface="Adobe Heiti Std R" panose="020B0400000000000000" pitchFamily="34" charset="-128"/>
+                <a:cs typeface="Times New Roman" panose="02020603050405020304" pitchFamily="18" charset="0"/>
+              </a:rPr>
+              <a:t>rating</a:t>
+            </a:r>
+            <a:r>
+              <a:rPr lang="tr-TR" dirty="0">
+                <a:latin typeface="Adobe Heiti Std R" panose="020B0400000000000000" pitchFamily="34" charset="-128"/>
+                <a:ea typeface="Adobe Heiti Std R" panose="020B0400000000000000" pitchFamily="34" charset="-128"/>
+                <a:cs typeface="Times New Roman" panose="02020603050405020304" pitchFamily="18" charset="0"/>
+              </a:rPr>
+              <a:t> of </a:t>
+            </a:r>
+            <a:r>
+              <a:rPr lang="tr-TR" dirty="0" err="1">
+                <a:latin typeface="Adobe Heiti Std R" panose="020B0400000000000000" pitchFamily="34" charset="-128"/>
+                <a:ea typeface="Adobe Heiti Std R" panose="020B0400000000000000" pitchFamily="34" charset="-128"/>
+                <a:cs typeface="Times New Roman" panose="02020603050405020304" pitchFamily="18" charset="0"/>
+              </a:rPr>
+              <a:t>GaNs</a:t>
+            </a:r>
+            <a:endParaRPr lang="tr-TR" dirty="0">
               <a:latin typeface="Adobe Heiti Std R" panose="020B0400000000000000" pitchFamily="34" charset="-128"/>
               <a:ea typeface="Adobe Heiti Std R" panose="020B0400000000000000" pitchFamily="34" charset="-128"/>
               <a:cs typeface="Times New Roman" panose="02020603050405020304" pitchFamily="18" charset="0"/>
@@ -12172,15 +12159,15 @@
               <a:buChar char="•"/>
             </a:pPr>
             <a:r>
-              <a:rPr lang="tr-TR" sz="2400" dirty="0" err="1">
-                <a:latin typeface="Adobe Heiti Std R" panose="020B0400000000000000" pitchFamily="34" charset="-128"/>
-                <a:ea typeface="Adobe Heiti Std R" panose="020B0400000000000000" pitchFamily="34" charset="-128"/>
-                <a:cs typeface="Times New Roman" panose="02020603050405020304" pitchFamily="18" charset="0"/>
-              </a:rPr>
-              <a:t>Low</a:t>
-            </a:r>
-            <a:r>
-              <a:rPr lang="tr-TR" sz="2400" dirty="0">
+              <a:rPr lang="tr-TR" dirty="0" err="1">
+                <a:latin typeface="Adobe Heiti Std R" panose="020B0400000000000000" pitchFamily="34" charset="-128"/>
+                <a:ea typeface="Adobe Heiti Std R" panose="020B0400000000000000" pitchFamily="34" charset="-128"/>
+                <a:cs typeface="Times New Roman" panose="02020603050405020304" pitchFamily="18" charset="0"/>
+              </a:rPr>
+              <a:t>Lower</a:t>
+            </a:r>
+            <a:r>
+              <a:rPr lang="tr-TR" dirty="0">
                 <a:latin typeface="Adobe Heiti Std R" panose="020B0400000000000000" pitchFamily="34" charset="-128"/>
                 <a:ea typeface="Adobe Heiti Std R" panose="020B0400000000000000" pitchFamily="34" charset="-128"/>
                 <a:cs typeface="Times New Roman" panose="02020603050405020304" pitchFamily="18" charset="0"/>
@@ -12188,37 +12175,34 @@
               <a:t> </a:t>
             </a:r>
             <a:r>
-              <a:rPr lang="tr-TR" sz="2400" dirty="0" err="1">
-                <a:latin typeface="Adobe Heiti Std R" panose="020B0400000000000000" pitchFamily="34" charset="-128"/>
-                <a:ea typeface="Adobe Heiti Std R" panose="020B0400000000000000" pitchFamily="34" charset="-128"/>
-                <a:cs typeface="Times New Roman" panose="02020603050405020304" pitchFamily="18" charset="0"/>
-              </a:rPr>
-              <a:t>voltage</a:t>
-            </a:r>
-            <a:r>
-              <a:rPr lang="tr-TR" sz="2400" dirty="0">
-                <a:latin typeface="Adobe Heiti Std R" panose="020B0400000000000000" pitchFamily="34" charset="-128"/>
-                <a:ea typeface="Adobe Heiti Std R" panose="020B0400000000000000" pitchFamily="34" charset="-128"/>
-                <a:cs typeface="Times New Roman" panose="02020603050405020304" pitchFamily="18" charset="0"/>
-              </a:rPr>
-              <a:t> </a:t>
-            </a:r>
-            <a:r>
-              <a:rPr lang="tr-TR" sz="2400" dirty="0" err="1">
-                <a:latin typeface="Adobe Heiti Std R" panose="020B0400000000000000" pitchFamily="34" charset="-128"/>
-                <a:ea typeface="Adobe Heiti Std R" panose="020B0400000000000000" pitchFamily="34" charset="-128"/>
-                <a:cs typeface="Times New Roman" panose="02020603050405020304" pitchFamily="18" charset="0"/>
-              </a:rPr>
-              <a:t>rating</a:t>
-            </a:r>
-            <a:r>
-              <a:rPr lang="tr-TR" sz="2400" dirty="0">
-                <a:latin typeface="Adobe Heiti Std R" panose="020B0400000000000000" pitchFamily="34" charset="-128"/>
-                <a:ea typeface="Adobe Heiti Std R" panose="020B0400000000000000" pitchFamily="34" charset="-128"/>
-                <a:cs typeface="Times New Roman" panose="02020603050405020304" pitchFamily="18" charset="0"/>
-              </a:rPr>
-              <a:t> </a:t>
-            </a:r>
+              <a:rPr lang="tr-TR" dirty="0" err="1">
+                <a:latin typeface="Adobe Heiti Std R" panose="020B0400000000000000" pitchFamily="34" charset="-128"/>
+                <a:ea typeface="Adobe Heiti Std R" panose="020B0400000000000000" pitchFamily="34" charset="-128"/>
+                <a:cs typeface="Times New Roman" panose="02020603050405020304" pitchFamily="18" charset="0"/>
+              </a:rPr>
+              <a:t>dV</a:t>
+            </a:r>
+            <a:r>
+              <a:rPr lang="tr-TR" dirty="0">
+                <a:latin typeface="Adobe Heiti Std R" panose="020B0400000000000000" pitchFamily="34" charset="-128"/>
+                <a:ea typeface="Adobe Heiti Std R" panose="020B0400000000000000" pitchFamily="34" charset="-128"/>
+                <a:cs typeface="Times New Roman" panose="02020603050405020304" pitchFamily="18" charset="0"/>
+              </a:rPr>
+              <a:t>/</a:t>
+            </a:r>
+            <a:r>
+              <a:rPr lang="tr-TR" dirty="0" err="1">
+                <a:latin typeface="Adobe Heiti Std R" panose="020B0400000000000000" pitchFamily="34" charset="-128"/>
+                <a:ea typeface="Adobe Heiti Std R" panose="020B0400000000000000" pitchFamily="34" charset="-128"/>
+                <a:cs typeface="Times New Roman" panose="02020603050405020304" pitchFamily="18" charset="0"/>
+              </a:rPr>
+              <a:t>dt</a:t>
+            </a:r>
+            <a:endParaRPr lang="tr-TR" dirty="0">
+              <a:latin typeface="Adobe Heiti Std R" panose="020B0400000000000000" pitchFamily="34" charset="-128"/>
+              <a:ea typeface="Adobe Heiti Std R" panose="020B0400000000000000" pitchFamily="34" charset="-128"/>
+              <a:cs typeface="Times New Roman" panose="02020603050405020304" pitchFamily="18" charset="0"/>
+            </a:endParaRPr>
           </a:p>
           <a:p>
             <a:pPr marL="342900" indent="-342900">
@@ -12228,46 +12212,11 @@
               <a:buFont typeface="Arial" panose="020B0604020202020204" pitchFamily="34" charset="0"/>
               <a:buChar char="•"/>
             </a:pPr>
-            <a:r>
-              <a:rPr lang="tr-TR" sz="2400" dirty="0">
-                <a:latin typeface="Adobe Heiti Std R" panose="020B0400000000000000" pitchFamily="34" charset="-128"/>
-                <a:ea typeface="Adobe Heiti Std R" panose="020B0400000000000000" pitchFamily="34" charset="-128"/>
-                <a:cs typeface="Times New Roman" panose="02020603050405020304" pitchFamily="18" charset="0"/>
-              </a:rPr>
-              <a:t>High </a:t>
-            </a:r>
-            <a:r>
-              <a:rPr lang="tr-TR" sz="2400" dirty="0" err="1">
-                <a:latin typeface="Adobe Heiti Std R" panose="020B0400000000000000" pitchFamily="34" charset="-128"/>
-                <a:ea typeface="Adobe Heiti Std R" panose="020B0400000000000000" pitchFamily="34" charset="-128"/>
-                <a:cs typeface="Times New Roman" panose="02020603050405020304" pitchFamily="18" charset="0"/>
-              </a:rPr>
-              <a:t>dV</a:t>
-            </a:r>
-            <a:r>
-              <a:rPr lang="tr-TR" sz="2400" dirty="0">
-                <a:latin typeface="Adobe Heiti Std R" panose="020B0400000000000000" pitchFamily="34" charset="-128"/>
-                <a:ea typeface="Adobe Heiti Std R" panose="020B0400000000000000" pitchFamily="34" charset="-128"/>
-                <a:cs typeface="Times New Roman" panose="02020603050405020304" pitchFamily="18" charset="0"/>
-              </a:rPr>
-              <a:t>/</a:t>
-            </a:r>
-            <a:r>
-              <a:rPr lang="tr-TR" sz="2400" dirty="0" err="1">
-                <a:latin typeface="Adobe Heiti Std R" panose="020B0400000000000000" pitchFamily="34" charset="-128"/>
-                <a:ea typeface="Adobe Heiti Std R" panose="020B0400000000000000" pitchFamily="34" charset="-128"/>
-                <a:cs typeface="Times New Roman" panose="02020603050405020304" pitchFamily="18" charset="0"/>
-              </a:rPr>
-              <a:t>dt</a:t>
-            </a:r>
-            <a:r>
-              <a:rPr lang="tr-TR" sz="2400" dirty="0">
-                <a:latin typeface="Adobe Heiti Std R" panose="020B0400000000000000" pitchFamily="34" charset="-128"/>
-                <a:ea typeface="Adobe Heiti Std R" panose="020B0400000000000000" pitchFamily="34" charset="-128"/>
-                <a:cs typeface="Times New Roman" panose="02020603050405020304" pitchFamily="18" charset="0"/>
-              </a:rPr>
-              <a:t> </a:t>
-            </a:r>
+            <a:endParaRPr lang="tr-TR" dirty="0">
+              <a:latin typeface="Adobe Heiti Std R" panose="020B0400000000000000" pitchFamily="34" charset="-128"/>
+              <a:ea typeface="Adobe Heiti Std R" panose="020B0400000000000000" pitchFamily="34" charset="-128"/>
+              <a:cs typeface="Times New Roman" panose="02020603050405020304" pitchFamily="18" charset="0"/>
+            </a:endParaRPr>
           </a:p>
           <a:p>
             <a:pPr>
@@ -12275,98 +12224,139 @@
                 <a:spcPts val="1200"/>
               </a:spcAft>
             </a:pPr>
-            <a:endParaRPr lang="en-US" sz="2400" dirty="0">
+            <a:r>
+              <a:rPr lang="tr-TR" sz="2800" dirty="0" err="1">
+                <a:latin typeface="Adobe Heiti Std R" panose="020B0400000000000000" pitchFamily="34" charset="-128"/>
+                <a:ea typeface="Adobe Heiti Std R" panose="020B0400000000000000" pitchFamily="34" charset="-128"/>
+                <a:cs typeface="Times New Roman" panose="02020603050405020304" pitchFamily="18" charset="0"/>
+              </a:rPr>
+              <a:t>Parallel</a:t>
+            </a:r>
+            <a:r>
+              <a:rPr lang="tr-TR" sz="2800" dirty="0">
+                <a:latin typeface="Adobe Heiti Std R" panose="020B0400000000000000" pitchFamily="34" charset="-128"/>
+                <a:ea typeface="Adobe Heiti Std R" panose="020B0400000000000000" pitchFamily="34" charset="-128"/>
+                <a:cs typeface="Times New Roman" panose="02020603050405020304" pitchFamily="18" charset="0"/>
+              </a:rPr>
+              <a:t> </a:t>
+            </a:r>
+            <a:r>
+              <a:rPr lang="tr-TR" sz="2800" dirty="0" err="1">
+                <a:latin typeface="Adobe Heiti Std R" panose="020B0400000000000000" pitchFamily="34" charset="-128"/>
+                <a:ea typeface="Adobe Heiti Std R" panose="020B0400000000000000" pitchFamily="34" charset="-128"/>
+                <a:cs typeface="Times New Roman" panose="02020603050405020304" pitchFamily="18" charset="0"/>
+              </a:rPr>
+              <a:t>configration</a:t>
+            </a:r>
+            <a:endParaRPr lang="en-US" sz="2800" dirty="0">
               <a:latin typeface="Adobe Heiti Std R" panose="020B0400000000000000" pitchFamily="34" charset="-128"/>
               <a:ea typeface="Adobe Heiti Std R" panose="020B0400000000000000" pitchFamily="34" charset="-128"/>
               <a:cs typeface="Times New Roman" panose="02020603050405020304" pitchFamily="18" charset="0"/>
             </a:endParaRPr>
           </a:p>
+          <a:p>
+            <a:pPr marL="342900" indent="-342900">
+              <a:spcAft>
+                <a:spcPts val="1200"/>
+              </a:spcAft>
+              <a:buFont typeface="Arial" panose="020B0604020202020204" pitchFamily="34" charset="0"/>
+              <a:buChar char="•"/>
+            </a:pPr>
+            <a:r>
+              <a:rPr lang="tr-TR" dirty="0" err="1">
+                <a:latin typeface="Adobe Heiti Std R" panose="020B0400000000000000" pitchFamily="34" charset="-128"/>
+                <a:ea typeface="Adobe Heiti Std R" panose="020B0400000000000000" pitchFamily="34" charset="-128"/>
+                <a:cs typeface="Times New Roman" panose="02020603050405020304" pitchFamily="18" charset="0"/>
+              </a:rPr>
+              <a:t>Smaller</a:t>
+            </a:r>
+            <a:r>
+              <a:rPr lang="tr-TR" dirty="0">
+                <a:latin typeface="Adobe Heiti Std R" panose="020B0400000000000000" pitchFamily="34" charset="-128"/>
+                <a:ea typeface="Adobe Heiti Std R" panose="020B0400000000000000" pitchFamily="34" charset="-128"/>
+                <a:cs typeface="Times New Roman" panose="02020603050405020304" pitchFamily="18" charset="0"/>
+              </a:rPr>
+              <a:t> </a:t>
+            </a:r>
+            <a:r>
+              <a:rPr lang="tr-TR" dirty="0" err="1">
+                <a:latin typeface="Adobe Heiti Std R" panose="020B0400000000000000" pitchFamily="34" charset="-128"/>
+                <a:ea typeface="Adobe Heiti Std R" panose="020B0400000000000000" pitchFamily="34" charset="-128"/>
+                <a:cs typeface="Times New Roman" panose="02020603050405020304" pitchFamily="18" charset="0"/>
+              </a:rPr>
+              <a:t>capacitor</a:t>
+            </a:r>
+            <a:r>
+              <a:rPr lang="tr-TR" dirty="0">
+                <a:latin typeface="Adobe Heiti Std R" panose="020B0400000000000000" pitchFamily="34" charset="-128"/>
+                <a:ea typeface="Adobe Heiti Std R" panose="020B0400000000000000" pitchFamily="34" charset="-128"/>
+                <a:cs typeface="Times New Roman" panose="02020603050405020304" pitchFamily="18" charset="0"/>
+              </a:rPr>
+              <a:t> size</a:t>
+            </a:r>
+          </a:p>
+          <a:p>
+            <a:pPr marL="342900" indent="-342900">
+              <a:spcAft>
+                <a:spcPts val="1200"/>
+              </a:spcAft>
+              <a:buFont typeface="Arial" panose="020B0604020202020204" pitchFamily="34" charset="0"/>
+              <a:buChar char="•"/>
+            </a:pPr>
+            <a:r>
+              <a:rPr lang="tr-TR" dirty="0" err="1">
+                <a:latin typeface="Adobe Heiti Std R" panose="020B0400000000000000" pitchFamily="34" charset="-128"/>
+                <a:ea typeface="Adobe Heiti Std R" panose="020B0400000000000000" pitchFamily="34" charset="-128"/>
+                <a:cs typeface="Times New Roman" panose="02020603050405020304" pitchFamily="18" charset="0"/>
+              </a:rPr>
+              <a:t>Lower</a:t>
+            </a:r>
+            <a:r>
+              <a:rPr lang="tr-TR" dirty="0">
+                <a:latin typeface="Adobe Heiti Std R" panose="020B0400000000000000" pitchFamily="34" charset="-128"/>
+                <a:ea typeface="Adobe Heiti Std R" panose="020B0400000000000000" pitchFamily="34" charset="-128"/>
+                <a:cs typeface="Times New Roman" panose="02020603050405020304" pitchFamily="18" charset="0"/>
+              </a:rPr>
+              <a:t> </a:t>
+            </a:r>
+            <a:r>
+              <a:rPr lang="tr-TR" dirty="0" err="1">
+                <a:latin typeface="Adobe Heiti Std R" panose="020B0400000000000000" pitchFamily="34" charset="-128"/>
+                <a:ea typeface="Adobe Heiti Std R" panose="020B0400000000000000" pitchFamily="34" charset="-128"/>
+                <a:cs typeface="Times New Roman" panose="02020603050405020304" pitchFamily="18" charset="0"/>
+              </a:rPr>
+              <a:t>switching</a:t>
+            </a:r>
+            <a:r>
+              <a:rPr lang="tr-TR" dirty="0">
+                <a:latin typeface="Adobe Heiti Std R" panose="020B0400000000000000" pitchFamily="34" charset="-128"/>
+                <a:ea typeface="Adobe Heiti Std R" panose="020B0400000000000000" pitchFamily="34" charset="-128"/>
+                <a:cs typeface="Times New Roman" panose="02020603050405020304" pitchFamily="18" charset="0"/>
+              </a:rPr>
+              <a:t> </a:t>
+            </a:r>
+            <a:r>
+              <a:rPr lang="tr-TR" dirty="0" err="1">
+                <a:latin typeface="Adobe Heiti Std R" panose="020B0400000000000000" pitchFamily="34" charset="-128"/>
+                <a:ea typeface="Adobe Heiti Std R" panose="020B0400000000000000" pitchFamily="34" charset="-128"/>
+                <a:cs typeface="Times New Roman" panose="02020603050405020304" pitchFamily="18" charset="0"/>
+              </a:rPr>
+              <a:t>losses</a:t>
+            </a:r>
+            <a:endParaRPr lang="en-US" dirty="0">
+              <a:latin typeface="Adobe Heiti Std R" panose="020B0400000000000000" pitchFamily="34" charset="-128"/>
+              <a:ea typeface="Adobe Heiti Std R" panose="020B0400000000000000" pitchFamily="34" charset="-128"/>
+              <a:cs typeface="Times New Roman" panose="02020603050405020304" pitchFamily="18" charset="0"/>
+            </a:endParaRPr>
+          </a:p>
         </p:txBody>
       </p:sp>
       <p:sp>
         <p:nvSpPr>
-          <p:cNvPr id="3" name="TextBox 2">
-            <a:extLst>
-              <a:ext uri="{FF2B5EF4-FFF2-40B4-BE49-F238E27FC236}">
-                <a16:creationId xmlns:a16="http://schemas.microsoft.com/office/drawing/2014/main" id="{C1C426CF-81C1-41AC-B813-B57EF2840764}"/>
-              </a:ext>
-            </a:extLst>
-          </p:cNvPr>
-          <p:cNvSpPr txBox="1"/>
-          <p:nvPr/>
-        </p:nvSpPr>
-        <p:spPr>
-          <a:xfrm>
-            <a:off x="919793" y="1130858"/>
-            <a:ext cx="6356496" cy="584775"/>
-          </a:xfrm>
-          <a:prstGeom prst="rect">
-            <a:avLst/>
-          </a:prstGeom>
-          <a:noFill/>
-        </p:spPr>
-        <p:txBody>
-          <a:bodyPr wrap="square" rtlCol="0">
-            <a:spAutoFit/>
-          </a:bodyPr>
-          <a:lstStyle/>
-          <a:p>
-            <a:r>
-              <a:rPr lang="tr-TR" sz="3200" dirty="0" err="1">
-                <a:latin typeface="Adobe Heiti Std R" panose="020B0400000000000000" pitchFamily="34" charset="-128"/>
-                <a:ea typeface="Adobe Heiti Std R" panose="020B0400000000000000" pitchFamily="34" charset="-128"/>
-              </a:rPr>
-              <a:t>GaN</a:t>
-            </a:r>
-            <a:r>
-              <a:rPr lang="tr-TR" sz="3200" dirty="0">
-                <a:latin typeface="Adobe Heiti Std R" panose="020B0400000000000000" pitchFamily="34" charset="-128"/>
-                <a:ea typeface="Adobe Heiti Std R" panose="020B0400000000000000" pitchFamily="34" charset="-128"/>
-              </a:rPr>
-              <a:t> transistor</a:t>
-            </a:r>
-            <a:endParaRPr lang="en-US" sz="3200" dirty="0">
-              <a:latin typeface="Adobe Heiti Std R" panose="020B0400000000000000" pitchFamily="34" charset="-128"/>
-              <a:ea typeface="Adobe Heiti Std R" panose="020B0400000000000000" pitchFamily="34" charset="-128"/>
-            </a:endParaRPr>
-          </a:p>
-        </p:txBody>
-      </p:sp>
-      <p:pic>
-        <p:nvPicPr>
-          <p:cNvPr id="8" name="Picture 7" descr="A close up of a logo&#10;&#10;Description generated with very high confidence">
-            <a:extLst>
-              <a:ext uri="{FF2B5EF4-FFF2-40B4-BE49-F238E27FC236}">
-                <a16:creationId xmlns:a16="http://schemas.microsoft.com/office/drawing/2014/main" id="{CD80B700-63EE-42E7-9B33-59B58509AB06}"/>
-              </a:ext>
-            </a:extLst>
-          </p:cNvPr>
-          <p:cNvPicPr>
-            <a:picLocks noChangeAspect="1"/>
-          </p:cNvPicPr>
-          <p:nvPr/>
-        </p:nvPicPr>
-        <p:blipFill rotWithShape="1">
-          <a:blip r:embed="rId5"/>
-          <a:srcRect b="35293"/>
-          <a:stretch/>
-        </p:blipFill>
-        <p:spPr>
-          <a:xfrm>
-            <a:off x="6456678" y="2471665"/>
-            <a:ext cx="4772498" cy="1914666"/>
-          </a:xfrm>
-          <a:prstGeom prst="rect">
-            <a:avLst/>
-          </a:prstGeom>
-        </p:spPr>
-      </p:pic>
-      <p:sp>
-        <p:nvSpPr>
-          <p:cNvPr id="16" name="Slide Number Placeholder 9">
-            <a:extLst>
-              <a:ext uri="{FF2B5EF4-FFF2-40B4-BE49-F238E27FC236}">
-                <a16:creationId xmlns:a16="http://schemas.microsoft.com/office/drawing/2014/main" id="{D9591E97-792D-4A31-AAF2-1E1990B5C7B6}"/>
+          <p:cNvPr id="22" name="Slide Number Placeholder 9">
+            <a:extLst>
+              <a:ext uri="{FF2B5EF4-FFF2-40B4-BE49-F238E27FC236}">
+                <a16:creationId xmlns:a16="http://schemas.microsoft.com/office/drawing/2014/main" id="{7A6E95EC-6CBD-49ED-9476-78B57CDD1247}"/>
               </a:ext>
             </a:extLst>
           </p:cNvPr>
@@ -12399,287 +12389,12 @@
           </a:p>
         </p:txBody>
       </p:sp>
-    </p:spTree>
-    <p:extLst>
-      <p:ext uri="{BB962C8B-B14F-4D97-AF65-F5344CB8AC3E}">
-        <p14:creationId xmlns:p14="http://schemas.microsoft.com/office/powerpoint/2010/main" val="2299171445"/>
-      </p:ext>
-    </p:extLst>
-  </p:cSld>
-  <p:clrMapOvr>
-    <a:masterClrMapping/>
-  </p:clrMapOvr>
-  <p:timing>
-    <p:tnLst>
-      <p:par>
-        <p:cTn id="1" dur="indefinite" restart="never" nodeType="tmRoot">
-          <p:childTnLst>
-            <p:seq concurrent="1" nextAc="seek">
-              <p:cTn id="2" dur="indefinite" nodeType="mainSeq">
-                <p:childTnLst>
-                  <p:par>
-                    <p:cTn id="3" fill="hold">
-                      <p:stCondLst>
-                        <p:cond delay="indefinite"/>
-                      </p:stCondLst>
-                      <p:childTnLst>
-                        <p:par>
-                          <p:cTn id="4" fill="hold">
-                            <p:stCondLst>
-                              <p:cond delay="0"/>
-                            </p:stCondLst>
-                            <p:childTnLst>
-                              <p:par>
-                                <p:cTn id="5" presetID="1" presetClass="entr" presetSubtype="0" fill="hold" grpId="0" nodeType="clickEffect">
-                                  <p:stCondLst>
-                                    <p:cond delay="0"/>
-                                  </p:stCondLst>
-                                  <p:childTnLst>
-                                    <p:set>
-                                      <p:cBhvr>
-                                        <p:cTn id="6" dur="1" fill="hold">
-                                          <p:stCondLst>
-                                            <p:cond delay="0"/>
-                                          </p:stCondLst>
-                                        </p:cTn>
-                                        <p:tgtEl>
-                                          <p:spTgt spid="3"/>
-                                        </p:tgtEl>
-                                        <p:attrNameLst>
-                                          <p:attrName>style.visibility</p:attrName>
-                                        </p:attrNameLst>
-                                      </p:cBhvr>
-                                      <p:to>
-                                        <p:strVal val="visible"/>
-                                      </p:to>
-                                    </p:set>
-                                  </p:childTnLst>
-                                </p:cTn>
-                              </p:par>
-                            </p:childTnLst>
-                          </p:cTn>
-                        </p:par>
-                      </p:childTnLst>
-                    </p:cTn>
-                  </p:par>
-                  <p:par>
-                    <p:cTn id="7" fill="hold">
-                      <p:stCondLst>
-                        <p:cond delay="indefinite"/>
-                      </p:stCondLst>
-                      <p:childTnLst>
-                        <p:par>
-                          <p:cTn id="8" fill="hold">
-                            <p:stCondLst>
-                              <p:cond delay="0"/>
-                            </p:stCondLst>
-                            <p:childTnLst>
-                              <p:par>
-                                <p:cTn id="9" presetID="1" presetClass="entr" presetSubtype="0" fill="hold" grpId="0" nodeType="clickEffect">
-                                  <p:stCondLst>
-                                    <p:cond delay="0"/>
-                                  </p:stCondLst>
-                                  <p:childTnLst>
-                                    <p:set>
-                                      <p:cBhvr>
-                                        <p:cTn id="10" dur="1" fill="hold">
-                                          <p:stCondLst>
-                                            <p:cond delay="0"/>
-                                          </p:stCondLst>
-                                        </p:cTn>
-                                        <p:tgtEl>
-                                          <p:spTgt spid="11"/>
-                                        </p:tgtEl>
-                                        <p:attrNameLst>
-                                          <p:attrName>style.visibility</p:attrName>
-                                        </p:attrNameLst>
-                                      </p:cBhvr>
-                                      <p:to>
-                                        <p:strVal val="visible"/>
-                                      </p:to>
-                                    </p:set>
-                                  </p:childTnLst>
-                                </p:cTn>
-                              </p:par>
-                            </p:childTnLst>
-                          </p:cTn>
-                        </p:par>
-                      </p:childTnLst>
-                    </p:cTn>
-                  </p:par>
-                </p:childTnLst>
-              </p:cTn>
-              <p:prevCondLst>
-                <p:cond evt="onPrev" delay="0">
-                  <p:tgtEl>
-                    <p:sldTgt/>
-                  </p:tgtEl>
-                </p:cond>
-              </p:prevCondLst>
-              <p:nextCondLst>
-                <p:cond evt="onNext" delay="0">
-                  <p:tgtEl>
-                    <p:sldTgt/>
-                  </p:tgtEl>
-                </p:cond>
-              </p:nextCondLst>
-            </p:seq>
-          </p:childTnLst>
-        </p:cTn>
-      </p:par>
-    </p:tnLst>
-    <p:bldLst>
-      <p:bldP spid="11" grpId="0"/>
-      <p:bldP spid="3" grpId="0"/>
-    </p:bldLst>
-  </p:timing>
-</p:sld>
-</file>
-
-<file path=ppt/slides/slide7.xml><?xml version="1.0" encoding="utf-8"?>
-<p:sld xmlns:a="http://schemas.openxmlformats.org/drawingml/2006/main" xmlns:r="http://schemas.openxmlformats.org/officeDocument/2006/relationships" xmlns:p="http://schemas.openxmlformats.org/presentationml/2006/main">
-  <p:cSld>
-    <p:bg>
-      <p:bgPr>
-        <a:gradFill>
-          <a:gsLst>
-            <a:gs pos="25000">
-              <a:srgbClr val="E1EDF9"/>
-            </a:gs>
-            <a:gs pos="0">
-              <a:schemeClr val="accent1">
-                <a:lumMod val="5000"/>
-                <a:lumOff val="95000"/>
-              </a:schemeClr>
-            </a:gs>
-            <a:gs pos="62000">
-              <a:srgbClr val="C6DFF4"/>
-            </a:gs>
-            <a:gs pos="100000">
-              <a:srgbClr val="C6DFF4"/>
-            </a:gs>
-          </a:gsLst>
-          <a:lin ang="16200000" scaled="0"/>
-        </a:gradFill>
-        <a:effectLst/>
-      </p:bgPr>
-    </p:bg>
-    <p:spTree>
-      <p:nvGrpSpPr>
-        <p:cNvPr id="1" name=""/>
-        <p:cNvGrpSpPr/>
-        <p:nvPr/>
-      </p:nvGrpSpPr>
-      <p:grpSpPr>
-        <a:xfrm>
-          <a:off x="0" y="0"/>
-          <a:ext cx="0" cy="0"/>
-          <a:chOff x="0" y="0"/>
-          <a:chExt cx="0" cy="0"/>
-        </a:xfrm>
-      </p:grpSpPr>
       <p:pic>
         <p:nvPicPr>
-          <p:cNvPr id="4" name="Picture 2" descr="Image result for pemc 2018">
-            <a:extLst>
-              <a:ext uri="{FF2B5EF4-FFF2-40B4-BE49-F238E27FC236}">
-                <a16:creationId xmlns:a16="http://schemas.microsoft.com/office/drawing/2014/main" id="{4CF91A14-9E34-47DA-BC9C-3DE7AD3FA936}"/>
-              </a:ext>
-            </a:extLst>
-          </p:cNvPr>
-          <p:cNvPicPr>
-            <a:picLocks noChangeAspect="1" noChangeArrowheads="1"/>
-          </p:cNvPicPr>
-          <p:nvPr/>
-        </p:nvPicPr>
-        <p:blipFill>
-          <a:blip r:embed="rId2" cstate="print">
-            <a:extLst>
-              <a:ext uri="{28A0092B-C50C-407E-A947-70E740481C1C}">
-                <a14:useLocalDpi xmlns:a14="http://schemas.microsoft.com/office/drawing/2010/main" val="0"/>
-              </a:ext>
-            </a:extLst>
-          </a:blip>
-          <a:srcRect/>
-          <a:stretch>
-            <a:fillRect/>
-          </a:stretch>
-        </p:blipFill>
-        <p:spPr bwMode="auto">
-          <a:xfrm>
-            <a:off x="0" y="0"/>
-            <a:ext cx="1226482" cy="800279"/>
-          </a:xfrm>
-          <a:prstGeom prst="rect">
-            <a:avLst/>
-          </a:prstGeom>
-          <a:noFill/>
-          <a:extLst>
-            <a:ext uri="{909E8E84-426E-40DD-AFC4-6F175D3DCCD1}">
-              <a14:hiddenFill xmlns:a14="http://schemas.microsoft.com/office/drawing/2010/main">
-                <a:solidFill>
-                  <a:srgbClr val="FFFFFF"/>
-                </a:solidFill>
-              </a14:hiddenFill>
-            </a:ext>
-          </a:extLst>
-        </p:spPr>
-      </p:pic>
-      <p:pic>
-        <p:nvPicPr>
-          <p:cNvPr id="7" name="Picture 6" descr="C:\Users\ugurm\Desktop\gitthub\IMMD\GRW2017\Metu5.png">
-            <a:extLst>
-              <a:ext uri="{FF2B5EF4-FFF2-40B4-BE49-F238E27FC236}">
-                <a16:creationId xmlns:a16="http://schemas.microsoft.com/office/drawing/2014/main" id="{BABCB4FB-B431-4356-963F-017A7A8F8578}"/>
-              </a:ext>
-            </a:extLst>
-          </p:cNvPr>
-          <p:cNvPicPr/>
-          <p:nvPr/>
-        </p:nvPicPr>
-        <p:blipFill rotWithShape="1">
-          <a:blip r:embed="rId3" cstate="print">
-            <a:extLst>
-              <a:ext uri="{28A0092B-C50C-407E-A947-70E740481C1C}">
-                <a14:useLocalDpi xmlns:a14="http://schemas.microsoft.com/office/drawing/2010/main" val="0"/>
-              </a:ext>
-            </a:extLst>
-          </a:blip>
-          <a:srcRect l="14652" t="39667" r="70514" b="41051"/>
-          <a:stretch/>
-        </p:blipFill>
-        <p:spPr bwMode="auto">
-          <a:xfrm>
-            <a:off x="11384292" y="5979219"/>
-            <a:ext cx="733440" cy="721961"/>
-          </a:xfrm>
-          <a:prstGeom prst="rect">
-            <a:avLst/>
-          </a:prstGeom>
-          <a:noFill/>
-          <a:ln>
-            <a:noFill/>
-          </a:ln>
-          <a:effectLst>
-            <a:outerShdw blurRad="63500" sx="102000" sy="102000" algn="ctr" rotWithShape="0">
-              <a:prstClr val="black">
-                <a:alpha val="40000"/>
-              </a:prstClr>
-            </a:outerShdw>
-          </a:effectLst>
-          <a:extLst>
-            <a:ext uri="{53640926-AAD7-44D8-BBD7-CCE9431645EC}">
-              <a14:shadowObscured xmlns:a14="http://schemas.microsoft.com/office/drawing/2010/main"/>
-            </a:ext>
-          </a:extLst>
-        </p:spPr>
-      </p:pic>
-      <p:pic>
-        <p:nvPicPr>
-          <p:cNvPr id="9" name="Picture 8">
-            <a:extLst>
-              <a:ext uri="{FF2B5EF4-FFF2-40B4-BE49-F238E27FC236}">
-                <a16:creationId xmlns:a16="http://schemas.microsoft.com/office/drawing/2014/main" id="{3B6DCCE1-55D4-48B7-8BB0-F54A2B8476E9}"/>
+          <p:cNvPr id="16" name="Picture 15">
+            <a:extLst>
+              <a:ext uri="{FF2B5EF4-FFF2-40B4-BE49-F238E27FC236}">
+                <a16:creationId xmlns:a16="http://schemas.microsoft.com/office/drawing/2014/main" id="{6BA5826E-4DCF-40C7-ADAE-9C490C1D5E5C}"/>
               </a:ext>
             </a:extLst>
           </p:cNvPr>
@@ -12689,508 +12404,21 @@
           <p:nvPr/>
         </p:nvPicPr>
         <p:blipFill>
-          <a:blip r:embed="rId4" cstate="print">
-            <a:extLst>
-              <a:ext uri="{28A0092B-C50C-407E-A947-70E740481C1C}">
-                <a14:useLocalDpi xmlns:a14="http://schemas.microsoft.com/office/drawing/2010/main" val="0"/>
-              </a:ext>
-            </a:extLst>
-          </a:blip>
+          <a:blip r:embed="rId6"/>
           <a:stretch>
             <a:fillRect/>
           </a:stretch>
         </p:blipFill>
         <p:spPr>
           <a:xfrm>
-            <a:off x="186353" y="6034295"/>
-            <a:ext cx="733440" cy="611811"/>
+            <a:off x="5610225" y="1323683"/>
+            <a:ext cx="7220943" cy="4212803"/>
           </a:xfrm>
           <a:prstGeom prst="rect">
             <a:avLst/>
           </a:prstGeom>
-          <a:effectLst>
-            <a:outerShdw blurRad="63500" sx="102000" sy="102000" algn="ctr" rotWithShape="0">
-              <a:prstClr val="black"/>
-            </a:outerShdw>
-            <a:softEdge rad="0"/>
-          </a:effectLst>
         </p:spPr>
       </p:pic>
-      <p:sp>
-        <p:nvSpPr>
-          <p:cNvPr id="2" name="TextBox 1">
-            <a:extLst>
-              <a:ext uri="{FF2B5EF4-FFF2-40B4-BE49-F238E27FC236}">
-                <a16:creationId xmlns:a16="http://schemas.microsoft.com/office/drawing/2014/main" id="{3E68B92E-44BD-442E-BC28-B996E2A733D5}"/>
-              </a:ext>
-            </a:extLst>
-          </p:cNvPr>
-          <p:cNvSpPr txBox="1"/>
-          <p:nvPr/>
-        </p:nvSpPr>
-        <p:spPr>
-          <a:xfrm>
-            <a:off x="1761946" y="188477"/>
-            <a:ext cx="8668107" cy="769441"/>
-          </a:xfrm>
-          <a:prstGeom prst="rect">
-            <a:avLst/>
-          </a:prstGeom>
-          <a:noFill/>
-        </p:spPr>
-        <p:txBody>
-          <a:bodyPr wrap="square" rtlCol="0">
-            <a:spAutoFit/>
-          </a:bodyPr>
-          <a:lstStyle/>
-          <a:p>
-            <a:pPr algn="ctr"/>
-            <a:r>
-              <a:rPr lang="tr-TR" sz="4400" b="1" dirty="0" err="1">
-                <a:latin typeface="Adobe Heiti Std R" panose="020B0400000000000000" pitchFamily="34" charset="-128"/>
-                <a:ea typeface="Adobe Heiti Std R" panose="020B0400000000000000" pitchFamily="34" charset="-128"/>
-              </a:rPr>
-              <a:t>Inverter</a:t>
-            </a:r>
-            <a:r>
-              <a:rPr lang="tr-TR" sz="4400" b="1" dirty="0">
-                <a:latin typeface="Adobe Heiti Std R" panose="020B0400000000000000" pitchFamily="34" charset="-128"/>
-                <a:ea typeface="Adobe Heiti Std R" panose="020B0400000000000000" pitchFamily="34" charset="-128"/>
-              </a:rPr>
-              <a:t> </a:t>
-            </a:r>
-            <a:r>
-              <a:rPr lang="tr-TR" sz="4400" b="1" dirty="0" err="1">
-                <a:latin typeface="Adobe Heiti Std R" panose="020B0400000000000000" pitchFamily="34" charset="-128"/>
-                <a:ea typeface="Adobe Heiti Std R" panose="020B0400000000000000" pitchFamily="34" charset="-128"/>
-              </a:rPr>
-              <a:t>Topologies</a:t>
-            </a:r>
-            <a:endParaRPr lang="en-US" sz="3400" b="1" dirty="0">
-              <a:latin typeface="Adobe Heiti Std R" panose="020B0400000000000000" pitchFamily="34" charset="-128"/>
-              <a:ea typeface="Adobe Heiti Std R" panose="020B0400000000000000" pitchFamily="34" charset="-128"/>
-            </a:endParaRPr>
-          </a:p>
-        </p:txBody>
-      </p:sp>
-      <p:cxnSp>
-        <p:nvCxnSpPr>
-          <p:cNvPr id="12" name="Straight Connector 11">
-            <a:extLst>
-              <a:ext uri="{FF2B5EF4-FFF2-40B4-BE49-F238E27FC236}">
-                <a16:creationId xmlns:a16="http://schemas.microsoft.com/office/drawing/2014/main" id="{CD953AED-5807-4DA7-B9FA-0247B6718842}"/>
-              </a:ext>
-            </a:extLst>
-          </p:cNvPr>
-          <p:cNvCxnSpPr>
-            <a:cxnSpLocks/>
-          </p:cNvCxnSpPr>
-          <p:nvPr/>
-        </p:nvCxnSpPr>
-        <p:spPr>
-          <a:xfrm>
-            <a:off x="1732739" y="957918"/>
-            <a:ext cx="8315933" cy="0"/>
-          </a:xfrm>
-          <a:prstGeom prst="line">
-            <a:avLst/>
-          </a:prstGeom>
-          <a:ln w="50800">
-            <a:solidFill>
-              <a:schemeClr val="accent1"/>
-            </a:solidFill>
-          </a:ln>
-        </p:spPr>
-        <p:style>
-          <a:lnRef idx="1">
-            <a:schemeClr val="accent1"/>
-          </a:lnRef>
-          <a:fillRef idx="0">
-            <a:schemeClr val="accent1"/>
-          </a:fillRef>
-          <a:effectRef idx="0">
-            <a:schemeClr val="accent1"/>
-          </a:effectRef>
-          <a:fontRef idx="minor">
-            <a:schemeClr val="tx1"/>
-          </a:fontRef>
-        </p:style>
-      </p:cxnSp>
-      <p:sp>
-        <p:nvSpPr>
-          <p:cNvPr id="11" name="TextBox 10">
-            <a:extLst>
-              <a:ext uri="{FF2B5EF4-FFF2-40B4-BE49-F238E27FC236}">
-                <a16:creationId xmlns:a16="http://schemas.microsoft.com/office/drawing/2014/main" id="{1EDEF417-7205-40F4-8E8F-20780F76515D}"/>
-              </a:ext>
-            </a:extLst>
-          </p:cNvPr>
-          <p:cNvSpPr txBox="1"/>
-          <p:nvPr/>
-        </p:nvSpPr>
-        <p:spPr>
-          <a:xfrm>
-            <a:off x="1682921" y="1418272"/>
-            <a:ext cx="3835752" cy="3724096"/>
-          </a:xfrm>
-          <a:prstGeom prst="rect">
-            <a:avLst/>
-          </a:prstGeom>
-          <a:noFill/>
-        </p:spPr>
-        <p:txBody>
-          <a:bodyPr wrap="square" rtlCol="0">
-            <a:spAutoFit/>
-          </a:bodyPr>
-          <a:lstStyle/>
-          <a:p>
-            <a:pPr>
-              <a:spcAft>
-                <a:spcPts val="1200"/>
-              </a:spcAft>
-            </a:pPr>
-            <a:r>
-              <a:rPr lang="tr-TR" sz="2800" dirty="0">
-                <a:latin typeface="Adobe Heiti Std R" panose="020B0400000000000000" pitchFamily="34" charset="-128"/>
-                <a:ea typeface="Adobe Heiti Std R" panose="020B0400000000000000" pitchFamily="34" charset="-128"/>
-                <a:cs typeface="Times New Roman" panose="02020603050405020304" pitchFamily="18" charset="0"/>
-              </a:rPr>
-              <a:t>Series </a:t>
-            </a:r>
-            <a:r>
-              <a:rPr lang="tr-TR" sz="2800" dirty="0" err="1">
-                <a:latin typeface="Adobe Heiti Std R" panose="020B0400000000000000" pitchFamily="34" charset="-128"/>
-                <a:ea typeface="Adobe Heiti Std R" panose="020B0400000000000000" pitchFamily="34" charset="-128"/>
-                <a:cs typeface="Times New Roman" panose="02020603050405020304" pitchFamily="18" charset="0"/>
-              </a:rPr>
-              <a:t>configration</a:t>
-            </a:r>
-            <a:endParaRPr lang="tr-TR" sz="2800" dirty="0">
-              <a:latin typeface="Adobe Heiti Std R" panose="020B0400000000000000" pitchFamily="34" charset="-128"/>
-              <a:ea typeface="Adobe Heiti Std R" panose="020B0400000000000000" pitchFamily="34" charset="-128"/>
-              <a:cs typeface="Times New Roman" panose="02020603050405020304" pitchFamily="18" charset="0"/>
-            </a:endParaRPr>
-          </a:p>
-          <a:p>
-            <a:pPr marL="342900" indent="-342900">
-              <a:spcAft>
-                <a:spcPts val="1200"/>
-              </a:spcAft>
-              <a:buFont typeface="Arial" panose="020B0604020202020204" pitchFamily="34" charset="0"/>
-              <a:buChar char="•"/>
-            </a:pPr>
-            <a:r>
-              <a:rPr lang="tr-TR" sz="2400" dirty="0" err="1">
-                <a:latin typeface="Adobe Heiti Std R" panose="020B0400000000000000" pitchFamily="34" charset="-128"/>
-                <a:ea typeface="Adobe Heiti Std R" panose="020B0400000000000000" pitchFamily="34" charset="-128"/>
-                <a:cs typeface="Times New Roman" panose="02020603050405020304" pitchFamily="18" charset="0"/>
-              </a:rPr>
-              <a:t>Voltage</a:t>
-            </a:r>
-            <a:r>
-              <a:rPr lang="tr-TR" sz="2400" dirty="0">
-                <a:latin typeface="Adobe Heiti Std R" panose="020B0400000000000000" pitchFamily="34" charset="-128"/>
-                <a:ea typeface="Adobe Heiti Std R" panose="020B0400000000000000" pitchFamily="34" charset="-128"/>
-                <a:cs typeface="Times New Roman" panose="02020603050405020304" pitchFamily="18" charset="0"/>
-              </a:rPr>
-              <a:t> </a:t>
-            </a:r>
-            <a:r>
-              <a:rPr lang="tr-TR" sz="2400" dirty="0" err="1">
-                <a:latin typeface="Adobe Heiti Std R" panose="020B0400000000000000" pitchFamily="34" charset="-128"/>
-                <a:ea typeface="Adobe Heiti Std R" panose="020B0400000000000000" pitchFamily="34" charset="-128"/>
-                <a:cs typeface="Times New Roman" panose="02020603050405020304" pitchFamily="18" charset="0"/>
-              </a:rPr>
-              <a:t>rating</a:t>
-            </a:r>
-            <a:r>
-              <a:rPr lang="tr-TR" sz="2400" dirty="0">
-                <a:latin typeface="Adobe Heiti Std R" panose="020B0400000000000000" pitchFamily="34" charset="-128"/>
-                <a:ea typeface="Adobe Heiti Std R" panose="020B0400000000000000" pitchFamily="34" charset="-128"/>
-                <a:cs typeface="Times New Roman" panose="02020603050405020304" pitchFamily="18" charset="0"/>
-              </a:rPr>
-              <a:t> of </a:t>
-            </a:r>
-            <a:r>
-              <a:rPr lang="tr-TR" sz="2400" dirty="0" err="1">
-                <a:latin typeface="Adobe Heiti Std R" panose="020B0400000000000000" pitchFamily="34" charset="-128"/>
-                <a:ea typeface="Adobe Heiti Std R" panose="020B0400000000000000" pitchFamily="34" charset="-128"/>
-                <a:cs typeface="Times New Roman" panose="02020603050405020304" pitchFamily="18" charset="0"/>
-              </a:rPr>
-              <a:t>GaNs</a:t>
-            </a:r>
-            <a:endParaRPr lang="tr-TR" sz="2400" dirty="0">
-              <a:latin typeface="Adobe Heiti Std R" panose="020B0400000000000000" pitchFamily="34" charset="-128"/>
-              <a:ea typeface="Adobe Heiti Std R" panose="020B0400000000000000" pitchFamily="34" charset="-128"/>
-              <a:cs typeface="Times New Roman" panose="02020603050405020304" pitchFamily="18" charset="0"/>
-            </a:endParaRPr>
-          </a:p>
-          <a:p>
-            <a:pPr marL="342900" indent="-342900">
-              <a:spcAft>
-                <a:spcPts val="1200"/>
-              </a:spcAft>
-              <a:buFont typeface="Arial" panose="020B0604020202020204" pitchFamily="34" charset="0"/>
-              <a:buChar char="•"/>
-            </a:pPr>
-            <a:r>
-              <a:rPr lang="tr-TR" sz="2400" dirty="0" err="1">
-                <a:latin typeface="Adobe Heiti Std R" panose="020B0400000000000000" pitchFamily="34" charset="-128"/>
-                <a:ea typeface="Adobe Heiti Std R" panose="020B0400000000000000" pitchFamily="34" charset="-128"/>
-                <a:cs typeface="Times New Roman" panose="02020603050405020304" pitchFamily="18" charset="0"/>
-              </a:rPr>
-              <a:t>Lower</a:t>
-            </a:r>
-            <a:r>
-              <a:rPr lang="tr-TR" sz="2400" dirty="0">
-                <a:latin typeface="Adobe Heiti Std R" panose="020B0400000000000000" pitchFamily="34" charset="-128"/>
-                <a:ea typeface="Adobe Heiti Std R" panose="020B0400000000000000" pitchFamily="34" charset="-128"/>
-                <a:cs typeface="Times New Roman" panose="02020603050405020304" pitchFamily="18" charset="0"/>
-              </a:rPr>
-              <a:t> </a:t>
-            </a:r>
-            <a:r>
-              <a:rPr lang="tr-TR" sz="2400" dirty="0" err="1">
-                <a:latin typeface="Adobe Heiti Std R" panose="020B0400000000000000" pitchFamily="34" charset="-128"/>
-                <a:ea typeface="Adobe Heiti Std R" panose="020B0400000000000000" pitchFamily="34" charset="-128"/>
-                <a:cs typeface="Times New Roman" panose="02020603050405020304" pitchFamily="18" charset="0"/>
-              </a:rPr>
-              <a:t>dV</a:t>
-            </a:r>
-            <a:r>
-              <a:rPr lang="tr-TR" sz="2400" dirty="0">
-                <a:latin typeface="Adobe Heiti Std R" panose="020B0400000000000000" pitchFamily="34" charset="-128"/>
-                <a:ea typeface="Adobe Heiti Std R" panose="020B0400000000000000" pitchFamily="34" charset="-128"/>
-                <a:cs typeface="Times New Roman" panose="02020603050405020304" pitchFamily="18" charset="0"/>
-              </a:rPr>
-              <a:t>/</a:t>
-            </a:r>
-            <a:r>
-              <a:rPr lang="tr-TR" sz="2400" dirty="0" err="1">
-                <a:latin typeface="Adobe Heiti Std R" panose="020B0400000000000000" pitchFamily="34" charset="-128"/>
-                <a:ea typeface="Adobe Heiti Std R" panose="020B0400000000000000" pitchFamily="34" charset="-128"/>
-                <a:cs typeface="Times New Roman" panose="02020603050405020304" pitchFamily="18" charset="0"/>
-              </a:rPr>
-              <a:t>dt</a:t>
-            </a:r>
-            <a:endParaRPr lang="tr-TR" sz="2400" dirty="0">
-              <a:latin typeface="Adobe Heiti Std R" panose="020B0400000000000000" pitchFamily="34" charset="-128"/>
-              <a:ea typeface="Adobe Heiti Std R" panose="020B0400000000000000" pitchFamily="34" charset="-128"/>
-              <a:cs typeface="Times New Roman" panose="02020603050405020304" pitchFamily="18" charset="0"/>
-            </a:endParaRPr>
-          </a:p>
-          <a:p>
-            <a:pPr>
-              <a:spcAft>
-                <a:spcPts val="1200"/>
-              </a:spcAft>
-            </a:pPr>
-            <a:endParaRPr lang="tr-TR" sz="2400" dirty="0">
-              <a:latin typeface="Adobe Heiti Std R" panose="020B0400000000000000" pitchFamily="34" charset="-128"/>
-              <a:ea typeface="Adobe Heiti Std R" panose="020B0400000000000000" pitchFamily="34" charset="-128"/>
-              <a:cs typeface="Times New Roman" panose="02020603050405020304" pitchFamily="18" charset="0"/>
-            </a:endParaRPr>
-          </a:p>
-          <a:p>
-            <a:pPr>
-              <a:spcAft>
-                <a:spcPts val="1200"/>
-              </a:spcAft>
-            </a:pPr>
-            <a:r>
-              <a:rPr lang="tr-TR" sz="2800" dirty="0" err="1">
-                <a:latin typeface="Adobe Heiti Std R" panose="020B0400000000000000" pitchFamily="34" charset="-128"/>
-                <a:ea typeface="Adobe Heiti Std R" panose="020B0400000000000000" pitchFamily="34" charset="-128"/>
-                <a:cs typeface="Times New Roman" panose="02020603050405020304" pitchFamily="18" charset="0"/>
-              </a:rPr>
-              <a:t>Parallel</a:t>
-            </a:r>
-            <a:r>
-              <a:rPr lang="tr-TR" sz="2800" dirty="0">
-                <a:latin typeface="Adobe Heiti Std R" panose="020B0400000000000000" pitchFamily="34" charset="-128"/>
-                <a:ea typeface="Adobe Heiti Std R" panose="020B0400000000000000" pitchFamily="34" charset="-128"/>
-                <a:cs typeface="Times New Roman" panose="02020603050405020304" pitchFamily="18" charset="0"/>
-              </a:rPr>
-              <a:t> </a:t>
-            </a:r>
-            <a:r>
-              <a:rPr lang="tr-TR" sz="2800" dirty="0" err="1">
-                <a:latin typeface="Adobe Heiti Std R" panose="020B0400000000000000" pitchFamily="34" charset="-128"/>
-                <a:ea typeface="Adobe Heiti Std R" panose="020B0400000000000000" pitchFamily="34" charset="-128"/>
-                <a:cs typeface="Times New Roman" panose="02020603050405020304" pitchFamily="18" charset="0"/>
-              </a:rPr>
-              <a:t>configration</a:t>
-            </a:r>
-            <a:endParaRPr lang="en-US" sz="2800" dirty="0">
-              <a:latin typeface="Adobe Heiti Std R" panose="020B0400000000000000" pitchFamily="34" charset="-128"/>
-              <a:ea typeface="Adobe Heiti Std R" panose="020B0400000000000000" pitchFamily="34" charset="-128"/>
-              <a:cs typeface="Times New Roman" panose="02020603050405020304" pitchFamily="18" charset="0"/>
-            </a:endParaRPr>
-          </a:p>
-          <a:p>
-            <a:pPr marL="342900" indent="-342900">
-              <a:spcAft>
-                <a:spcPts val="1200"/>
-              </a:spcAft>
-              <a:buFont typeface="Arial" panose="020B0604020202020204" pitchFamily="34" charset="0"/>
-              <a:buChar char="•"/>
-            </a:pPr>
-            <a:r>
-              <a:rPr lang="tr-TR" sz="2400" dirty="0" err="1">
-                <a:latin typeface="Adobe Heiti Std R" panose="020B0400000000000000" pitchFamily="34" charset="-128"/>
-                <a:ea typeface="Adobe Heiti Std R" panose="020B0400000000000000" pitchFamily="34" charset="-128"/>
-                <a:cs typeface="Times New Roman" panose="02020603050405020304" pitchFamily="18" charset="0"/>
-              </a:rPr>
-              <a:t>Smaller</a:t>
-            </a:r>
-            <a:r>
-              <a:rPr lang="tr-TR" sz="2400" dirty="0">
-                <a:latin typeface="Adobe Heiti Std R" panose="020B0400000000000000" pitchFamily="34" charset="-128"/>
-                <a:ea typeface="Adobe Heiti Std R" panose="020B0400000000000000" pitchFamily="34" charset="-128"/>
-                <a:cs typeface="Times New Roman" panose="02020603050405020304" pitchFamily="18" charset="0"/>
-              </a:rPr>
-              <a:t> </a:t>
-            </a:r>
-            <a:r>
-              <a:rPr lang="tr-TR" sz="2400" dirty="0" err="1">
-                <a:latin typeface="Adobe Heiti Std R" panose="020B0400000000000000" pitchFamily="34" charset="-128"/>
-                <a:ea typeface="Adobe Heiti Std R" panose="020B0400000000000000" pitchFamily="34" charset="-128"/>
-                <a:cs typeface="Times New Roman" panose="02020603050405020304" pitchFamily="18" charset="0"/>
-              </a:rPr>
-              <a:t>capacitor</a:t>
-            </a:r>
-            <a:r>
-              <a:rPr lang="tr-TR" sz="2400" dirty="0">
-                <a:latin typeface="Adobe Heiti Std R" panose="020B0400000000000000" pitchFamily="34" charset="-128"/>
-                <a:ea typeface="Adobe Heiti Std R" panose="020B0400000000000000" pitchFamily="34" charset="-128"/>
-                <a:cs typeface="Times New Roman" panose="02020603050405020304" pitchFamily="18" charset="0"/>
-              </a:rPr>
-              <a:t> size</a:t>
-            </a:r>
-          </a:p>
-          <a:p>
-            <a:pPr marL="342900" indent="-342900">
-              <a:spcAft>
-                <a:spcPts val="1200"/>
-              </a:spcAft>
-              <a:buFont typeface="Arial" panose="020B0604020202020204" pitchFamily="34" charset="0"/>
-              <a:buChar char="•"/>
-            </a:pPr>
-            <a:r>
-              <a:rPr lang="tr-TR" sz="2400" dirty="0" err="1">
-                <a:latin typeface="Adobe Heiti Std R" panose="020B0400000000000000" pitchFamily="34" charset="-128"/>
-                <a:ea typeface="Adobe Heiti Std R" panose="020B0400000000000000" pitchFamily="34" charset="-128"/>
-                <a:cs typeface="Times New Roman" panose="02020603050405020304" pitchFamily="18" charset="0"/>
-              </a:rPr>
-              <a:t>Lower</a:t>
-            </a:r>
-            <a:r>
-              <a:rPr lang="tr-TR" sz="2400" dirty="0">
-                <a:latin typeface="Adobe Heiti Std R" panose="020B0400000000000000" pitchFamily="34" charset="-128"/>
-                <a:ea typeface="Adobe Heiti Std R" panose="020B0400000000000000" pitchFamily="34" charset="-128"/>
-                <a:cs typeface="Times New Roman" panose="02020603050405020304" pitchFamily="18" charset="0"/>
-              </a:rPr>
-              <a:t> </a:t>
-            </a:r>
-            <a:r>
-              <a:rPr lang="tr-TR" sz="2400" dirty="0" err="1">
-                <a:latin typeface="Adobe Heiti Std R" panose="020B0400000000000000" pitchFamily="34" charset="-128"/>
-                <a:ea typeface="Adobe Heiti Std R" panose="020B0400000000000000" pitchFamily="34" charset="-128"/>
-                <a:cs typeface="Times New Roman" panose="02020603050405020304" pitchFamily="18" charset="0"/>
-              </a:rPr>
-              <a:t>switching</a:t>
-            </a:r>
-            <a:r>
-              <a:rPr lang="tr-TR" sz="2400" dirty="0">
-                <a:latin typeface="Adobe Heiti Std R" panose="020B0400000000000000" pitchFamily="34" charset="-128"/>
-                <a:ea typeface="Adobe Heiti Std R" panose="020B0400000000000000" pitchFamily="34" charset="-128"/>
-                <a:cs typeface="Times New Roman" panose="02020603050405020304" pitchFamily="18" charset="0"/>
-              </a:rPr>
-              <a:t> </a:t>
-            </a:r>
-            <a:r>
-              <a:rPr lang="tr-TR" sz="2400" dirty="0" err="1">
-                <a:latin typeface="Adobe Heiti Std R" panose="020B0400000000000000" pitchFamily="34" charset="-128"/>
-                <a:ea typeface="Adobe Heiti Std R" panose="020B0400000000000000" pitchFamily="34" charset="-128"/>
-                <a:cs typeface="Times New Roman" panose="02020603050405020304" pitchFamily="18" charset="0"/>
-              </a:rPr>
-              <a:t>losses</a:t>
-            </a:r>
-            <a:endParaRPr lang="en-US" sz="2400" dirty="0">
-              <a:latin typeface="Adobe Heiti Std R" panose="020B0400000000000000" pitchFamily="34" charset="-128"/>
-              <a:ea typeface="Adobe Heiti Std R" panose="020B0400000000000000" pitchFamily="34" charset="-128"/>
-              <a:cs typeface="Times New Roman" panose="02020603050405020304" pitchFamily="18" charset="0"/>
-            </a:endParaRPr>
-          </a:p>
-        </p:txBody>
-      </p:sp>
-      <p:pic>
-        <p:nvPicPr>
-          <p:cNvPr id="14" name="Picture 13">
-            <a:extLst>
-              <a:ext uri="{FF2B5EF4-FFF2-40B4-BE49-F238E27FC236}">
-                <a16:creationId xmlns:a16="http://schemas.microsoft.com/office/drawing/2014/main" id="{216F7F20-A0C2-4935-9CFA-DCDD3F80C712}"/>
-              </a:ext>
-            </a:extLst>
-          </p:cNvPr>
-          <p:cNvPicPr>
-            <a:picLocks noChangeAspect="1"/>
-          </p:cNvPicPr>
-          <p:nvPr/>
-        </p:nvPicPr>
-        <p:blipFill rotWithShape="1">
-          <a:blip r:embed="rId5"/>
-          <a:srcRect l="30170" r="26508"/>
-          <a:stretch/>
-        </p:blipFill>
-        <p:spPr>
-          <a:xfrm>
-            <a:off x="7283234" y="1185287"/>
-            <a:ext cx="3600666" cy="4849008"/>
-          </a:xfrm>
-          <a:prstGeom prst="rect">
-            <a:avLst/>
-          </a:prstGeom>
-        </p:spPr>
-      </p:pic>
-      <p:sp>
-        <p:nvSpPr>
-          <p:cNvPr id="22" name="Slide Number Placeholder 9">
-            <a:extLst>
-              <a:ext uri="{FF2B5EF4-FFF2-40B4-BE49-F238E27FC236}">
-                <a16:creationId xmlns:a16="http://schemas.microsoft.com/office/drawing/2014/main" id="{7A6E95EC-6CBD-49ED-9476-78B57CDD1247}"/>
-              </a:ext>
-            </a:extLst>
-          </p:cNvPr>
-          <p:cNvSpPr>
-            <a:spLocks noGrp="1"/>
-          </p:cNvSpPr>
-          <p:nvPr>
-            <p:ph type="sldNum" sz="quarter" idx="12"/>
-          </p:nvPr>
-        </p:nvSpPr>
-        <p:spPr>
-          <a:xfrm>
-            <a:off x="8788969" y="352189"/>
-            <a:ext cx="2743200" cy="365125"/>
-          </a:xfrm>
-        </p:spPr>
-        <p:txBody>
-          <a:bodyPr/>
-          <a:lstStyle/>
-          <a:p>
-            <a:fld id="{7BFB8FCB-E0EC-41EC-A6AB-A8429719D322}" type="slidenum">
-              <a:rPr lang="en-US" smtClean="0"/>
-              <a:t>7</a:t>
-            </a:fld>
-            <a:r>
-              <a:rPr lang="tr-TR" dirty="0"/>
-              <a:t>/15</a:t>
-            </a:r>
-            <a:endParaRPr lang="en-US" dirty="0"/>
-          </a:p>
-        </p:txBody>
-      </p:sp>
     </p:spTree>
     <p:extLst>
       <p:ext uri="{BB962C8B-B14F-4D97-AF65-F5344CB8AC3E}">
@@ -13254,6 +12482,51 @@
                       </p:childTnLst>
                     </p:cTn>
                   </p:par>
+                  <p:par>
+                    <p:cTn id="7" fill="hold">
+                      <p:stCondLst>
+                        <p:cond delay="indefinite"/>
+                      </p:stCondLst>
+                      <p:childTnLst>
+                        <p:par>
+                          <p:cTn id="8" fill="hold">
+                            <p:stCondLst>
+                              <p:cond delay="0"/>
+                            </p:stCondLst>
+                            <p:childTnLst>
+                              <p:par>
+                                <p:cTn id="9" presetID="1" presetClass="entr" presetSubtype="0" fill="hold" nodeType="clickEffect">
+                                  <p:stCondLst>
+                                    <p:cond delay="0"/>
+                                  </p:stCondLst>
+                                  <p:childTnLst>
+                                    <p:set>
+                                      <p:cBhvr>
+                                        <p:cTn id="10" dur="1" fill="hold">
+                                          <p:stCondLst>
+                                            <p:cond delay="0"/>
+                                          </p:stCondLst>
+                                        </p:cTn>
+                                        <p:tgtEl>
+                                          <p:spTgt spid="16"/>
+                                        </p:tgtEl>
+                                        <p:attrNameLst>
+                                          <p:attrName>style.visibility</p:attrName>
+                                        </p:attrNameLst>
+                                      </p:cBhvr>
+                                      <p:to>
+                                        <p:strVal val="visible"/>
+                                      </p:to>
+                                    </p:set>
+                                  </p:childTnLst>
+                                </p:cTn>
+                              </p:par>
+                            </p:childTnLst>
+                          </p:cTn>
+                        </p:par>
+                      </p:childTnLst>
+                    </p:cTn>
+                  </p:par>
                 </p:childTnLst>
               </p:cTn>
               <p:prevCondLst>
@@ -13277,6 +12550,970 @@
     </p:tnLst>
     <p:bldLst>
       <p:bldP spid="11" grpId="0"/>
+    </p:bldLst>
+  </p:timing>
+</p:sld>
+</file>
+
+<file path=ppt/slides/slide7.xml><?xml version="1.0" encoding="utf-8"?>
+<p:sld xmlns:a="http://schemas.openxmlformats.org/drawingml/2006/main" xmlns:r="http://schemas.openxmlformats.org/officeDocument/2006/relationships" xmlns:p="http://schemas.openxmlformats.org/presentationml/2006/main">
+  <p:cSld>
+    <p:bg>
+      <p:bgPr>
+        <a:gradFill>
+          <a:gsLst>
+            <a:gs pos="25000">
+              <a:srgbClr val="E1EDF9"/>
+            </a:gs>
+            <a:gs pos="0">
+              <a:schemeClr val="accent1">
+                <a:lumMod val="5000"/>
+                <a:lumOff val="95000"/>
+              </a:schemeClr>
+            </a:gs>
+            <a:gs pos="62000">
+              <a:srgbClr val="C6DFF4"/>
+            </a:gs>
+            <a:gs pos="100000">
+              <a:srgbClr val="C6DFF4"/>
+            </a:gs>
+          </a:gsLst>
+          <a:lin ang="16200000" scaled="0"/>
+        </a:gradFill>
+        <a:effectLst/>
+      </p:bgPr>
+    </p:bg>
+    <p:spTree>
+      <p:nvGrpSpPr>
+        <p:cNvPr id="1" name=""/>
+        <p:cNvGrpSpPr/>
+        <p:nvPr/>
+      </p:nvGrpSpPr>
+      <p:grpSpPr>
+        <a:xfrm>
+          <a:off x="0" y="0"/>
+          <a:ext cx="0" cy="0"/>
+          <a:chOff x="0" y="0"/>
+          <a:chExt cx="0" cy="0"/>
+        </a:xfrm>
+      </p:grpSpPr>
+      <p:pic>
+        <p:nvPicPr>
+          <p:cNvPr id="4" name="Picture 2" descr="Image result for pemc 2018">
+            <a:extLst>
+              <a:ext uri="{FF2B5EF4-FFF2-40B4-BE49-F238E27FC236}">
+                <a16:creationId xmlns:a16="http://schemas.microsoft.com/office/drawing/2014/main" id="{4CF91A14-9E34-47DA-BC9C-3DE7AD3FA936}"/>
+              </a:ext>
+            </a:extLst>
+          </p:cNvPr>
+          <p:cNvPicPr>
+            <a:picLocks noChangeAspect="1" noChangeArrowheads="1"/>
+          </p:cNvPicPr>
+          <p:nvPr/>
+        </p:nvPicPr>
+        <p:blipFill>
+          <a:blip r:embed="rId2" cstate="print">
+            <a:extLst>
+              <a:ext uri="{28A0092B-C50C-407E-A947-70E740481C1C}">
+                <a14:useLocalDpi xmlns:a14="http://schemas.microsoft.com/office/drawing/2010/main" val="0"/>
+              </a:ext>
+            </a:extLst>
+          </a:blip>
+          <a:srcRect/>
+          <a:stretch>
+            <a:fillRect/>
+          </a:stretch>
+        </p:blipFill>
+        <p:spPr bwMode="auto">
+          <a:xfrm>
+            <a:off x="0" y="0"/>
+            <a:ext cx="1226482" cy="800279"/>
+          </a:xfrm>
+          <a:prstGeom prst="rect">
+            <a:avLst/>
+          </a:prstGeom>
+          <a:noFill/>
+          <a:extLst>
+            <a:ext uri="{909E8E84-426E-40DD-AFC4-6F175D3DCCD1}">
+              <a14:hiddenFill xmlns:a14="http://schemas.microsoft.com/office/drawing/2010/main">
+                <a:solidFill>
+                  <a:srgbClr val="FFFFFF"/>
+                </a:solidFill>
+              </a14:hiddenFill>
+            </a:ext>
+          </a:extLst>
+        </p:spPr>
+      </p:pic>
+      <p:pic>
+        <p:nvPicPr>
+          <p:cNvPr id="7" name="Picture 6" descr="C:\Users\ugurm\Desktop\gitthub\IMMD\GRW2017\Metu5.png">
+            <a:extLst>
+              <a:ext uri="{FF2B5EF4-FFF2-40B4-BE49-F238E27FC236}">
+                <a16:creationId xmlns:a16="http://schemas.microsoft.com/office/drawing/2014/main" id="{BABCB4FB-B431-4356-963F-017A7A8F8578}"/>
+              </a:ext>
+            </a:extLst>
+          </p:cNvPr>
+          <p:cNvPicPr/>
+          <p:nvPr/>
+        </p:nvPicPr>
+        <p:blipFill rotWithShape="1">
+          <a:blip r:embed="rId3" cstate="print">
+            <a:extLst>
+              <a:ext uri="{28A0092B-C50C-407E-A947-70E740481C1C}">
+                <a14:useLocalDpi xmlns:a14="http://schemas.microsoft.com/office/drawing/2010/main" val="0"/>
+              </a:ext>
+            </a:extLst>
+          </a:blip>
+          <a:srcRect l="14652" t="39667" r="70514" b="41051"/>
+          <a:stretch/>
+        </p:blipFill>
+        <p:spPr bwMode="auto">
+          <a:xfrm>
+            <a:off x="11384292" y="5979219"/>
+            <a:ext cx="733440" cy="721961"/>
+          </a:xfrm>
+          <a:prstGeom prst="rect">
+            <a:avLst/>
+          </a:prstGeom>
+          <a:noFill/>
+          <a:ln>
+            <a:noFill/>
+          </a:ln>
+          <a:effectLst>
+            <a:outerShdw blurRad="63500" sx="102000" sy="102000" algn="ctr" rotWithShape="0">
+              <a:prstClr val="black">
+                <a:alpha val="40000"/>
+              </a:prstClr>
+            </a:outerShdw>
+          </a:effectLst>
+          <a:extLst>
+            <a:ext uri="{53640926-AAD7-44D8-BBD7-CCE9431645EC}">
+              <a14:shadowObscured xmlns:a14="http://schemas.microsoft.com/office/drawing/2010/main"/>
+            </a:ext>
+          </a:extLst>
+        </p:spPr>
+      </p:pic>
+      <p:pic>
+        <p:nvPicPr>
+          <p:cNvPr id="9" name="Picture 8">
+            <a:extLst>
+              <a:ext uri="{FF2B5EF4-FFF2-40B4-BE49-F238E27FC236}">
+                <a16:creationId xmlns:a16="http://schemas.microsoft.com/office/drawing/2014/main" id="{3B6DCCE1-55D4-48B7-8BB0-F54A2B8476E9}"/>
+              </a:ext>
+            </a:extLst>
+          </p:cNvPr>
+          <p:cNvPicPr>
+            <a:picLocks noChangeAspect="1"/>
+          </p:cNvPicPr>
+          <p:nvPr/>
+        </p:nvPicPr>
+        <p:blipFill>
+          <a:blip r:embed="rId4" cstate="print">
+            <a:extLst>
+              <a:ext uri="{28A0092B-C50C-407E-A947-70E740481C1C}">
+                <a14:useLocalDpi xmlns:a14="http://schemas.microsoft.com/office/drawing/2010/main" val="0"/>
+              </a:ext>
+            </a:extLst>
+          </a:blip>
+          <a:stretch>
+            <a:fillRect/>
+          </a:stretch>
+        </p:blipFill>
+        <p:spPr>
+          <a:xfrm>
+            <a:off x="186353" y="6034295"/>
+            <a:ext cx="733440" cy="611811"/>
+          </a:xfrm>
+          <a:prstGeom prst="rect">
+            <a:avLst/>
+          </a:prstGeom>
+          <a:effectLst>
+            <a:outerShdw blurRad="63500" sx="102000" sy="102000" algn="ctr" rotWithShape="0">
+              <a:prstClr val="black"/>
+            </a:outerShdw>
+            <a:softEdge rad="0"/>
+          </a:effectLst>
+        </p:spPr>
+      </p:pic>
+      <p:sp>
+        <p:nvSpPr>
+          <p:cNvPr id="2" name="TextBox 1">
+            <a:extLst>
+              <a:ext uri="{FF2B5EF4-FFF2-40B4-BE49-F238E27FC236}">
+                <a16:creationId xmlns:a16="http://schemas.microsoft.com/office/drawing/2014/main" id="{3E68B92E-44BD-442E-BC28-B996E2A733D5}"/>
+              </a:ext>
+            </a:extLst>
+          </p:cNvPr>
+          <p:cNvSpPr txBox="1"/>
+          <p:nvPr/>
+        </p:nvSpPr>
+        <p:spPr>
+          <a:xfrm>
+            <a:off x="1761946" y="188477"/>
+            <a:ext cx="8668107" cy="769441"/>
+          </a:xfrm>
+          <a:prstGeom prst="rect">
+            <a:avLst/>
+          </a:prstGeom>
+          <a:noFill/>
+        </p:spPr>
+        <p:txBody>
+          <a:bodyPr wrap="square" rtlCol="0">
+            <a:spAutoFit/>
+          </a:bodyPr>
+          <a:lstStyle/>
+          <a:p>
+            <a:pPr algn="ctr"/>
+            <a:r>
+              <a:rPr lang="tr-TR" sz="4400" b="1" dirty="0" err="1">
+                <a:latin typeface="Adobe Heiti Std R" panose="020B0400000000000000" pitchFamily="34" charset="-128"/>
+                <a:ea typeface="Adobe Heiti Std R" panose="020B0400000000000000" pitchFamily="34" charset="-128"/>
+              </a:rPr>
+              <a:t>Inverter</a:t>
+            </a:r>
+            <a:r>
+              <a:rPr lang="tr-TR" sz="4400" b="1" dirty="0">
+                <a:latin typeface="Adobe Heiti Std R" panose="020B0400000000000000" pitchFamily="34" charset="-128"/>
+                <a:ea typeface="Adobe Heiti Std R" panose="020B0400000000000000" pitchFamily="34" charset="-128"/>
+              </a:rPr>
+              <a:t> </a:t>
+            </a:r>
+            <a:r>
+              <a:rPr lang="tr-TR" sz="4400" b="1" dirty="0" err="1">
+                <a:latin typeface="Adobe Heiti Std R" panose="020B0400000000000000" pitchFamily="34" charset="-128"/>
+                <a:ea typeface="Adobe Heiti Std R" panose="020B0400000000000000" pitchFamily="34" charset="-128"/>
+              </a:rPr>
+              <a:t>Topologies</a:t>
+            </a:r>
+            <a:endParaRPr lang="en-US" sz="3400" b="1" dirty="0">
+              <a:latin typeface="Adobe Heiti Std R" panose="020B0400000000000000" pitchFamily="34" charset="-128"/>
+              <a:ea typeface="Adobe Heiti Std R" panose="020B0400000000000000" pitchFamily="34" charset="-128"/>
+            </a:endParaRPr>
+          </a:p>
+        </p:txBody>
+      </p:sp>
+      <p:cxnSp>
+        <p:nvCxnSpPr>
+          <p:cNvPr id="12" name="Straight Connector 11">
+            <a:extLst>
+              <a:ext uri="{FF2B5EF4-FFF2-40B4-BE49-F238E27FC236}">
+                <a16:creationId xmlns:a16="http://schemas.microsoft.com/office/drawing/2014/main" id="{CD953AED-5807-4DA7-B9FA-0247B6718842}"/>
+              </a:ext>
+            </a:extLst>
+          </p:cNvPr>
+          <p:cNvCxnSpPr>
+            <a:cxnSpLocks/>
+          </p:cNvCxnSpPr>
+          <p:nvPr/>
+        </p:nvCxnSpPr>
+        <p:spPr>
+          <a:xfrm>
+            <a:off x="1732739" y="957918"/>
+            <a:ext cx="8315933" cy="0"/>
+          </a:xfrm>
+          <a:prstGeom prst="line">
+            <a:avLst/>
+          </a:prstGeom>
+          <a:ln w="50800">
+            <a:solidFill>
+              <a:schemeClr val="accent1"/>
+            </a:solidFill>
+          </a:ln>
+        </p:spPr>
+        <p:style>
+          <a:lnRef idx="1">
+            <a:schemeClr val="accent1"/>
+          </a:lnRef>
+          <a:fillRef idx="0">
+            <a:schemeClr val="accent1"/>
+          </a:fillRef>
+          <a:effectRef idx="0">
+            <a:schemeClr val="accent1"/>
+          </a:effectRef>
+          <a:fontRef idx="minor">
+            <a:schemeClr val="tx1"/>
+          </a:fontRef>
+        </p:style>
+      </p:cxnSp>
+      <p:pic>
+        <p:nvPicPr>
+          <p:cNvPr id="5" name="Picture 4" descr="A picture containing object&#10;&#10;Description generated with high confidence">
+            <a:extLst>
+              <a:ext uri="{FF2B5EF4-FFF2-40B4-BE49-F238E27FC236}">
+                <a16:creationId xmlns:a16="http://schemas.microsoft.com/office/drawing/2014/main" id="{0ED36CF3-B931-4F73-AD27-0C98250557E3}"/>
+              </a:ext>
+            </a:extLst>
+          </p:cNvPr>
+          <p:cNvPicPr>
+            <a:picLocks noChangeAspect="1"/>
+          </p:cNvPicPr>
+          <p:nvPr/>
+        </p:nvPicPr>
+        <p:blipFill rotWithShape="1">
+          <a:blip r:embed="rId5"/>
+          <a:srcRect l="13346" t="34667" r="13869" b="38353"/>
+          <a:stretch/>
+        </p:blipFill>
+        <p:spPr>
+          <a:xfrm>
+            <a:off x="3404809" y="1473484"/>
+            <a:ext cx="4082514" cy="1513346"/>
+          </a:xfrm>
+          <a:prstGeom prst="rect">
+            <a:avLst/>
+          </a:prstGeom>
+        </p:spPr>
+      </p:pic>
+      <p:pic>
+        <p:nvPicPr>
+          <p:cNvPr id="10" name="Picture 9">
+            <a:extLst>
+              <a:ext uri="{FF2B5EF4-FFF2-40B4-BE49-F238E27FC236}">
+                <a16:creationId xmlns:a16="http://schemas.microsoft.com/office/drawing/2014/main" id="{D21586CC-69B0-4E3E-9060-5E3D40DF401D}"/>
+              </a:ext>
+            </a:extLst>
+          </p:cNvPr>
+          <p:cNvPicPr>
+            <a:picLocks noChangeAspect="1"/>
+          </p:cNvPicPr>
+          <p:nvPr/>
+        </p:nvPicPr>
+        <p:blipFill rotWithShape="1">
+          <a:blip r:embed="rId6"/>
+          <a:srcRect l="26780" t="12649" r="42426" b="30168"/>
+          <a:stretch/>
+        </p:blipFill>
+        <p:spPr>
+          <a:xfrm>
+            <a:off x="3773627" y="3472031"/>
+            <a:ext cx="3713696" cy="2926731"/>
+          </a:xfrm>
+          <a:prstGeom prst="rect">
+            <a:avLst/>
+          </a:prstGeom>
+        </p:spPr>
+      </p:pic>
+      <p:sp>
+        <p:nvSpPr>
+          <p:cNvPr id="15" name="TextBox 14">
+            <a:extLst>
+              <a:ext uri="{FF2B5EF4-FFF2-40B4-BE49-F238E27FC236}">
+                <a16:creationId xmlns:a16="http://schemas.microsoft.com/office/drawing/2014/main" id="{62D9CC93-E00D-443F-BCAD-535E18A1034E}"/>
+              </a:ext>
+            </a:extLst>
+          </p:cNvPr>
+          <p:cNvSpPr txBox="1"/>
+          <p:nvPr/>
+        </p:nvSpPr>
+        <p:spPr>
+          <a:xfrm>
+            <a:off x="7405951" y="2028922"/>
+            <a:ext cx="2350127" cy="338554"/>
+          </a:xfrm>
+          <a:prstGeom prst="rect">
+            <a:avLst/>
+          </a:prstGeom>
+          <a:noFill/>
+        </p:spPr>
+        <p:txBody>
+          <a:bodyPr wrap="square" rtlCol="0">
+            <a:spAutoFit/>
+          </a:bodyPr>
+          <a:lstStyle/>
+          <a:p>
+            <a:r>
+              <a:rPr lang="tr-TR" sz="1600" b="1" dirty="0" err="1"/>
+              <a:t>Modules</a:t>
+            </a:r>
+            <a:r>
+              <a:rPr lang="tr-TR" sz="1600" b="1" dirty="0"/>
+              <a:t> 1,2,3,4</a:t>
+            </a:r>
+            <a:endParaRPr lang="en-US" sz="1600" b="1" dirty="0"/>
+          </a:p>
+        </p:txBody>
+      </p:sp>
+      <p:sp>
+        <p:nvSpPr>
+          <p:cNvPr id="16" name="TextBox 15">
+            <a:extLst>
+              <a:ext uri="{FF2B5EF4-FFF2-40B4-BE49-F238E27FC236}">
+                <a16:creationId xmlns:a16="http://schemas.microsoft.com/office/drawing/2014/main" id="{F9A987C7-8944-46B5-8098-0EA62215A6F9}"/>
+              </a:ext>
+            </a:extLst>
+          </p:cNvPr>
+          <p:cNvSpPr txBox="1"/>
+          <p:nvPr/>
+        </p:nvSpPr>
+        <p:spPr>
+          <a:xfrm>
+            <a:off x="7405951" y="4332023"/>
+            <a:ext cx="2350127" cy="338554"/>
+          </a:xfrm>
+          <a:prstGeom prst="rect">
+            <a:avLst/>
+          </a:prstGeom>
+          <a:noFill/>
+        </p:spPr>
+        <p:txBody>
+          <a:bodyPr wrap="square" rtlCol="0">
+            <a:spAutoFit/>
+          </a:bodyPr>
+          <a:lstStyle/>
+          <a:p>
+            <a:r>
+              <a:rPr lang="tr-TR" sz="1600" b="1" dirty="0" err="1"/>
+              <a:t>Modules</a:t>
+            </a:r>
+            <a:r>
+              <a:rPr lang="tr-TR" sz="1600" b="1" dirty="0"/>
+              <a:t> 1,2</a:t>
+            </a:r>
+            <a:endParaRPr lang="en-US" sz="1600" b="1" dirty="0"/>
+          </a:p>
+        </p:txBody>
+      </p:sp>
+      <p:sp>
+        <p:nvSpPr>
+          <p:cNvPr id="17" name="TextBox 16">
+            <a:extLst>
+              <a:ext uri="{FF2B5EF4-FFF2-40B4-BE49-F238E27FC236}">
+                <a16:creationId xmlns:a16="http://schemas.microsoft.com/office/drawing/2014/main" id="{6E798F42-7E4B-42F5-95EF-DA380E147FBD}"/>
+              </a:ext>
+            </a:extLst>
+          </p:cNvPr>
+          <p:cNvSpPr txBox="1"/>
+          <p:nvPr/>
+        </p:nvSpPr>
+        <p:spPr>
+          <a:xfrm>
+            <a:off x="7405950" y="5470578"/>
+            <a:ext cx="2350127" cy="338554"/>
+          </a:xfrm>
+          <a:prstGeom prst="rect">
+            <a:avLst/>
+          </a:prstGeom>
+          <a:noFill/>
+        </p:spPr>
+        <p:txBody>
+          <a:bodyPr wrap="square" rtlCol="0">
+            <a:spAutoFit/>
+          </a:bodyPr>
+          <a:lstStyle/>
+          <a:p>
+            <a:r>
+              <a:rPr lang="tr-TR" sz="1600" b="1" dirty="0" err="1"/>
+              <a:t>Modules</a:t>
+            </a:r>
+            <a:r>
+              <a:rPr lang="tr-TR" sz="1600" b="1" dirty="0"/>
+              <a:t> 3,4</a:t>
+            </a:r>
+            <a:endParaRPr lang="en-US" sz="1600" b="1" dirty="0"/>
+          </a:p>
+        </p:txBody>
+      </p:sp>
+      <p:sp>
+        <p:nvSpPr>
+          <p:cNvPr id="20" name="TextBox 19">
+            <a:extLst>
+              <a:ext uri="{FF2B5EF4-FFF2-40B4-BE49-F238E27FC236}">
+                <a16:creationId xmlns:a16="http://schemas.microsoft.com/office/drawing/2014/main" id="{679800E3-27CF-4AC7-8427-0FF4B19F1FE6}"/>
+              </a:ext>
+            </a:extLst>
+          </p:cNvPr>
+          <p:cNvSpPr txBox="1"/>
+          <p:nvPr/>
+        </p:nvSpPr>
+        <p:spPr>
+          <a:xfrm>
+            <a:off x="3711498" y="1242652"/>
+            <a:ext cx="3451410" cy="461665"/>
+          </a:xfrm>
+          <a:prstGeom prst="rect">
+            <a:avLst/>
+          </a:prstGeom>
+          <a:noFill/>
+        </p:spPr>
+        <p:txBody>
+          <a:bodyPr wrap="square" rtlCol="0">
+            <a:spAutoFit/>
+          </a:bodyPr>
+          <a:lstStyle/>
+          <a:p>
+            <a:pPr>
+              <a:spcAft>
+                <a:spcPts val="1200"/>
+              </a:spcAft>
+            </a:pPr>
+            <a:r>
+              <a:rPr lang="tr-TR" sz="2400" dirty="0">
+                <a:latin typeface="Adobe Heiti Std R" panose="020B0400000000000000" pitchFamily="34" charset="-128"/>
+                <a:ea typeface="Adobe Heiti Std R" panose="020B0400000000000000" pitchFamily="34" charset="-128"/>
+                <a:cs typeface="Times New Roman" panose="02020603050405020304" pitchFamily="18" charset="0"/>
+              </a:rPr>
+              <a:t>2 </a:t>
+            </a:r>
+            <a:r>
+              <a:rPr lang="tr-TR" sz="2400" dirty="0" err="1">
+                <a:latin typeface="Adobe Heiti Std R" panose="020B0400000000000000" pitchFamily="34" charset="-128"/>
+                <a:ea typeface="Adobe Heiti Std R" panose="020B0400000000000000" pitchFamily="34" charset="-128"/>
+                <a:cs typeface="Times New Roman" panose="02020603050405020304" pitchFamily="18" charset="0"/>
+              </a:rPr>
+              <a:t>level</a:t>
+            </a:r>
+            <a:r>
+              <a:rPr lang="tr-TR" sz="2400" dirty="0">
+                <a:latin typeface="Adobe Heiti Std R" panose="020B0400000000000000" pitchFamily="34" charset="-128"/>
+                <a:ea typeface="Adobe Heiti Std R" panose="020B0400000000000000" pitchFamily="34" charset="-128"/>
+                <a:cs typeface="Times New Roman" panose="02020603050405020304" pitchFamily="18" charset="0"/>
+              </a:rPr>
+              <a:t> VSI </a:t>
+            </a:r>
+            <a:r>
+              <a:rPr lang="tr-TR" sz="2400" dirty="0" err="1">
+                <a:latin typeface="Adobe Heiti Std R" panose="020B0400000000000000" pitchFamily="34" charset="-128"/>
+                <a:ea typeface="Adobe Heiti Std R" panose="020B0400000000000000" pitchFamily="34" charset="-128"/>
+                <a:cs typeface="Times New Roman" panose="02020603050405020304" pitchFamily="18" charset="0"/>
+              </a:rPr>
+              <a:t>with</a:t>
+            </a:r>
+            <a:r>
+              <a:rPr lang="tr-TR" sz="2400" dirty="0">
+                <a:latin typeface="Adobe Heiti Std R" panose="020B0400000000000000" pitchFamily="34" charset="-128"/>
+                <a:ea typeface="Adobe Heiti Std R" panose="020B0400000000000000" pitchFamily="34" charset="-128"/>
+                <a:cs typeface="Times New Roman" panose="02020603050405020304" pitchFamily="18" charset="0"/>
+              </a:rPr>
+              <a:t> IGBT</a:t>
+            </a:r>
+          </a:p>
+        </p:txBody>
+      </p:sp>
+      <p:sp>
+        <p:nvSpPr>
+          <p:cNvPr id="21" name="TextBox 20">
+            <a:extLst>
+              <a:ext uri="{FF2B5EF4-FFF2-40B4-BE49-F238E27FC236}">
+                <a16:creationId xmlns:a16="http://schemas.microsoft.com/office/drawing/2014/main" id="{F76C3B99-CDFA-4BBB-BC35-02B43AF0B0BD}"/>
+              </a:ext>
+            </a:extLst>
+          </p:cNvPr>
+          <p:cNvSpPr txBox="1"/>
+          <p:nvPr/>
+        </p:nvSpPr>
+        <p:spPr>
+          <a:xfrm>
+            <a:off x="3711498" y="3330090"/>
+            <a:ext cx="5877892" cy="984885"/>
+          </a:xfrm>
+          <a:prstGeom prst="rect">
+            <a:avLst/>
+          </a:prstGeom>
+          <a:noFill/>
+        </p:spPr>
+        <p:txBody>
+          <a:bodyPr wrap="square" rtlCol="0">
+            <a:spAutoFit/>
+          </a:bodyPr>
+          <a:lstStyle/>
+          <a:p>
+            <a:pPr>
+              <a:spcAft>
+                <a:spcPts val="1200"/>
+              </a:spcAft>
+            </a:pPr>
+            <a:r>
+              <a:rPr lang="tr-TR" sz="2400" dirty="0">
+                <a:latin typeface="Adobe Heiti Std R" panose="020B0400000000000000" pitchFamily="34" charset="-128"/>
+                <a:ea typeface="Adobe Heiti Std R" panose="020B0400000000000000" pitchFamily="34" charset="-128"/>
+                <a:cs typeface="Times New Roman" panose="02020603050405020304" pitchFamily="18" charset="0"/>
+              </a:rPr>
+              <a:t>2 </a:t>
+            </a:r>
+            <a:r>
+              <a:rPr lang="tr-TR" sz="2400" dirty="0" err="1">
+                <a:latin typeface="Adobe Heiti Std R" panose="020B0400000000000000" pitchFamily="34" charset="-128"/>
+                <a:ea typeface="Adobe Heiti Std R" panose="020B0400000000000000" pitchFamily="34" charset="-128"/>
+                <a:cs typeface="Times New Roman" panose="02020603050405020304" pitchFamily="18" charset="0"/>
+              </a:rPr>
+              <a:t>level</a:t>
+            </a:r>
+            <a:r>
+              <a:rPr lang="tr-TR" sz="2400" dirty="0">
+                <a:latin typeface="Adobe Heiti Std R" panose="020B0400000000000000" pitchFamily="34" charset="-128"/>
+                <a:ea typeface="Adobe Heiti Std R" panose="020B0400000000000000" pitchFamily="34" charset="-128"/>
+                <a:cs typeface="Times New Roman" panose="02020603050405020304" pitchFamily="18" charset="0"/>
+              </a:rPr>
+              <a:t> 2 </a:t>
+            </a:r>
+            <a:r>
+              <a:rPr lang="tr-TR" sz="2400" dirty="0" err="1">
+                <a:latin typeface="Adobe Heiti Std R" panose="020B0400000000000000" pitchFamily="34" charset="-128"/>
+                <a:ea typeface="Adobe Heiti Std R" panose="020B0400000000000000" pitchFamily="34" charset="-128"/>
+                <a:cs typeface="Times New Roman" panose="02020603050405020304" pitchFamily="18" charset="0"/>
+              </a:rPr>
+              <a:t>series</a:t>
+            </a:r>
+            <a:r>
+              <a:rPr lang="tr-TR" sz="2400" dirty="0">
+                <a:latin typeface="Adobe Heiti Std R" panose="020B0400000000000000" pitchFamily="34" charset="-128"/>
+                <a:ea typeface="Adobe Heiti Std R" panose="020B0400000000000000" pitchFamily="34" charset="-128"/>
+                <a:cs typeface="Times New Roman" panose="02020603050405020304" pitchFamily="18" charset="0"/>
+              </a:rPr>
+              <a:t> VSI </a:t>
+            </a:r>
+            <a:r>
+              <a:rPr lang="tr-TR" sz="2400" dirty="0" err="1">
+                <a:latin typeface="Adobe Heiti Std R" panose="020B0400000000000000" pitchFamily="34" charset="-128"/>
+                <a:ea typeface="Adobe Heiti Std R" panose="020B0400000000000000" pitchFamily="34" charset="-128"/>
+                <a:cs typeface="Times New Roman" panose="02020603050405020304" pitchFamily="18" charset="0"/>
+              </a:rPr>
+              <a:t>with</a:t>
+            </a:r>
+            <a:r>
+              <a:rPr lang="tr-TR" sz="2400" dirty="0">
+                <a:latin typeface="Adobe Heiti Std R" panose="020B0400000000000000" pitchFamily="34" charset="-128"/>
+                <a:ea typeface="Adobe Heiti Std R" panose="020B0400000000000000" pitchFamily="34" charset="-128"/>
+                <a:cs typeface="Times New Roman" panose="02020603050405020304" pitchFamily="18" charset="0"/>
+              </a:rPr>
+              <a:t> </a:t>
+            </a:r>
+            <a:r>
+              <a:rPr lang="tr-TR" sz="2400" dirty="0" err="1">
+                <a:latin typeface="Adobe Heiti Std R" panose="020B0400000000000000" pitchFamily="34" charset="-128"/>
+                <a:ea typeface="Adobe Heiti Std R" panose="020B0400000000000000" pitchFamily="34" charset="-128"/>
+                <a:cs typeface="Times New Roman" panose="02020603050405020304" pitchFamily="18" charset="0"/>
+              </a:rPr>
+              <a:t>GaN</a:t>
+            </a:r>
+            <a:endParaRPr lang="tr-TR" sz="2400" dirty="0">
+              <a:latin typeface="Adobe Heiti Std R" panose="020B0400000000000000" pitchFamily="34" charset="-128"/>
+              <a:ea typeface="Adobe Heiti Std R" panose="020B0400000000000000" pitchFamily="34" charset="-128"/>
+              <a:cs typeface="Times New Roman" panose="02020603050405020304" pitchFamily="18" charset="0"/>
+            </a:endParaRPr>
+          </a:p>
+          <a:p>
+            <a:pPr>
+              <a:spcAft>
+                <a:spcPts val="1200"/>
+              </a:spcAft>
+            </a:pPr>
+            <a:endParaRPr lang="en-US" sz="2400" dirty="0">
+              <a:latin typeface="Adobe Heiti Std R" panose="020B0400000000000000" pitchFamily="34" charset="-128"/>
+              <a:ea typeface="Adobe Heiti Std R" panose="020B0400000000000000" pitchFamily="34" charset="-128"/>
+              <a:cs typeface="Times New Roman" panose="02020603050405020304" pitchFamily="18" charset="0"/>
+            </a:endParaRPr>
+          </a:p>
+        </p:txBody>
+      </p:sp>
+      <p:sp>
+        <p:nvSpPr>
+          <p:cNvPr id="30" name="Slide Number Placeholder 9">
+            <a:extLst>
+              <a:ext uri="{FF2B5EF4-FFF2-40B4-BE49-F238E27FC236}">
+                <a16:creationId xmlns:a16="http://schemas.microsoft.com/office/drawing/2014/main" id="{3C74C901-001F-426B-B5F6-8314A6E91691}"/>
+              </a:ext>
+            </a:extLst>
+          </p:cNvPr>
+          <p:cNvSpPr>
+            <a:spLocks noGrp="1"/>
+          </p:cNvSpPr>
+          <p:nvPr>
+            <p:ph type="sldNum" sz="quarter" idx="12"/>
+          </p:nvPr>
+        </p:nvSpPr>
+        <p:spPr>
+          <a:xfrm>
+            <a:off x="8788969" y="352189"/>
+            <a:ext cx="2743200" cy="365125"/>
+          </a:xfrm>
+        </p:spPr>
+        <p:txBody>
+          <a:bodyPr/>
+          <a:lstStyle/>
+          <a:p>
+            <a:fld id="{7BFB8FCB-E0EC-41EC-A6AB-A8429719D322}" type="slidenum">
+              <a:rPr lang="en-US" smtClean="0"/>
+              <a:t>7</a:t>
+            </a:fld>
+            <a:r>
+              <a:rPr lang="tr-TR" dirty="0"/>
+              <a:t>/15</a:t>
+            </a:r>
+            <a:endParaRPr lang="en-US" dirty="0"/>
+          </a:p>
+        </p:txBody>
+      </p:sp>
+    </p:spTree>
+    <p:extLst>
+      <p:ext uri="{BB962C8B-B14F-4D97-AF65-F5344CB8AC3E}">
+        <p14:creationId xmlns:p14="http://schemas.microsoft.com/office/powerpoint/2010/main" val="1645835524"/>
+      </p:ext>
+    </p:extLst>
+  </p:cSld>
+  <p:clrMapOvr>
+    <a:masterClrMapping/>
+  </p:clrMapOvr>
+  <p:timing>
+    <p:tnLst>
+      <p:par>
+        <p:cTn id="1" dur="indefinite" restart="never" nodeType="tmRoot">
+          <p:childTnLst>
+            <p:seq concurrent="1" nextAc="seek">
+              <p:cTn id="2" dur="indefinite" nodeType="mainSeq">
+                <p:childTnLst>
+                  <p:par>
+                    <p:cTn id="3" fill="hold">
+                      <p:stCondLst>
+                        <p:cond delay="indefinite"/>
+                      </p:stCondLst>
+                      <p:childTnLst>
+                        <p:par>
+                          <p:cTn id="4" fill="hold">
+                            <p:stCondLst>
+                              <p:cond delay="0"/>
+                            </p:stCondLst>
+                            <p:childTnLst>
+                              <p:par>
+                                <p:cTn id="5" presetID="1" presetClass="entr" presetSubtype="0" fill="hold" grpId="0" nodeType="clickEffect">
+                                  <p:stCondLst>
+                                    <p:cond delay="0"/>
+                                  </p:stCondLst>
+                                  <p:childTnLst>
+                                    <p:set>
+                                      <p:cBhvr>
+                                        <p:cTn id="6" dur="1" fill="hold">
+                                          <p:stCondLst>
+                                            <p:cond delay="0"/>
+                                          </p:stCondLst>
+                                        </p:cTn>
+                                        <p:tgtEl>
+                                          <p:spTgt spid="20"/>
+                                        </p:tgtEl>
+                                        <p:attrNameLst>
+                                          <p:attrName>style.visibility</p:attrName>
+                                        </p:attrNameLst>
+                                      </p:cBhvr>
+                                      <p:to>
+                                        <p:strVal val="visible"/>
+                                      </p:to>
+                                    </p:set>
+                                  </p:childTnLst>
+                                </p:cTn>
+                              </p:par>
+                              <p:par>
+                                <p:cTn id="7" presetID="1" presetClass="entr" presetSubtype="0" fill="hold" nodeType="withEffect">
+                                  <p:stCondLst>
+                                    <p:cond delay="0"/>
+                                  </p:stCondLst>
+                                  <p:childTnLst>
+                                    <p:set>
+                                      <p:cBhvr>
+                                        <p:cTn id="8" dur="1" fill="hold">
+                                          <p:stCondLst>
+                                            <p:cond delay="0"/>
+                                          </p:stCondLst>
+                                        </p:cTn>
+                                        <p:tgtEl>
+                                          <p:spTgt spid="5"/>
+                                        </p:tgtEl>
+                                        <p:attrNameLst>
+                                          <p:attrName>style.visibility</p:attrName>
+                                        </p:attrNameLst>
+                                      </p:cBhvr>
+                                      <p:to>
+                                        <p:strVal val="visible"/>
+                                      </p:to>
+                                    </p:set>
+                                  </p:childTnLst>
+                                </p:cTn>
+                              </p:par>
+                              <p:par>
+                                <p:cTn id="9" presetID="1" presetClass="entr" presetSubtype="0" fill="hold" grpId="0" nodeType="withEffect">
+                                  <p:stCondLst>
+                                    <p:cond delay="0"/>
+                                  </p:stCondLst>
+                                  <p:childTnLst>
+                                    <p:set>
+                                      <p:cBhvr>
+                                        <p:cTn id="10" dur="1" fill="hold">
+                                          <p:stCondLst>
+                                            <p:cond delay="0"/>
+                                          </p:stCondLst>
+                                        </p:cTn>
+                                        <p:tgtEl>
+                                          <p:spTgt spid="15"/>
+                                        </p:tgtEl>
+                                        <p:attrNameLst>
+                                          <p:attrName>style.visibility</p:attrName>
+                                        </p:attrNameLst>
+                                      </p:cBhvr>
+                                      <p:to>
+                                        <p:strVal val="visible"/>
+                                      </p:to>
+                                    </p:set>
+                                  </p:childTnLst>
+                                </p:cTn>
+                              </p:par>
+                            </p:childTnLst>
+                          </p:cTn>
+                        </p:par>
+                      </p:childTnLst>
+                    </p:cTn>
+                  </p:par>
+                  <p:par>
+                    <p:cTn id="11" fill="hold">
+                      <p:stCondLst>
+                        <p:cond delay="indefinite"/>
+                      </p:stCondLst>
+                      <p:childTnLst>
+                        <p:par>
+                          <p:cTn id="12" fill="hold">
+                            <p:stCondLst>
+                              <p:cond delay="0"/>
+                            </p:stCondLst>
+                            <p:childTnLst>
+                              <p:par>
+                                <p:cTn id="13" presetID="1" presetClass="entr" presetSubtype="0" fill="hold" grpId="0" nodeType="clickEffect">
+                                  <p:stCondLst>
+                                    <p:cond delay="0"/>
+                                  </p:stCondLst>
+                                  <p:childTnLst>
+                                    <p:set>
+                                      <p:cBhvr>
+                                        <p:cTn id="14" dur="1" fill="hold">
+                                          <p:stCondLst>
+                                            <p:cond delay="0"/>
+                                          </p:stCondLst>
+                                        </p:cTn>
+                                        <p:tgtEl>
+                                          <p:spTgt spid="21"/>
+                                        </p:tgtEl>
+                                        <p:attrNameLst>
+                                          <p:attrName>style.visibility</p:attrName>
+                                        </p:attrNameLst>
+                                      </p:cBhvr>
+                                      <p:to>
+                                        <p:strVal val="visible"/>
+                                      </p:to>
+                                    </p:set>
+                                  </p:childTnLst>
+                                </p:cTn>
+                              </p:par>
+                              <p:par>
+                                <p:cTn id="15" presetID="1" presetClass="entr" presetSubtype="0" fill="hold" nodeType="withEffect">
+                                  <p:stCondLst>
+                                    <p:cond delay="0"/>
+                                  </p:stCondLst>
+                                  <p:childTnLst>
+                                    <p:set>
+                                      <p:cBhvr>
+                                        <p:cTn id="16" dur="1" fill="hold">
+                                          <p:stCondLst>
+                                            <p:cond delay="0"/>
+                                          </p:stCondLst>
+                                        </p:cTn>
+                                        <p:tgtEl>
+                                          <p:spTgt spid="10"/>
+                                        </p:tgtEl>
+                                        <p:attrNameLst>
+                                          <p:attrName>style.visibility</p:attrName>
+                                        </p:attrNameLst>
+                                      </p:cBhvr>
+                                      <p:to>
+                                        <p:strVal val="visible"/>
+                                      </p:to>
+                                    </p:set>
+                                  </p:childTnLst>
+                                </p:cTn>
+                              </p:par>
+                              <p:par>
+                                <p:cTn id="17" presetID="1" presetClass="entr" presetSubtype="0" fill="hold" grpId="0" nodeType="withEffect">
+                                  <p:stCondLst>
+                                    <p:cond delay="0"/>
+                                  </p:stCondLst>
+                                  <p:childTnLst>
+                                    <p:set>
+                                      <p:cBhvr>
+                                        <p:cTn id="18" dur="1" fill="hold">
+                                          <p:stCondLst>
+                                            <p:cond delay="0"/>
+                                          </p:stCondLst>
+                                        </p:cTn>
+                                        <p:tgtEl>
+                                          <p:spTgt spid="16"/>
+                                        </p:tgtEl>
+                                        <p:attrNameLst>
+                                          <p:attrName>style.visibility</p:attrName>
+                                        </p:attrNameLst>
+                                      </p:cBhvr>
+                                      <p:to>
+                                        <p:strVal val="visible"/>
+                                      </p:to>
+                                    </p:set>
+                                  </p:childTnLst>
+                                </p:cTn>
+                              </p:par>
+                              <p:par>
+                                <p:cTn id="19" presetID="1" presetClass="entr" presetSubtype="0" fill="hold" grpId="0" nodeType="withEffect">
+                                  <p:stCondLst>
+                                    <p:cond delay="0"/>
+                                  </p:stCondLst>
+                                  <p:childTnLst>
+                                    <p:set>
+                                      <p:cBhvr>
+                                        <p:cTn id="20" dur="1" fill="hold">
+                                          <p:stCondLst>
+                                            <p:cond delay="0"/>
+                                          </p:stCondLst>
+                                        </p:cTn>
+                                        <p:tgtEl>
+                                          <p:spTgt spid="17"/>
+                                        </p:tgtEl>
+                                        <p:attrNameLst>
+                                          <p:attrName>style.visibility</p:attrName>
+                                        </p:attrNameLst>
+                                      </p:cBhvr>
+                                      <p:to>
+                                        <p:strVal val="visible"/>
+                                      </p:to>
+                                    </p:set>
+                                  </p:childTnLst>
+                                </p:cTn>
+                              </p:par>
+                            </p:childTnLst>
+                          </p:cTn>
+                        </p:par>
+                      </p:childTnLst>
+                    </p:cTn>
+                  </p:par>
+                </p:childTnLst>
+              </p:cTn>
+              <p:prevCondLst>
+                <p:cond evt="onPrev" delay="0">
+                  <p:tgtEl>
+                    <p:sldTgt/>
+                  </p:tgtEl>
+                </p:cond>
+              </p:prevCondLst>
+              <p:nextCondLst>
+                <p:cond evt="onNext" delay="0">
+                  <p:tgtEl>
+                    <p:sldTgt/>
+                  </p:tgtEl>
+                </p:cond>
+              </p:nextCondLst>
+            </p:seq>
+          </p:childTnLst>
+        </p:cTn>
+      </p:par>
+    </p:tnLst>
+    <p:bldLst>
+      <p:bldP spid="15" grpId="0"/>
+      <p:bldP spid="16" grpId="0"/>
+      <p:bldP spid="17" grpId="0"/>
+      <p:bldP spid="20" grpId="0"/>
+      <p:bldP spid="21" grpId="0"/>
     </p:bldLst>
   </p:timing>
 </p:sld>
@@ -13562,12 +13799,133 @@
           </a:fontRef>
         </p:style>
       </p:cxnSp>
+      <p:sp>
+        <p:nvSpPr>
+          <p:cNvPr id="20" name="TextBox 19">
+            <a:extLst>
+              <a:ext uri="{FF2B5EF4-FFF2-40B4-BE49-F238E27FC236}">
+                <a16:creationId xmlns:a16="http://schemas.microsoft.com/office/drawing/2014/main" id="{679800E3-27CF-4AC7-8427-0FF4B19F1FE6}"/>
+              </a:ext>
+            </a:extLst>
+          </p:cNvPr>
+          <p:cNvSpPr txBox="1"/>
+          <p:nvPr/>
+        </p:nvSpPr>
+        <p:spPr>
+          <a:xfrm>
+            <a:off x="2782699" y="1215672"/>
+            <a:ext cx="6626600" cy="461665"/>
+          </a:xfrm>
+          <a:prstGeom prst="rect">
+            <a:avLst/>
+          </a:prstGeom>
+          <a:noFill/>
+        </p:spPr>
+        <p:txBody>
+          <a:bodyPr wrap="square" rtlCol="0">
+            <a:spAutoFit/>
+          </a:bodyPr>
+          <a:lstStyle/>
+          <a:p>
+            <a:pPr algn="ctr">
+              <a:spcAft>
+                <a:spcPts val="1200"/>
+              </a:spcAft>
+            </a:pPr>
+            <a:r>
+              <a:rPr lang="tr-TR" sz="2400" dirty="0">
+                <a:latin typeface="Adobe Heiti Std R" panose="020B0400000000000000" pitchFamily="34" charset="-128"/>
+                <a:ea typeface="Adobe Heiti Std R" panose="020B0400000000000000" pitchFamily="34" charset="-128"/>
+                <a:cs typeface="Times New Roman" panose="02020603050405020304" pitchFamily="18" charset="0"/>
+              </a:rPr>
+              <a:t>2 </a:t>
+            </a:r>
+            <a:r>
+              <a:rPr lang="tr-TR" sz="2400" dirty="0" err="1">
+                <a:latin typeface="Adobe Heiti Std R" panose="020B0400000000000000" pitchFamily="34" charset="-128"/>
+                <a:ea typeface="Adobe Heiti Std R" panose="020B0400000000000000" pitchFamily="34" charset="-128"/>
+                <a:cs typeface="Times New Roman" panose="02020603050405020304" pitchFamily="18" charset="0"/>
+              </a:rPr>
+              <a:t>level</a:t>
+            </a:r>
+            <a:r>
+              <a:rPr lang="tr-TR" sz="2400" dirty="0">
+                <a:latin typeface="Adobe Heiti Std R" panose="020B0400000000000000" pitchFamily="34" charset="-128"/>
+                <a:ea typeface="Adobe Heiti Std R" panose="020B0400000000000000" pitchFamily="34" charset="-128"/>
+                <a:cs typeface="Times New Roman" panose="02020603050405020304" pitchFamily="18" charset="0"/>
+              </a:rPr>
+              <a:t> 2 </a:t>
+            </a:r>
+            <a:r>
+              <a:rPr lang="tr-TR" sz="2400" dirty="0" err="1">
+                <a:latin typeface="Adobe Heiti Std R" panose="020B0400000000000000" pitchFamily="34" charset="-128"/>
+                <a:ea typeface="Adobe Heiti Std R" panose="020B0400000000000000" pitchFamily="34" charset="-128"/>
+                <a:cs typeface="Times New Roman" panose="02020603050405020304" pitchFamily="18" charset="0"/>
+              </a:rPr>
+              <a:t>series</a:t>
+            </a:r>
+            <a:r>
+              <a:rPr lang="tr-TR" sz="2400" dirty="0">
+                <a:latin typeface="Adobe Heiti Std R" panose="020B0400000000000000" pitchFamily="34" charset="-128"/>
+                <a:ea typeface="Adobe Heiti Std R" panose="020B0400000000000000" pitchFamily="34" charset="-128"/>
+                <a:cs typeface="Times New Roman" panose="02020603050405020304" pitchFamily="18" charset="0"/>
+              </a:rPr>
+              <a:t> 2 </a:t>
+            </a:r>
+            <a:r>
+              <a:rPr lang="tr-TR" sz="2400" dirty="0" err="1">
+                <a:latin typeface="Adobe Heiti Std R" panose="020B0400000000000000" pitchFamily="34" charset="-128"/>
+                <a:ea typeface="Adobe Heiti Std R" panose="020B0400000000000000" pitchFamily="34" charset="-128"/>
+                <a:cs typeface="Times New Roman" panose="02020603050405020304" pitchFamily="18" charset="0"/>
+              </a:rPr>
+              <a:t>parallel</a:t>
+            </a:r>
+            <a:r>
+              <a:rPr lang="tr-TR" sz="2400" dirty="0">
+                <a:latin typeface="Adobe Heiti Std R" panose="020B0400000000000000" pitchFamily="34" charset="-128"/>
+                <a:ea typeface="Adobe Heiti Std R" panose="020B0400000000000000" pitchFamily="34" charset="-128"/>
+                <a:cs typeface="Times New Roman" panose="02020603050405020304" pitchFamily="18" charset="0"/>
+              </a:rPr>
+              <a:t>  VSI </a:t>
+            </a:r>
+            <a:r>
+              <a:rPr lang="tr-TR" sz="2400" dirty="0" err="1">
+                <a:latin typeface="Adobe Heiti Std R" panose="020B0400000000000000" pitchFamily="34" charset="-128"/>
+                <a:ea typeface="Adobe Heiti Std R" panose="020B0400000000000000" pitchFamily="34" charset="-128"/>
+                <a:cs typeface="Times New Roman" panose="02020603050405020304" pitchFamily="18" charset="0"/>
+              </a:rPr>
+              <a:t>with</a:t>
+            </a:r>
+            <a:r>
+              <a:rPr lang="tr-TR" sz="2400" dirty="0">
+                <a:latin typeface="Adobe Heiti Std R" panose="020B0400000000000000" pitchFamily="34" charset="-128"/>
+                <a:ea typeface="Adobe Heiti Std R" panose="020B0400000000000000" pitchFamily="34" charset="-128"/>
+                <a:cs typeface="Times New Roman" panose="02020603050405020304" pitchFamily="18" charset="0"/>
+              </a:rPr>
+              <a:t> </a:t>
+            </a:r>
+            <a:r>
+              <a:rPr lang="tr-TR" sz="2400" dirty="0" err="1">
+                <a:latin typeface="Adobe Heiti Std R" panose="020B0400000000000000" pitchFamily="34" charset="-128"/>
+                <a:ea typeface="Adobe Heiti Std R" panose="020B0400000000000000" pitchFamily="34" charset="-128"/>
+                <a:cs typeface="Times New Roman" panose="02020603050405020304" pitchFamily="18" charset="0"/>
+              </a:rPr>
+              <a:t>GaN</a:t>
+            </a:r>
+            <a:endParaRPr lang="tr-TR" sz="2400" dirty="0">
+              <a:latin typeface="Adobe Heiti Std R" panose="020B0400000000000000" pitchFamily="34" charset="-128"/>
+              <a:ea typeface="Adobe Heiti Std R" panose="020B0400000000000000" pitchFamily="34" charset="-128"/>
+              <a:cs typeface="Times New Roman" panose="02020603050405020304" pitchFamily="18" charset="0"/>
+            </a:endParaRPr>
+          </a:p>
+        </p:txBody>
+      </p:sp>
       <p:pic>
         <p:nvPicPr>
-          <p:cNvPr id="5" name="Picture 4" descr="A picture containing object&#10;&#10;Description generated with high confidence">
-            <a:extLst>
-              <a:ext uri="{FF2B5EF4-FFF2-40B4-BE49-F238E27FC236}">
-                <a16:creationId xmlns:a16="http://schemas.microsoft.com/office/drawing/2014/main" id="{0ED36CF3-B931-4F73-AD27-0C98250557E3}"/>
+          <p:cNvPr id="23" name="Picture 22" descr="A picture containing text&#10;&#10;Description generated with very high confidence">
+            <a:extLst>
+              <a:ext uri="{FF2B5EF4-FFF2-40B4-BE49-F238E27FC236}">
+                <a16:creationId xmlns:a16="http://schemas.microsoft.com/office/drawing/2014/main" id="{F3ABEAD5-FC97-4D41-B7FB-6E471A845EE0}"/>
               </a:ext>
             </a:extLst>
           </p:cNvPr>
@@ -13576,56 +13934,28 @@
           </p:cNvPicPr>
           <p:nvPr/>
         </p:nvPicPr>
-        <p:blipFill rotWithShape="1">
+        <p:blipFill>
           <a:blip r:embed="rId5"/>
-          <a:srcRect l="13346" t="34667" r="13869" b="38353"/>
-          <a:stretch/>
+          <a:stretch>
+            <a:fillRect/>
+          </a:stretch>
         </p:blipFill>
         <p:spPr>
           <a:xfrm>
-            <a:off x="3404809" y="1473484"/>
-            <a:ext cx="4082514" cy="1513346"/>
+            <a:off x="3927849" y="1935090"/>
+            <a:ext cx="4336300" cy="3864107"/>
           </a:xfrm>
           <a:prstGeom prst="rect">
             <a:avLst/>
           </a:prstGeom>
         </p:spPr>
       </p:pic>
-      <p:pic>
-        <p:nvPicPr>
-          <p:cNvPr id="10" name="Picture 9">
-            <a:extLst>
-              <a:ext uri="{FF2B5EF4-FFF2-40B4-BE49-F238E27FC236}">
-                <a16:creationId xmlns:a16="http://schemas.microsoft.com/office/drawing/2014/main" id="{D21586CC-69B0-4E3E-9060-5E3D40DF401D}"/>
-              </a:ext>
-            </a:extLst>
-          </p:cNvPr>
-          <p:cNvPicPr>
-            <a:picLocks noChangeAspect="1"/>
-          </p:cNvPicPr>
-          <p:nvPr/>
-        </p:nvPicPr>
-        <p:blipFill rotWithShape="1">
-          <a:blip r:embed="rId6"/>
-          <a:srcRect l="26780" t="12649" r="42426" b="30168"/>
-          <a:stretch/>
-        </p:blipFill>
-        <p:spPr>
-          <a:xfrm>
-            <a:off x="3773627" y="3472031"/>
-            <a:ext cx="3713696" cy="2926731"/>
-          </a:xfrm>
-          <a:prstGeom prst="rect">
-            <a:avLst/>
-          </a:prstGeom>
-        </p:spPr>
-      </p:pic>
       <p:sp>
         <p:nvSpPr>
-          <p:cNvPr id="15" name="TextBox 14">
-            <a:extLst>
-              <a:ext uri="{FF2B5EF4-FFF2-40B4-BE49-F238E27FC236}">
-                <a16:creationId xmlns:a16="http://schemas.microsoft.com/office/drawing/2014/main" id="{62D9CC93-E00D-443F-BCAD-535E18A1034E}"/>
+          <p:cNvPr id="18" name="TextBox 17">
+            <a:extLst>
+              <a:ext uri="{FF2B5EF4-FFF2-40B4-BE49-F238E27FC236}">
+                <a16:creationId xmlns:a16="http://schemas.microsoft.com/office/drawing/2014/main" id="{40224104-A1AF-47B3-BE45-DD1B002A7F59}"/>
               </a:ext>
             </a:extLst>
           </p:cNvPr>
@@ -13634,7 +13964,7 @@
         </p:nvSpPr>
         <p:spPr>
           <a:xfrm>
-            <a:off x="7405951" y="2028922"/>
+            <a:off x="7386901" y="2295622"/>
             <a:ext cx="2350127" cy="338554"/>
           </a:xfrm>
           <a:prstGeom prst="rect">
@@ -13650,11 +13980,11 @@
           <a:p>
             <a:r>
               <a:rPr lang="tr-TR" sz="1600" b="1" dirty="0" err="1"/>
-              <a:t>Modules</a:t>
+              <a:t>Module</a:t>
             </a:r>
             <a:r>
               <a:rPr lang="tr-TR" sz="1600" b="1" dirty="0"/>
-              <a:t> 1,2,3,4</a:t>
+              <a:t> 1</a:t>
             </a:r>
             <a:endParaRPr lang="en-US" sz="1600" b="1" dirty="0"/>
           </a:p>
@@ -13662,10 +13992,10 @@
       </p:sp>
       <p:sp>
         <p:nvSpPr>
-          <p:cNvPr id="16" name="TextBox 15">
-            <a:extLst>
-              <a:ext uri="{FF2B5EF4-FFF2-40B4-BE49-F238E27FC236}">
-                <a16:creationId xmlns:a16="http://schemas.microsoft.com/office/drawing/2014/main" id="{F9A987C7-8944-46B5-8098-0EA62215A6F9}"/>
+          <p:cNvPr id="19" name="TextBox 18">
+            <a:extLst>
+              <a:ext uri="{FF2B5EF4-FFF2-40B4-BE49-F238E27FC236}">
+                <a16:creationId xmlns:a16="http://schemas.microsoft.com/office/drawing/2014/main" id="{498B2FA8-C9B4-442B-87C0-D53A59563905}"/>
               </a:ext>
             </a:extLst>
           </p:cNvPr>
@@ -13674,7 +14004,7 @@
         </p:nvSpPr>
         <p:spPr>
           <a:xfrm>
-            <a:off x="7405951" y="4332023"/>
+            <a:off x="7386901" y="3252461"/>
             <a:ext cx="2350127" cy="338554"/>
           </a:xfrm>
           <a:prstGeom prst="rect">
@@ -13690,11 +14020,11 @@
           <a:p>
             <a:r>
               <a:rPr lang="tr-TR" sz="1600" b="1" dirty="0" err="1"/>
-              <a:t>Modules</a:t>
+              <a:t>Module</a:t>
             </a:r>
             <a:r>
               <a:rPr lang="tr-TR" sz="1600" b="1" dirty="0"/>
-              <a:t> 1,2</a:t>
+              <a:t> 2</a:t>
             </a:r>
             <a:endParaRPr lang="en-US" sz="1600" b="1" dirty="0"/>
           </a:p>
@@ -13702,10 +14032,10 @@
       </p:sp>
       <p:sp>
         <p:nvSpPr>
-          <p:cNvPr id="17" name="TextBox 16">
-            <a:extLst>
-              <a:ext uri="{FF2B5EF4-FFF2-40B4-BE49-F238E27FC236}">
-                <a16:creationId xmlns:a16="http://schemas.microsoft.com/office/drawing/2014/main" id="{6E798F42-7E4B-42F5-95EF-DA380E147FBD}"/>
+          <p:cNvPr id="22" name="TextBox 21">
+            <a:extLst>
+              <a:ext uri="{FF2B5EF4-FFF2-40B4-BE49-F238E27FC236}">
+                <a16:creationId xmlns:a16="http://schemas.microsoft.com/office/drawing/2014/main" id="{D9BBC37B-942A-4C98-91FE-94F225B5D219}"/>
               </a:ext>
             </a:extLst>
           </p:cNvPr>
@@ -13714,7 +14044,7 @@
         </p:nvSpPr>
         <p:spPr>
           <a:xfrm>
-            <a:off x="7405950" y="5470578"/>
+            <a:off x="7386900" y="4119236"/>
             <a:ext cx="2350127" cy="338554"/>
           </a:xfrm>
           <a:prstGeom prst="rect">
@@ -13730,11 +14060,11 @@
           <a:p>
             <a:r>
               <a:rPr lang="tr-TR" sz="1600" b="1" dirty="0" err="1"/>
-              <a:t>Modules</a:t>
+              <a:t>Module</a:t>
             </a:r>
             <a:r>
               <a:rPr lang="tr-TR" sz="1600" b="1" dirty="0"/>
-              <a:t> 3,4</a:t>
+              <a:t> 3</a:t>
             </a:r>
             <a:endParaRPr lang="en-US" sz="1600" b="1" dirty="0"/>
           </a:p>
@@ -13742,10 +14072,10 @@
       </p:sp>
       <p:sp>
         <p:nvSpPr>
-          <p:cNvPr id="20" name="TextBox 19">
-            <a:extLst>
-              <a:ext uri="{FF2B5EF4-FFF2-40B4-BE49-F238E27FC236}">
-                <a16:creationId xmlns:a16="http://schemas.microsoft.com/office/drawing/2014/main" id="{679800E3-27CF-4AC7-8427-0FF4B19F1FE6}"/>
+          <p:cNvPr id="26" name="TextBox 25">
+            <a:extLst>
+              <a:ext uri="{FF2B5EF4-FFF2-40B4-BE49-F238E27FC236}">
+                <a16:creationId xmlns:a16="http://schemas.microsoft.com/office/drawing/2014/main" id="{CEB30F3B-DC8D-424C-A0F3-4F3F7001B016}"/>
               </a:ext>
             </a:extLst>
           </p:cNvPr>
@@ -13754,8 +14084,8 @@
         </p:nvSpPr>
         <p:spPr>
           <a:xfrm>
-            <a:off x="3711498" y="1242652"/>
-            <a:ext cx="3451410" cy="461665"/>
+            <a:off x="7386900" y="5063241"/>
+            <a:ext cx="2350127" cy="338554"/>
           </a:xfrm>
           <a:prstGeom prst="rect">
             <a:avLst/>
@@ -13768,177 +14098,24 @@
           </a:bodyPr>
           <a:lstStyle/>
           <a:p>
-            <a:pPr>
-              <a:spcAft>
-                <a:spcPts val="1200"/>
-              </a:spcAft>
-            </a:pPr>
-            <a:r>
-              <a:rPr lang="tr-TR" sz="2400" dirty="0">
-                <a:latin typeface="Adobe Heiti Std R" panose="020B0400000000000000" pitchFamily="34" charset="-128"/>
-                <a:ea typeface="Adobe Heiti Std R" panose="020B0400000000000000" pitchFamily="34" charset="-128"/>
-                <a:cs typeface="Times New Roman" panose="02020603050405020304" pitchFamily="18" charset="0"/>
-              </a:rPr>
-              <a:t>2 </a:t>
-            </a:r>
-            <a:r>
-              <a:rPr lang="tr-TR" sz="2400" dirty="0" err="1">
-                <a:latin typeface="Adobe Heiti Std R" panose="020B0400000000000000" pitchFamily="34" charset="-128"/>
-                <a:ea typeface="Adobe Heiti Std R" panose="020B0400000000000000" pitchFamily="34" charset="-128"/>
-                <a:cs typeface="Times New Roman" panose="02020603050405020304" pitchFamily="18" charset="0"/>
-              </a:rPr>
-              <a:t>level</a:t>
-            </a:r>
-            <a:r>
-              <a:rPr lang="tr-TR" sz="2400" dirty="0">
-                <a:latin typeface="Adobe Heiti Std R" panose="020B0400000000000000" pitchFamily="34" charset="-128"/>
-                <a:ea typeface="Adobe Heiti Std R" panose="020B0400000000000000" pitchFamily="34" charset="-128"/>
-                <a:cs typeface="Times New Roman" panose="02020603050405020304" pitchFamily="18" charset="0"/>
-              </a:rPr>
-              <a:t> VSI </a:t>
-            </a:r>
-            <a:r>
-              <a:rPr lang="tr-TR" sz="2400" dirty="0" err="1">
-                <a:latin typeface="Adobe Heiti Std R" panose="020B0400000000000000" pitchFamily="34" charset="-128"/>
-                <a:ea typeface="Adobe Heiti Std R" panose="020B0400000000000000" pitchFamily="34" charset="-128"/>
-                <a:cs typeface="Times New Roman" panose="02020603050405020304" pitchFamily="18" charset="0"/>
-              </a:rPr>
-              <a:t>with</a:t>
-            </a:r>
-            <a:r>
-              <a:rPr lang="tr-TR" sz="2400" dirty="0">
-                <a:latin typeface="Adobe Heiti Std R" panose="020B0400000000000000" pitchFamily="34" charset="-128"/>
-                <a:ea typeface="Adobe Heiti Std R" panose="020B0400000000000000" pitchFamily="34" charset="-128"/>
-                <a:cs typeface="Times New Roman" panose="02020603050405020304" pitchFamily="18" charset="0"/>
-              </a:rPr>
-              <a:t> IGBT</a:t>
-            </a:r>
+            <a:r>
+              <a:rPr lang="tr-TR" sz="1600" b="1" dirty="0" err="1"/>
+              <a:t>Module</a:t>
+            </a:r>
+            <a:r>
+              <a:rPr lang="tr-TR" sz="1600" b="1" dirty="0"/>
+              <a:t> 4</a:t>
+            </a:r>
+            <a:endParaRPr lang="en-US" sz="1600" b="1" dirty="0"/>
           </a:p>
         </p:txBody>
       </p:sp>
       <p:sp>
         <p:nvSpPr>
-          <p:cNvPr id="21" name="TextBox 20">
-            <a:extLst>
-              <a:ext uri="{FF2B5EF4-FFF2-40B4-BE49-F238E27FC236}">
-                <a16:creationId xmlns:a16="http://schemas.microsoft.com/office/drawing/2014/main" id="{F76C3B99-CDFA-4BBB-BC35-02B43AF0B0BD}"/>
-              </a:ext>
-            </a:extLst>
-          </p:cNvPr>
-          <p:cNvSpPr txBox="1"/>
-          <p:nvPr/>
-        </p:nvSpPr>
-        <p:spPr>
-          <a:xfrm>
-            <a:off x="3711498" y="3330090"/>
-            <a:ext cx="5877892" cy="984885"/>
-          </a:xfrm>
-          <a:prstGeom prst="rect">
-            <a:avLst/>
-          </a:prstGeom>
-          <a:noFill/>
-        </p:spPr>
-        <p:txBody>
-          <a:bodyPr wrap="square" rtlCol="0">
-            <a:spAutoFit/>
-          </a:bodyPr>
-          <a:lstStyle/>
-          <a:p>
-            <a:pPr>
-              <a:spcAft>
-                <a:spcPts val="1200"/>
-              </a:spcAft>
-            </a:pPr>
-            <a:r>
-              <a:rPr lang="tr-TR" sz="2400" dirty="0">
-                <a:latin typeface="Adobe Heiti Std R" panose="020B0400000000000000" pitchFamily="34" charset="-128"/>
-                <a:ea typeface="Adobe Heiti Std R" panose="020B0400000000000000" pitchFamily="34" charset="-128"/>
-                <a:cs typeface="Times New Roman" panose="02020603050405020304" pitchFamily="18" charset="0"/>
-              </a:rPr>
-              <a:t>2 </a:t>
-            </a:r>
-            <a:r>
-              <a:rPr lang="tr-TR" sz="2400" dirty="0" err="1">
-                <a:latin typeface="Adobe Heiti Std R" panose="020B0400000000000000" pitchFamily="34" charset="-128"/>
-                <a:ea typeface="Adobe Heiti Std R" panose="020B0400000000000000" pitchFamily="34" charset="-128"/>
-                <a:cs typeface="Times New Roman" panose="02020603050405020304" pitchFamily="18" charset="0"/>
-              </a:rPr>
-              <a:t>level</a:t>
-            </a:r>
-            <a:r>
-              <a:rPr lang="tr-TR" sz="2400" dirty="0">
-                <a:latin typeface="Adobe Heiti Std R" panose="020B0400000000000000" pitchFamily="34" charset="-128"/>
-                <a:ea typeface="Adobe Heiti Std R" panose="020B0400000000000000" pitchFamily="34" charset="-128"/>
-                <a:cs typeface="Times New Roman" panose="02020603050405020304" pitchFamily="18" charset="0"/>
-              </a:rPr>
-              <a:t> 2 </a:t>
-            </a:r>
-            <a:r>
-              <a:rPr lang="tr-TR" sz="2400" dirty="0" err="1">
-                <a:latin typeface="Adobe Heiti Std R" panose="020B0400000000000000" pitchFamily="34" charset="-128"/>
-                <a:ea typeface="Adobe Heiti Std R" panose="020B0400000000000000" pitchFamily="34" charset="-128"/>
-                <a:cs typeface="Times New Roman" panose="02020603050405020304" pitchFamily="18" charset="0"/>
-              </a:rPr>
-              <a:t>series</a:t>
-            </a:r>
-            <a:r>
-              <a:rPr lang="tr-TR" sz="2400" dirty="0">
-                <a:latin typeface="Adobe Heiti Std R" panose="020B0400000000000000" pitchFamily="34" charset="-128"/>
-                <a:ea typeface="Adobe Heiti Std R" panose="020B0400000000000000" pitchFamily="34" charset="-128"/>
-                <a:cs typeface="Times New Roman" panose="02020603050405020304" pitchFamily="18" charset="0"/>
-              </a:rPr>
-              <a:t> VSI </a:t>
-            </a:r>
-            <a:r>
-              <a:rPr lang="tr-TR" sz="2400" dirty="0" err="1">
-                <a:latin typeface="Adobe Heiti Std R" panose="020B0400000000000000" pitchFamily="34" charset="-128"/>
-                <a:ea typeface="Adobe Heiti Std R" panose="020B0400000000000000" pitchFamily="34" charset="-128"/>
-                <a:cs typeface="Times New Roman" panose="02020603050405020304" pitchFamily="18" charset="0"/>
-              </a:rPr>
-              <a:t>with</a:t>
-            </a:r>
-            <a:r>
-              <a:rPr lang="tr-TR" sz="2400" dirty="0">
-                <a:latin typeface="Adobe Heiti Std R" panose="020B0400000000000000" pitchFamily="34" charset="-128"/>
-                <a:ea typeface="Adobe Heiti Std R" panose="020B0400000000000000" pitchFamily="34" charset="-128"/>
-                <a:cs typeface="Times New Roman" panose="02020603050405020304" pitchFamily="18" charset="0"/>
-              </a:rPr>
-              <a:t> </a:t>
-            </a:r>
-            <a:r>
-              <a:rPr lang="tr-TR" sz="2400" dirty="0" err="1">
-                <a:latin typeface="Adobe Heiti Std R" panose="020B0400000000000000" pitchFamily="34" charset="-128"/>
-                <a:ea typeface="Adobe Heiti Std R" panose="020B0400000000000000" pitchFamily="34" charset="-128"/>
-                <a:cs typeface="Times New Roman" panose="02020603050405020304" pitchFamily="18" charset="0"/>
-              </a:rPr>
-              <a:t>GaN</a:t>
-            </a:r>
-            <a:endParaRPr lang="tr-TR" sz="2400" dirty="0">
-              <a:latin typeface="Adobe Heiti Std R" panose="020B0400000000000000" pitchFamily="34" charset="-128"/>
-              <a:ea typeface="Adobe Heiti Std R" panose="020B0400000000000000" pitchFamily="34" charset="-128"/>
-              <a:cs typeface="Times New Roman" panose="02020603050405020304" pitchFamily="18" charset="0"/>
-            </a:endParaRPr>
-          </a:p>
-          <a:p>
-            <a:pPr>
-              <a:spcAft>
-                <a:spcPts val="1200"/>
-              </a:spcAft>
-            </a:pPr>
-            <a:endParaRPr lang="en-US" sz="2400" dirty="0">
-              <a:latin typeface="Adobe Heiti Std R" panose="020B0400000000000000" pitchFamily="34" charset="-128"/>
-              <a:ea typeface="Adobe Heiti Std R" panose="020B0400000000000000" pitchFamily="34" charset="-128"/>
-              <a:cs typeface="Times New Roman" panose="02020603050405020304" pitchFamily="18" charset="0"/>
-            </a:endParaRPr>
-          </a:p>
-        </p:txBody>
-      </p:sp>
-      <p:sp>
-        <p:nvSpPr>
-          <p:cNvPr id="30" name="Slide Number Placeholder 9">
-            <a:extLst>
-              <a:ext uri="{FF2B5EF4-FFF2-40B4-BE49-F238E27FC236}">
-                <a16:creationId xmlns:a16="http://schemas.microsoft.com/office/drawing/2014/main" id="{3C74C901-001F-426B-B5F6-8314A6E91691}"/>
+          <p:cNvPr id="28" name="Slide Number Placeholder 9">
+            <a:extLst>
+              <a:ext uri="{FF2B5EF4-FFF2-40B4-BE49-F238E27FC236}">
+                <a16:creationId xmlns:a16="http://schemas.microsoft.com/office/drawing/2014/main" id="{7E9BC755-2547-4E02-BF57-0DE1A56D0E3C}"/>
               </a:ext>
             </a:extLst>
           </p:cNvPr>
@@ -13974,7 +14151,7 @@
     </p:spTree>
     <p:extLst>
       <p:ext uri="{BB962C8B-B14F-4D97-AF65-F5344CB8AC3E}">
-        <p14:creationId xmlns:p14="http://schemas.microsoft.com/office/powerpoint/2010/main" val="1645835524"/>
+        <p14:creationId xmlns:p14="http://schemas.microsoft.com/office/powerpoint/2010/main" val="3869247988"/>
       </p:ext>
     </p:extLst>
   </p:cSld>
@@ -14047,7 +14224,7 @@
                             </p:stCondLst>
                             <p:childTnLst>
                               <p:par>
-                                <p:cTn id="9" presetID="1" presetClass="entr" presetSubtype="0" fill="hold" grpId="0" nodeType="clickEffect">
+                                <p:cTn id="9" presetID="1" presetClass="entr" presetSubtype="0" fill="hold" nodeType="clickEffect">
                                   <p:stCondLst>
                                     <p:cond delay="0"/>
                                   </p:stCondLst>
@@ -14060,7 +14237,115 @@
                                           </p:stCondLst>
                                         </p:cTn>
                                         <p:tgtEl>
-                                          <p:spTgt spid="21"/>
+                                          <p:spTgt spid="23"/>
+                                        </p:tgtEl>
+                                        <p:attrNameLst>
+                                          <p:attrName>style.visibility</p:attrName>
+                                        </p:attrNameLst>
+                                      </p:cBhvr>
+                                      <p:to>
+                                        <p:strVal val="visible"/>
+                                      </p:to>
+                                    </p:set>
+                                  </p:childTnLst>
+                                </p:cTn>
+                              </p:par>
+                              <p:par>
+                                <p:cTn id="11" presetID="1" presetClass="entr" presetSubtype="0" fill="hold" grpId="0" nodeType="withEffect">
+                                  <p:stCondLst>
+                                    <p:cond delay="0"/>
+                                  </p:stCondLst>
+                                  <p:childTnLst>
+                                    <p:set>
+                                      <p:cBhvr>
+                                        <p:cTn id="12" dur="1" fill="hold">
+                                          <p:stCondLst>
+                                            <p:cond delay="0"/>
+                                          </p:stCondLst>
+                                        </p:cTn>
+                                        <p:tgtEl>
+                                          <p:spTgt spid="18"/>
+                                        </p:tgtEl>
+                                        <p:attrNameLst>
+                                          <p:attrName>style.visibility</p:attrName>
+                                        </p:attrNameLst>
+                                      </p:cBhvr>
+                                      <p:to>
+                                        <p:strVal val="visible"/>
+                                      </p:to>
+                                    </p:set>
+                                  </p:childTnLst>
+                                </p:cTn>
+                              </p:par>
+                              <p:par>
+                                <p:cTn id="13" presetID="1" presetClass="entr" presetSubtype="0" fill="hold" grpId="0" nodeType="withEffect">
+                                  <p:stCondLst>
+                                    <p:cond delay="0"/>
+                                  </p:stCondLst>
+                                  <p:childTnLst>
+                                    <p:set>
+                                      <p:cBhvr>
+                                        <p:cTn id="14" dur="1" fill="hold">
+                                          <p:stCondLst>
+                                            <p:cond delay="0"/>
+                                          </p:stCondLst>
+                                        </p:cTn>
+                                        <p:tgtEl>
+                                          <p:spTgt spid="19"/>
+                                        </p:tgtEl>
+                                        <p:attrNameLst>
+                                          <p:attrName>style.visibility</p:attrName>
+                                        </p:attrNameLst>
+                                      </p:cBhvr>
+                                      <p:to>
+                                        <p:strVal val="visible"/>
+                                      </p:to>
+                                    </p:set>
+                                  </p:childTnLst>
+                                </p:cTn>
+                              </p:par>
+                              <p:par>
+                                <p:cTn id="15" presetID="1" presetClass="entr" presetSubtype="0" fill="hold" grpId="0" nodeType="withEffect">
+                                  <p:stCondLst>
+                                    <p:cond delay="0"/>
+                                  </p:stCondLst>
+                                  <p:childTnLst>
+                                    <p:set>
+                                      <p:cBhvr>
+                                        <p:cTn id="16" dur="1" fill="hold">
+                                          <p:stCondLst>
+                                            <p:cond delay="0"/>
+                                          </p:stCondLst>
+                                        </p:cTn>
+                                        <p:tgtEl>
+                                          <p:spTgt spid="22"/>
+                                        </p:tgtEl>
+                                        <p:attrNameLst>
+                                          <p:attrName>style.visibility</p:attrName>
+                                        </p:attrNameLst>
+                                      </p:cBhvr>
+                                      <p:to>
+                                        <p:strVal val="visible"/>
+                                      </p:to>
+                                    </p:set>
+                                  </p:childTnLst>
+                                </p:cTn>
+                              </p:par>
+                              <p:par>
+                                <p:cTn id="17" presetID="1" presetClass="entr" presetSubtype="0" fill="hold" grpId="0" nodeType="withEffect">
+                                  <p:stCondLst>
+                                    <p:cond delay="0"/>
+                                  </p:stCondLst>
+                                  <p:childTnLst>
+                                    <p:set>
+                                      <p:cBhvr>
+                                        <p:cTn id="18" dur="1" fill="hold">
+                                          <p:stCondLst>
+                                            <p:cond delay="0"/>
+                                          </p:stCondLst>
+                                        </p:cTn>
+                                        <p:tgtEl>
+                                          <p:spTgt spid="26"/>
                                         </p:tgtEl>
                                         <p:attrNameLst>
                                           <p:attrName>style.visibility</p:attrName>
@@ -14102,7 +14387,10 @@
     </p:tnLst>
     <p:bldLst>
       <p:bldP spid="20" grpId="0"/>
-      <p:bldP spid="21" grpId="0"/>
+      <p:bldP spid="18" grpId="0"/>
+      <p:bldP spid="19" grpId="0"/>
+      <p:bldP spid="22" grpId="0"/>
+      <p:bldP spid="26" grpId="0"/>
     </p:bldLst>
   </p:timing>
 </p:sld>
@@ -14427,7 +14715,7 @@
                 <a:ea typeface="Adobe Heiti Std R" panose="020B0400000000000000" pitchFamily="34" charset="-128"/>
                 <a:cs typeface="Times New Roman" panose="02020603050405020304" pitchFamily="18" charset="0"/>
               </a:rPr>
-              <a:t>2 </a:t>
+              <a:t>3 </a:t>
             </a:r>
             <a:r>
               <a:rPr lang="tr-TR" sz="2400" dirty="0" err="1">
@@ -14443,39 +14731,7 @@
                 <a:ea typeface="Adobe Heiti Std R" panose="020B0400000000000000" pitchFamily="34" charset="-128"/>
                 <a:cs typeface="Times New Roman" panose="02020603050405020304" pitchFamily="18" charset="0"/>
               </a:rPr>
-              <a:t> 2 </a:t>
-            </a:r>
-            <a:r>
-              <a:rPr lang="tr-TR" sz="2400" dirty="0" err="1">
-                <a:latin typeface="Adobe Heiti Std R" panose="020B0400000000000000" pitchFamily="34" charset="-128"/>
-                <a:ea typeface="Adobe Heiti Std R" panose="020B0400000000000000" pitchFamily="34" charset="-128"/>
-                <a:cs typeface="Times New Roman" panose="02020603050405020304" pitchFamily="18" charset="0"/>
-              </a:rPr>
-              <a:t>series</a:t>
-            </a:r>
-            <a:r>
-              <a:rPr lang="tr-TR" sz="2400" dirty="0">
-                <a:latin typeface="Adobe Heiti Std R" panose="020B0400000000000000" pitchFamily="34" charset="-128"/>
-                <a:ea typeface="Adobe Heiti Std R" panose="020B0400000000000000" pitchFamily="34" charset="-128"/>
-                <a:cs typeface="Times New Roman" panose="02020603050405020304" pitchFamily="18" charset="0"/>
-              </a:rPr>
-              <a:t> 2 </a:t>
-            </a:r>
-            <a:r>
-              <a:rPr lang="tr-TR" sz="2400" dirty="0" err="1">
-                <a:latin typeface="Adobe Heiti Std R" panose="020B0400000000000000" pitchFamily="34" charset="-128"/>
-                <a:ea typeface="Adobe Heiti Std R" panose="020B0400000000000000" pitchFamily="34" charset="-128"/>
-                <a:cs typeface="Times New Roman" panose="02020603050405020304" pitchFamily="18" charset="0"/>
-              </a:rPr>
-              <a:t>parallel</a:t>
-            </a:r>
-            <a:r>
-              <a:rPr lang="tr-TR" sz="2400" dirty="0">
-                <a:latin typeface="Adobe Heiti Std R" panose="020B0400000000000000" pitchFamily="34" charset="-128"/>
-                <a:ea typeface="Adobe Heiti Std R" panose="020B0400000000000000" pitchFamily="34" charset="-128"/>
-                <a:cs typeface="Times New Roman" panose="02020603050405020304" pitchFamily="18" charset="0"/>
-              </a:rPr>
-              <a:t>  VSI </a:t>
+              <a:t> NPC VSI </a:t>
             </a:r>
             <a:r>
               <a:rPr lang="tr-TR" sz="2400" dirty="0" err="1">
@@ -14511,10 +14767,10 @@
       </p:sp>
       <p:pic>
         <p:nvPicPr>
-          <p:cNvPr id="23" name="Picture 22" descr="A picture containing text&#10;&#10;Description generated with very high confidence">
-            <a:extLst>
-              <a:ext uri="{FF2B5EF4-FFF2-40B4-BE49-F238E27FC236}">
-                <a16:creationId xmlns:a16="http://schemas.microsoft.com/office/drawing/2014/main" id="{F3ABEAD5-FC97-4D41-B7FB-6E471A845EE0}"/>
+          <p:cNvPr id="8" name="Picture 7" descr="A picture containing object&#10;&#10;Description generated with very high confidence">
+            <a:extLst>
+              <a:ext uri="{FF2B5EF4-FFF2-40B4-BE49-F238E27FC236}">
+                <a16:creationId xmlns:a16="http://schemas.microsoft.com/office/drawing/2014/main" id="{874F5988-9CD0-44FA-8F53-FF2A8CFCBFD1}"/>
               </a:ext>
             </a:extLst>
           </p:cNvPr>
@@ -14523,16 +14779,15 @@
           </p:cNvPicPr>
           <p:nvPr/>
         </p:nvPicPr>
-        <p:blipFill>
+        <p:blipFill rotWithShape="1">
           <a:blip r:embed="rId5"/>
-          <a:stretch>
-            <a:fillRect/>
-          </a:stretch>
+          <a:srcRect l="23611" t="30417" b="39444"/>
+          <a:stretch/>
         </p:blipFill>
         <p:spPr>
           <a:xfrm>
-            <a:off x="3927849" y="1935090"/>
-            <a:ext cx="4336300" cy="3864107"/>
+            <a:off x="3933824" y="1727359"/>
+            <a:ext cx="4324350" cy="1706153"/>
           </a:xfrm>
           <a:prstGeom prst="rect">
             <a:avLst/>
@@ -14541,10 +14796,10 @@
       </p:pic>
       <p:sp>
         <p:nvSpPr>
-          <p:cNvPr id="18" name="TextBox 17">
-            <a:extLst>
-              <a:ext uri="{FF2B5EF4-FFF2-40B4-BE49-F238E27FC236}">
-                <a16:creationId xmlns:a16="http://schemas.microsoft.com/office/drawing/2014/main" id="{40224104-A1AF-47B3-BE45-DD1B002A7F59}"/>
+          <p:cNvPr id="17" name="TextBox 16">
+            <a:extLst>
+              <a:ext uri="{FF2B5EF4-FFF2-40B4-BE49-F238E27FC236}">
+                <a16:creationId xmlns:a16="http://schemas.microsoft.com/office/drawing/2014/main" id="{45667212-6DFA-4680-ADAE-E80D955FA4E8}"/>
               </a:ext>
             </a:extLst>
           </p:cNvPr>
@@ -14553,8 +14808,8 @@
         </p:nvSpPr>
         <p:spPr>
           <a:xfrm>
-            <a:off x="7386901" y="2295622"/>
-            <a:ext cx="2350127" cy="338554"/>
+            <a:off x="2782699" y="3499968"/>
+            <a:ext cx="6626600" cy="461665"/>
           </a:xfrm>
           <a:prstGeom prst="rect">
             <a:avLst/>
@@ -14567,24 +14822,118 @@
           </a:bodyPr>
           <a:lstStyle/>
           <a:p>
-            <a:r>
-              <a:rPr lang="tr-TR" sz="1600" b="1" dirty="0" err="1"/>
-              <a:t>Module</a:t>
-            </a:r>
-            <a:r>
-              <a:rPr lang="tr-TR" sz="1600" b="1" dirty="0"/>
-              <a:t> 1</a:t>
-            </a:r>
-            <a:endParaRPr lang="en-US" sz="1600" b="1" dirty="0"/>
+            <a:pPr algn="ctr">
+              <a:spcAft>
+                <a:spcPts val="1200"/>
+              </a:spcAft>
+            </a:pPr>
+            <a:r>
+              <a:rPr lang="tr-TR" sz="2400" dirty="0">
+                <a:latin typeface="Adobe Heiti Std R" panose="020B0400000000000000" pitchFamily="34" charset="-128"/>
+                <a:ea typeface="Adobe Heiti Std R" panose="020B0400000000000000" pitchFamily="34" charset="-128"/>
+                <a:cs typeface="Times New Roman" panose="02020603050405020304" pitchFamily="18" charset="0"/>
+              </a:rPr>
+              <a:t>3 </a:t>
+            </a:r>
+            <a:r>
+              <a:rPr lang="tr-TR" sz="2400" dirty="0" err="1">
+                <a:latin typeface="Adobe Heiti Std R" panose="020B0400000000000000" pitchFamily="34" charset="-128"/>
+                <a:ea typeface="Adobe Heiti Std R" panose="020B0400000000000000" pitchFamily="34" charset="-128"/>
+                <a:cs typeface="Times New Roman" panose="02020603050405020304" pitchFamily="18" charset="0"/>
+              </a:rPr>
+              <a:t>level</a:t>
+            </a:r>
+            <a:r>
+              <a:rPr lang="tr-TR" sz="2400" dirty="0">
+                <a:latin typeface="Adobe Heiti Std R" panose="020B0400000000000000" pitchFamily="34" charset="-128"/>
+                <a:ea typeface="Adobe Heiti Std R" panose="020B0400000000000000" pitchFamily="34" charset="-128"/>
+                <a:cs typeface="Times New Roman" panose="02020603050405020304" pitchFamily="18" charset="0"/>
+              </a:rPr>
+              <a:t> 2 </a:t>
+            </a:r>
+            <a:r>
+              <a:rPr lang="tr-TR" sz="2400" dirty="0" err="1">
+                <a:latin typeface="Adobe Heiti Std R" panose="020B0400000000000000" pitchFamily="34" charset="-128"/>
+                <a:ea typeface="Adobe Heiti Std R" panose="020B0400000000000000" pitchFamily="34" charset="-128"/>
+                <a:cs typeface="Times New Roman" panose="02020603050405020304" pitchFamily="18" charset="0"/>
+              </a:rPr>
+              <a:t>parallel</a:t>
+            </a:r>
+            <a:r>
+              <a:rPr lang="tr-TR" sz="2400" dirty="0">
+                <a:latin typeface="Adobe Heiti Std R" panose="020B0400000000000000" pitchFamily="34" charset="-128"/>
+                <a:ea typeface="Adobe Heiti Std R" panose="020B0400000000000000" pitchFamily="34" charset="-128"/>
+                <a:cs typeface="Times New Roman" panose="02020603050405020304" pitchFamily="18" charset="0"/>
+              </a:rPr>
+              <a:t> NPC VSI </a:t>
+            </a:r>
+            <a:r>
+              <a:rPr lang="tr-TR" sz="2400" dirty="0" err="1">
+                <a:latin typeface="Adobe Heiti Std R" panose="020B0400000000000000" pitchFamily="34" charset="-128"/>
+                <a:ea typeface="Adobe Heiti Std R" panose="020B0400000000000000" pitchFamily="34" charset="-128"/>
+                <a:cs typeface="Times New Roman" panose="02020603050405020304" pitchFamily="18" charset="0"/>
+              </a:rPr>
+              <a:t>with</a:t>
+            </a:r>
+            <a:r>
+              <a:rPr lang="tr-TR" sz="2400" dirty="0">
+                <a:latin typeface="Adobe Heiti Std R" panose="020B0400000000000000" pitchFamily="34" charset="-128"/>
+                <a:ea typeface="Adobe Heiti Std R" panose="020B0400000000000000" pitchFamily="34" charset="-128"/>
+                <a:cs typeface="Times New Roman" panose="02020603050405020304" pitchFamily="18" charset="0"/>
+              </a:rPr>
+              <a:t> </a:t>
+            </a:r>
+            <a:r>
+              <a:rPr lang="tr-TR" sz="2400" dirty="0" err="1">
+                <a:latin typeface="Adobe Heiti Std R" panose="020B0400000000000000" pitchFamily="34" charset="-128"/>
+                <a:ea typeface="Adobe Heiti Std R" panose="020B0400000000000000" pitchFamily="34" charset="-128"/>
+                <a:cs typeface="Times New Roman" panose="02020603050405020304" pitchFamily="18" charset="0"/>
+              </a:rPr>
+              <a:t>GaN</a:t>
+            </a:r>
+            <a:endParaRPr lang="tr-TR" sz="2400" dirty="0">
+              <a:latin typeface="Adobe Heiti Std R" panose="020B0400000000000000" pitchFamily="34" charset="-128"/>
+              <a:ea typeface="Adobe Heiti Std R" panose="020B0400000000000000" pitchFamily="34" charset="-128"/>
+              <a:cs typeface="Times New Roman" panose="02020603050405020304" pitchFamily="18" charset="0"/>
+            </a:endParaRPr>
           </a:p>
         </p:txBody>
       </p:sp>
+      <p:pic>
+        <p:nvPicPr>
+          <p:cNvPr id="11" name="Picture 10">
+            <a:extLst>
+              <a:ext uri="{FF2B5EF4-FFF2-40B4-BE49-F238E27FC236}">
+                <a16:creationId xmlns:a16="http://schemas.microsoft.com/office/drawing/2014/main" id="{A11622C2-92A8-436A-9BF5-60DD8131750C}"/>
+              </a:ext>
+            </a:extLst>
+          </p:cNvPr>
+          <p:cNvPicPr>
+            <a:picLocks noChangeAspect="1"/>
+          </p:cNvPicPr>
+          <p:nvPr/>
+        </p:nvPicPr>
+        <p:blipFill rotWithShape="1">
+          <a:blip r:embed="rId6"/>
+          <a:srcRect l="15152" t="36058" r="13607" b="21519"/>
+          <a:stretch/>
+        </p:blipFill>
+        <p:spPr>
+          <a:xfrm>
+            <a:off x="3890454" y="4028089"/>
+            <a:ext cx="4000502" cy="2382236"/>
+          </a:xfrm>
+          <a:prstGeom prst="rect">
+            <a:avLst/>
+          </a:prstGeom>
+        </p:spPr>
+      </p:pic>
       <p:sp>
         <p:nvSpPr>
-          <p:cNvPr id="19" name="TextBox 18">
-            <a:extLst>
-              <a:ext uri="{FF2B5EF4-FFF2-40B4-BE49-F238E27FC236}">
-                <a16:creationId xmlns:a16="http://schemas.microsoft.com/office/drawing/2014/main" id="{498B2FA8-C9B4-442B-87C0-D53A59563905}"/>
+          <p:cNvPr id="21" name="TextBox 20">
+            <a:extLst>
+              <a:ext uri="{FF2B5EF4-FFF2-40B4-BE49-F238E27FC236}">
+                <a16:creationId xmlns:a16="http://schemas.microsoft.com/office/drawing/2014/main" id="{EDC12B0B-6B33-43E6-9FAF-52C4D858DDAA}"/>
               </a:ext>
             </a:extLst>
           </p:cNvPr>
@@ -14593,7 +14942,7 @@
         </p:nvSpPr>
         <p:spPr>
           <a:xfrm>
-            <a:off x="7386901" y="3252461"/>
+            <a:off x="7941814" y="2321535"/>
             <a:ext cx="2350127" cy="338554"/>
           </a:xfrm>
           <a:prstGeom prst="rect">
@@ -14609,11 +14958,11 @@
           <a:p>
             <a:r>
               <a:rPr lang="tr-TR" sz="1600" b="1" dirty="0" err="1"/>
-              <a:t>Module</a:t>
+              <a:t>Modules</a:t>
             </a:r>
             <a:r>
               <a:rPr lang="tr-TR" sz="1600" b="1" dirty="0"/>
-              <a:t> 2</a:t>
+              <a:t> 1,2,3,4</a:t>
             </a:r>
             <a:endParaRPr lang="en-US" sz="1600" b="1" dirty="0"/>
           </a:p>
@@ -14621,10 +14970,10 @@
       </p:sp>
       <p:sp>
         <p:nvSpPr>
-          <p:cNvPr id="22" name="TextBox 21">
-            <a:extLst>
-              <a:ext uri="{FF2B5EF4-FFF2-40B4-BE49-F238E27FC236}">
-                <a16:creationId xmlns:a16="http://schemas.microsoft.com/office/drawing/2014/main" id="{D9BBC37B-942A-4C98-91FE-94F225B5D219}"/>
+          <p:cNvPr id="24" name="TextBox 23">
+            <a:extLst>
+              <a:ext uri="{FF2B5EF4-FFF2-40B4-BE49-F238E27FC236}">
+                <a16:creationId xmlns:a16="http://schemas.microsoft.com/office/drawing/2014/main" id="{DADEB9D6-1717-4626-BD0D-06FDC7CC355E}"/>
               </a:ext>
             </a:extLst>
           </p:cNvPr>
@@ -14633,7 +14982,7 @@
         </p:nvSpPr>
         <p:spPr>
           <a:xfrm>
-            <a:off x="7386900" y="4119236"/>
+            <a:off x="7941813" y="4586077"/>
             <a:ext cx="2350127" cy="338554"/>
           </a:xfrm>
           <a:prstGeom prst="rect">
@@ -14649,11 +14998,11 @@
           <a:p>
             <a:r>
               <a:rPr lang="tr-TR" sz="1600" b="1" dirty="0" err="1"/>
-              <a:t>Module</a:t>
+              <a:t>Modules</a:t>
             </a:r>
             <a:r>
               <a:rPr lang="tr-TR" sz="1600" b="1" dirty="0"/>
-              <a:t> 3</a:t>
+              <a:t> 1,2</a:t>
             </a:r>
             <a:endParaRPr lang="en-US" sz="1600" b="1" dirty="0"/>
           </a:p>
@@ -14661,10 +15010,10 @@
       </p:sp>
       <p:sp>
         <p:nvSpPr>
-          <p:cNvPr id="26" name="TextBox 25">
-            <a:extLst>
-              <a:ext uri="{FF2B5EF4-FFF2-40B4-BE49-F238E27FC236}">
-                <a16:creationId xmlns:a16="http://schemas.microsoft.com/office/drawing/2014/main" id="{CEB30F3B-DC8D-424C-A0F3-4F3F7001B016}"/>
+          <p:cNvPr id="25" name="TextBox 24">
+            <a:extLst>
+              <a:ext uri="{FF2B5EF4-FFF2-40B4-BE49-F238E27FC236}">
+                <a16:creationId xmlns:a16="http://schemas.microsoft.com/office/drawing/2014/main" id="{518FD30C-7F08-439A-9331-4EDA16C7774D}"/>
               </a:ext>
             </a:extLst>
           </p:cNvPr>
@@ -14673,7 +15022,7 @@
         </p:nvSpPr>
         <p:spPr>
           <a:xfrm>
-            <a:off x="7386900" y="5063241"/>
+            <a:off x="7941813" y="5614987"/>
             <a:ext cx="2350127" cy="338554"/>
           </a:xfrm>
           <a:prstGeom prst="rect">
@@ -14689,11 +15038,11 @@
           <a:p>
             <a:r>
               <a:rPr lang="tr-TR" sz="1600" b="1" dirty="0" err="1"/>
-              <a:t>Module</a:t>
+              <a:t>Modules</a:t>
             </a:r>
             <a:r>
               <a:rPr lang="tr-TR" sz="1600" b="1" dirty="0"/>
-              <a:t> 4</a:t>
+              <a:t> 3,4</a:t>
             </a:r>
             <a:endParaRPr lang="en-US" sz="1600" b="1" dirty="0"/>
           </a:p>
@@ -14701,10 +15050,10 @@
       </p:sp>
       <p:sp>
         <p:nvSpPr>
-          <p:cNvPr id="28" name="Slide Number Placeholder 9">
-            <a:extLst>
-              <a:ext uri="{FF2B5EF4-FFF2-40B4-BE49-F238E27FC236}">
-                <a16:creationId xmlns:a16="http://schemas.microsoft.com/office/drawing/2014/main" id="{7E9BC755-2547-4E02-BF57-0DE1A56D0E3C}"/>
+          <p:cNvPr id="29" name="Slide Number Placeholder 9">
+            <a:extLst>
+              <a:ext uri="{FF2B5EF4-FFF2-40B4-BE49-F238E27FC236}">
+                <a16:creationId xmlns:a16="http://schemas.microsoft.com/office/drawing/2014/main" id="{804930DC-F461-4DF7-8194-FF0543420A9E}"/>
               </a:ext>
             </a:extLst>
           </p:cNvPr>
@@ -14740,7 +15089,7 @@
     </p:spTree>
     <p:extLst>
       <p:ext uri="{BB962C8B-B14F-4D97-AF65-F5344CB8AC3E}">
-        <p14:creationId xmlns:p14="http://schemas.microsoft.com/office/powerpoint/2010/main" val="3869247988"/>
+        <p14:creationId xmlns:p14="http://schemas.microsoft.com/office/powerpoint/2010/main" val="218358080"/>
       </p:ext>
     </p:extLst>
   </p:cSld>
@@ -14794,6 +15143,186 @@
                                   </p:childTnLst>
                                 </p:cTn>
                               </p:par>
+                              <p:par>
+                                <p:cTn id="7" presetID="1" presetClass="entr" presetSubtype="0" fill="hold" nodeType="withEffect">
+                                  <p:stCondLst>
+                                    <p:cond delay="0"/>
+                                  </p:stCondLst>
+                                  <p:childTnLst>
+                                    <p:set>
+                                      <p:cBhvr>
+                                        <p:cTn id="8" dur="1" fill="hold">
+                                          <p:stCondLst>
+                                            <p:cond delay="0"/>
+                                          </p:stCondLst>
+                                        </p:cTn>
+                                        <p:tgtEl>
+                                          <p:spTgt spid="8"/>
+                                        </p:tgtEl>
+                                        <p:attrNameLst>
+                                          <p:attrName>style.visibility</p:attrName>
+                                        </p:attrNameLst>
+                                      </p:cBhvr>
+                                      <p:to>
+                                        <p:strVal val="visible"/>
+                                      </p:to>
+                                    </p:set>
+                                  </p:childTnLst>
+                                </p:cTn>
+                              </p:par>
+                              <p:par>
+                                <p:cTn id="9" presetID="1" presetClass="entr" presetSubtype="0" fill="hold" grpId="0" nodeType="withEffect">
+                                  <p:stCondLst>
+                                    <p:cond delay="0"/>
+                                  </p:stCondLst>
+                                  <p:childTnLst>
+                                    <p:set>
+                                      <p:cBhvr>
+                                        <p:cTn id="10" dur="1" fill="hold">
+                                          <p:stCondLst>
+                                            <p:cond delay="0"/>
+                                          </p:stCondLst>
+                                        </p:cTn>
+                                        <p:tgtEl>
+                                          <p:spTgt spid="21"/>
+                                        </p:tgtEl>
+                                        <p:attrNameLst>
+                                          <p:attrName>style.visibility</p:attrName>
+                                        </p:attrNameLst>
+                                      </p:cBhvr>
+                                      <p:to>
+                                        <p:strVal val="visible"/>
+                                      </p:to>
+                                    </p:set>
+                                  </p:childTnLst>
+                                </p:cTn>
+                              </p:par>
+                            </p:childTnLst>
+                          </p:cTn>
+                        </p:par>
+                      </p:childTnLst>
+                    </p:cTn>
+                  </p:par>
+                  <p:par>
+                    <p:cTn id="11" fill="hold">
+                      <p:stCondLst>
+                        <p:cond delay="indefinite"/>
+                      </p:stCondLst>
+                      <p:childTnLst>
+                        <p:par>
+                          <p:cTn id="12" fill="hold">
+                            <p:stCondLst>
+                              <p:cond delay="0"/>
+                            </p:stCondLst>
+                            <p:childTnLst>
+                              <p:par>
+                                <p:cTn id="13" presetID="1" presetClass="entr" presetSubtype="0" fill="hold" grpId="0" nodeType="clickEffect">
+                                  <p:stCondLst>
+                                    <p:cond delay="0"/>
+                                  </p:stCondLst>
+                                  <p:childTnLst>
+                                    <p:set>
+                                      <p:cBhvr>
+                                        <p:cTn id="14" dur="1" fill="hold">
+                                          <p:stCondLst>
+                                            <p:cond delay="0"/>
+                                          </p:stCondLst>
+                                        </p:cTn>
+                                        <p:tgtEl>
+                                          <p:spTgt spid="17"/>
+                                        </p:tgtEl>
+                                        <p:attrNameLst>
+                                          <p:attrName>style.visibility</p:attrName>
+                                        </p:attrNameLst>
+                                      </p:cBhvr>
+                                      <p:to>
+                                        <p:strVal val="visible"/>
+                                      </p:to>
+                                    </p:set>
+                                  </p:childTnLst>
+                                </p:cTn>
+                              </p:par>
+                              <p:par>
+                                <p:cTn id="15" presetID="1" presetClass="entr" presetSubtype="0" fill="hold" nodeType="withEffect">
+                                  <p:stCondLst>
+                                    <p:cond delay="0"/>
+                                  </p:stCondLst>
+                                  <p:childTnLst>
+                                    <p:set>
+                                      <p:cBhvr>
+                                        <p:cTn id="16" dur="1" fill="hold">
+                                          <p:stCondLst>
+                                            <p:cond delay="0"/>
+                                          </p:stCondLst>
+                                        </p:cTn>
+                                        <p:tgtEl>
+                                          <p:spTgt spid="11"/>
+                                        </p:tgtEl>
+                                        <p:attrNameLst>
+                                          <p:attrName>style.visibility</p:attrName>
+                                        </p:attrNameLst>
+                                      </p:cBhvr>
+                                      <p:to>
+                                        <p:strVal val="visible"/>
+                                      </p:to>
+                                    </p:set>
+                                  </p:childTnLst>
+                                </p:cTn>
+                              </p:par>
+                              <p:par>
+                                <p:cTn id="17" presetID="1" presetClass="entr" presetSubtype="0" fill="hold" grpId="0" nodeType="withEffect">
+                                  <p:stCondLst>
+                                    <p:cond delay="0"/>
+                                  </p:stCondLst>
+                                  <p:childTnLst>
+                                    <p:set>
+                                      <p:cBhvr>
+                                        <p:cTn id="18" dur="1" fill="hold">
+                                          <p:stCondLst>
+                                            <p:cond delay="0"/>
+                                          </p:stCondLst>
+                                        </p:cTn>
+                                        <p:tgtEl>
+                                          <p:spTgt spid="24"/>
+                                        </p:tgtEl>
+                                        <p:attrNameLst>
+                                          <p:attrName>style.visibility</p:attrName>
+                                        </p:attrNameLst>
+                                      </p:cBhvr>
+                                      <p:to>
+                                        <p:strVal val="visible"/>
+                                      </p:to>
+                                    </p:set>
+                                  </p:childTnLst>
+                                </p:cTn>
+                              </p:par>
+                              <p:par>
+                                <p:cTn id="19" presetID="1" presetClass="entr" presetSubtype="0" fill="hold" grpId="0" nodeType="withEffect">
+                                  <p:stCondLst>
+                                    <p:cond delay="0"/>
+                                  </p:stCondLst>
+                                  <p:childTnLst>
+                                    <p:set>
+                                      <p:cBhvr>
+                                        <p:cTn id="20" dur="1" fill="hold">
+                                          <p:stCondLst>
+                                            <p:cond delay="0"/>
+                                          </p:stCondLst>
+                                        </p:cTn>
+                                        <p:tgtEl>
+                                          <p:spTgt spid="25"/>
+                                        </p:tgtEl>
+                                        <p:attrNameLst>
+                                          <p:attrName>style.visibility</p:attrName>
+                                        </p:attrNameLst>
+                                      </p:cBhvr>
+                                      <p:to>
+                                        <p:strVal val="visible"/>
+                                      </p:to>
+                                    </p:set>
+                                  </p:childTnLst>
+                                </p:cTn>
+                              </p:par>
                             </p:childTnLst>
                           </p:cTn>
                         </p:par>
@@ -14823,6 +15352,10 @@
     </p:tnLst>
     <p:bldLst>
       <p:bldP spid="20" grpId="0"/>
+      <p:bldP spid="17" grpId="0"/>
+      <p:bldP spid="21" grpId="0"/>
+      <p:bldP spid="24" grpId="0"/>
+      <p:bldP spid="25" grpId="0"/>
     </p:bldLst>
   </p:timing>
 </p:sld>

--- a/Paper/PEMC 2018/presentation/PEMC_2018_presentation.pptx
+++ b/Paper/PEMC 2018/presentation/PEMC_2018_presentation.pptx
@@ -4864,7 +4864,7 @@
         <p:spPr>
           <a:xfrm>
             <a:off x="2284927" y="4267786"/>
-            <a:ext cx="7622144" cy="1508105"/>
+            <a:ext cx="7622144" cy="1415772"/>
           </a:xfrm>
           <a:prstGeom prst="rect">
             <a:avLst/>
@@ -4880,25 +4880,11 @@
             <a:pPr algn="ctr"/>
             <a:r>
               <a:rPr lang="tr-TR" sz="2600" dirty="0">
-                <a:latin typeface="Adobe Heiti Std R" panose="020B0400000000000000" pitchFamily="34" charset="-128"/>
-                <a:ea typeface="Adobe Heiti Std R" panose="020B0400000000000000" pitchFamily="34" charset="-128"/>
-                <a:cs typeface="Times New Roman" panose="02020603050405020304" pitchFamily="18" charset="0"/>
-              </a:rPr>
-              <a:t>Hakan SARA</a:t>
-            </a:r>
-            <a:r>
-              <a:rPr lang="tr-TR" sz="3200" dirty="0">
-                <a:latin typeface="Adobe Heiti Std R" panose="020B0400000000000000" pitchFamily="34" charset="-128"/>
-                <a:ea typeface="Adobe Heiti Std R" panose="020B0400000000000000" pitchFamily="34" charset="-128"/>
-                <a:cs typeface="Times New Roman" panose="02020603050405020304" pitchFamily="18" charset="0"/>
-              </a:rPr>
-              <a:t>Ç</a:t>
-            </a:r>
-            <a:endParaRPr lang="tr-TR" sz="2600" dirty="0">
-              <a:latin typeface="Adobe Heiti Std R" panose="020B0400000000000000" pitchFamily="34" charset="-128"/>
-              <a:ea typeface="Adobe Heiti Std R" panose="020B0400000000000000" pitchFamily="34" charset="-128"/>
-              <a:cs typeface="Times New Roman" panose="02020603050405020304" pitchFamily="18" charset="0"/>
-            </a:endParaRPr>
+                <a:ea typeface="Adobe Heiti Std R" panose="020B0400000000000000" pitchFamily="34" charset="-128"/>
+                <a:cs typeface="Times New Roman" panose="02020603050405020304" pitchFamily="18" charset="0"/>
+              </a:rPr>
+              <a:t>Hakan Saraç</a:t>
+            </a:r>
           </a:p>
           <a:p>
             <a:pPr algn="ctr"/>
@@ -5974,196 +5960,6 @@
   <p:clrMapOvr>
     <a:masterClrMapping/>
   </p:clrMapOvr>
-  <p:timing>
-    <p:tnLst>
-      <p:par>
-        <p:cTn id="1" dur="indefinite" restart="never" nodeType="tmRoot">
-          <p:childTnLst>
-            <p:seq concurrent="1" nextAc="seek">
-              <p:cTn id="2" dur="indefinite" nodeType="mainSeq">
-                <p:childTnLst>
-                  <p:par>
-                    <p:cTn id="3" fill="hold">
-                      <p:stCondLst>
-                        <p:cond delay="indefinite"/>
-                      </p:stCondLst>
-                      <p:childTnLst>
-                        <p:par>
-                          <p:cTn id="4" fill="hold">
-                            <p:stCondLst>
-                              <p:cond delay="0"/>
-                            </p:stCondLst>
-                            <p:childTnLst>
-                              <p:par>
-                                <p:cTn id="5" presetID="1" presetClass="entr" presetSubtype="0" fill="hold" grpId="0" nodeType="clickEffect">
-                                  <p:stCondLst>
-                                    <p:cond delay="0"/>
-                                  </p:stCondLst>
-                                  <p:childTnLst>
-                                    <p:set>
-                                      <p:cBhvr>
-                                        <p:cTn id="6" dur="1" fill="hold">
-                                          <p:stCondLst>
-                                            <p:cond delay="0"/>
-                                          </p:stCondLst>
-                                        </p:cTn>
-                                        <p:tgtEl>
-                                          <p:spTgt spid="13"/>
-                                        </p:tgtEl>
-                                        <p:attrNameLst>
-                                          <p:attrName>style.visibility</p:attrName>
-                                        </p:attrNameLst>
-                                      </p:cBhvr>
-                                      <p:to>
-                                        <p:strVal val="visible"/>
-                                      </p:to>
-                                    </p:set>
-                                  </p:childTnLst>
-                                </p:cTn>
-                              </p:par>
-                              <p:par>
-                                <p:cTn id="7" presetID="1" presetClass="entr" presetSubtype="0" fill="hold" grpId="0" nodeType="withEffect">
-                                  <p:stCondLst>
-                                    <p:cond delay="0"/>
-                                  </p:stCondLst>
-                                  <p:childTnLst>
-                                    <p:set>
-                                      <p:cBhvr>
-                                        <p:cTn id="8" dur="1" fill="hold">
-                                          <p:stCondLst>
-                                            <p:cond delay="0"/>
-                                          </p:stCondLst>
-                                        </p:cTn>
-                                        <p:tgtEl>
-                                          <p:spTgt spid="10"/>
-                                        </p:tgtEl>
-                                        <p:attrNameLst>
-                                          <p:attrName>style.visibility</p:attrName>
-                                        </p:attrNameLst>
-                                      </p:cBhvr>
-                                      <p:to>
-                                        <p:strVal val="visible"/>
-                                      </p:to>
-                                    </p:set>
-                                  </p:childTnLst>
-                                </p:cTn>
-                              </p:par>
-                              <p:par>
-                                <p:cTn id="9" presetID="1" presetClass="entr" presetSubtype="0" fill="hold" grpId="0" nodeType="withEffect">
-                                  <p:stCondLst>
-                                    <p:cond delay="0"/>
-                                  </p:stCondLst>
-                                  <p:childTnLst>
-                                    <p:set>
-                                      <p:cBhvr>
-                                        <p:cTn id="10" dur="1" fill="hold">
-                                          <p:stCondLst>
-                                            <p:cond delay="0"/>
-                                          </p:stCondLst>
-                                        </p:cTn>
-                                        <p:tgtEl>
-                                          <p:spTgt spid="11"/>
-                                        </p:tgtEl>
-                                        <p:attrNameLst>
-                                          <p:attrName>style.visibility</p:attrName>
-                                        </p:attrNameLst>
-                                      </p:cBhvr>
-                                      <p:to>
-                                        <p:strVal val="visible"/>
-                                      </p:to>
-                                    </p:set>
-                                  </p:childTnLst>
-                                </p:cTn>
-                              </p:par>
-                              <p:par>
-                                <p:cTn id="11" presetID="1" presetClass="entr" presetSubtype="0" fill="hold" grpId="0" nodeType="withEffect">
-                                  <p:stCondLst>
-                                    <p:cond delay="0"/>
-                                  </p:stCondLst>
-                                  <p:childTnLst>
-                                    <p:set>
-                                      <p:cBhvr>
-                                        <p:cTn id="12" dur="1" fill="hold">
-                                          <p:stCondLst>
-                                            <p:cond delay="0"/>
-                                          </p:stCondLst>
-                                        </p:cTn>
-                                        <p:tgtEl>
-                                          <p:spTgt spid="14"/>
-                                        </p:tgtEl>
-                                        <p:attrNameLst>
-                                          <p:attrName>style.visibility</p:attrName>
-                                        </p:attrNameLst>
-                                      </p:cBhvr>
-                                      <p:to>
-                                        <p:strVal val="visible"/>
-                                      </p:to>
-                                    </p:set>
-                                  </p:childTnLst>
-                                </p:cTn>
-                              </p:par>
-                              <p:par>
-                                <p:cTn id="13" presetID="1" presetClass="entr" presetSubtype="0" fill="hold" grpId="0" nodeType="withEffect">
-                                  <p:stCondLst>
-                                    <p:cond delay="0"/>
-                                  </p:stCondLst>
-                                  <p:childTnLst>
-                                    <p:set>
-                                      <p:cBhvr>
-                                        <p:cTn id="14" dur="1" fill="hold">
-                                          <p:stCondLst>
-                                            <p:cond delay="0"/>
-                                          </p:stCondLst>
-                                        </p:cTn>
-                                        <p:tgtEl>
-                                          <p:spTgt spid="15"/>
-                                        </p:tgtEl>
-                                        <p:attrNameLst>
-                                          <p:attrName>style.visibility</p:attrName>
-                                        </p:attrNameLst>
-                                      </p:cBhvr>
-                                      <p:to>
-                                        <p:strVal val="visible"/>
-                                      </p:to>
-                                    </p:set>
-                                  </p:childTnLst>
-                                </p:cTn>
-                              </p:par>
-                            </p:childTnLst>
-                          </p:cTn>
-                        </p:par>
-                      </p:childTnLst>
-                    </p:cTn>
-                  </p:par>
-                </p:childTnLst>
-              </p:cTn>
-              <p:prevCondLst>
-                <p:cond evt="onPrev" delay="0">
-                  <p:tgtEl>
-                    <p:sldTgt/>
-                  </p:tgtEl>
-                </p:cond>
-              </p:prevCondLst>
-              <p:nextCondLst>
-                <p:cond evt="onNext" delay="0">
-                  <p:tgtEl>
-                    <p:sldTgt/>
-                  </p:tgtEl>
-                </p:cond>
-              </p:nextCondLst>
-            </p:seq>
-          </p:childTnLst>
-        </p:cTn>
-      </p:par>
-    </p:tnLst>
-    <p:bldLst>
-      <p:bldP spid="10" grpId="0"/>
-      <p:bldP spid="11" grpId="0"/>
-      <p:bldP spid="13" grpId="0"/>
-      <p:bldP spid="14" grpId="0"/>
-      <p:bldP spid="15" grpId="0"/>
-    </p:bldLst>
-  </p:timing>
 </p:sld>
 </file>
 
@@ -7187,7 +6983,7 @@
         <p:spPr>
           <a:xfrm>
             <a:off x="2284927" y="4267786"/>
-            <a:ext cx="7622144" cy="1508105"/>
+            <a:ext cx="7622144" cy="1446550"/>
           </a:xfrm>
           <a:prstGeom prst="rect">
             <a:avLst/>
@@ -7203,25 +6999,11 @@
             <a:pPr algn="ctr"/>
             <a:r>
               <a:rPr lang="tr-TR" sz="2600" dirty="0">
-                <a:latin typeface="Adobe Heiti Std R" panose="020B0400000000000000" pitchFamily="34" charset="-128"/>
-                <a:ea typeface="Adobe Heiti Std R" panose="020B0400000000000000" pitchFamily="34" charset="-128"/>
-                <a:cs typeface="Times New Roman" panose="02020603050405020304" pitchFamily="18" charset="0"/>
-              </a:rPr>
-              <a:t>Hakan SARA</a:t>
-            </a:r>
-            <a:r>
-              <a:rPr lang="tr-TR" sz="3200" dirty="0">
-                <a:latin typeface="Adobe Heiti Std R" panose="020B0400000000000000" pitchFamily="34" charset="-128"/>
-                <a:ea typeface="Adobe Heiti Std R" panose="020B0400000000000000" pitchFamily="34" charset="-128"/>
-                <a:cs typeface="Times New Roman" panose="02020603050405020304" pitchFamily="18" charset="0"/>
-              </a:rPr>
-              <a:t>Ç</a:t>
-            </a:r>
-            <a:endParaRPr lang="tr-TR" sz="2600" dirty="0">
-              <a:latin typeface="Adobe Heiti Std R" panose="020B0400000000000000" pitchFamily="34" charset="-128"/>
-              <a:ea typeface="Adobe Heiti Std R" panose="020B0400000000000000" pitchFamily="34" charset="-128"/>
-              <a:cs typeface="Times New Roman" panose="02020603050405020304" pitchFamily="18" charset="0"/>
-            </a:endParaRPr>
+                <a:ea typeface="Adobe Heiti Std R" panose="020B0400000000000000" pitchFamily="34" charset="-128"/>
+                <a:cs typeface="Times New Roman" panose="02020603050405020304" pitchFamily="18" charset="0"/>
+              </a:rPr>
+              <a:t>Hakan Saraç</a:t>
+            </a:r>
           </a:p>
           <a:p>
             <a:pPr algn="ctr"/>

--- a/Paper/PEMC 2018/presentation/PEMC_2018_presentation.pptx
+++ b/Paper/PEMC 2018/presentation/PEMC_2018_presentation.pptx
@@ -990,7 +990,7 @@
           <a:p>
             <a:fld id="{677260CE-44B3-4E71-A71B-E0F845278927}" type="slidenum">
               <a:rPr lang="en-US" smtClean="0"/>
-              <a:t>10</a:t>
+              <a:t>7</a:t>
             </a:fld>
             <a:endParaRPr lang="en-US"/>
           </a:p>
@@ -999,7 +999,7 @@
     </p:spTree>
     <p:extLst>
       <p:ext uri="{BB962C8B-B14F-4D97-AF65-F5344CB8AC3E}">
-        <p14:creationId xmlns:p14="http://schemas.microsoft.com/office/powerpoint/2010/main" val="4278452090"/>
+        <p14:creationId xmlns:p14="http://schemas.microsoft.com/office/powerpoint/2010/main" val="3405072139"/>
       </p:ext>
     </p:extLst>
   </p:cSld>
@@ -1074,7 +1074,7 @@
           <a:p>
             <a:fld id="{677260CE-44B3-4E71-A71B-E0F845278927}" type="slidenum">
               <a:rPr lang="en-US" smtClean="0"/>
-              <a:t>11</a:t>
+              <a:t>10</a:t>
             </a:fld>
             <a:endParaRPr lang="en-US"/>
           </a:p>
@@ -1083,7 +1083,7 @@
     </p:spTree>
     <p:extLst>
       <p:ext uri="{BB962C8B-B14F-4D97-AF65-F5344CB8AC3E}">
-        <p14:creationId xmlns:p14="http://schemas.microsoft.com/office/powerpoint/2010/main" val="4268545088"/>
+        <p14:creationId xmlns:p14="http://schemas.microsoft.com/office/powerpoint/2010/main" val="4278452090"/>
       </p:ext>
     </p:extLst>
   </p:cSld>
@@ -1158,6 +1158,90 @@
           <a:p>
             <a:fld id="{677260CE-44B3-4E71-A71B-E0F845278927}" type="slidenum">
               <a:rPr lang="en-US" smtClean="0"/>
+              <a:t>11</a:t>
+            </a:fld>
+            <a:endParaRPr lang="en-US"/>
+          </a:p>
+        </p:txBody>
+      </p:sp>
+    </p:spTree>
+    <p:extLst>
+      <p:ext uri="{BB962C8B-B14F-4D97-AF65-F5344CB8AC3E}">
+        <p14:creationId xmlns:p14="http://schemas.microsoft.com/office/powerpoint/2010/main" val="4268545088"/>
+      </p:ext>
+    </p:extLst>
+  </p:cSld>
+  <p:clrMapOvr>
+    <a:masterClrMapping/>
+  </p:clrMapOvr>
+</p:notes>
+</file>
+
+<file path=ppt/notesSlides/notesSlide6.xml><?xml version="1.0" encoding="utf-8"?>
+<p:notes xmlns:a="http://schemas.openxmlformats.org/drawingml/2006/main" xmlns:r="http://schemas.openxmlformats.org/officeDocument/2006/relationships" xmlns:p="http://schemas.openxmlformats.org/presentationml/2006/main">
+  <p:cSld>
+    <p:spTree>
+      <p:nvGrpSpPr>
+        <p:cNvPr id="1" name=""/>
+        <p:cNvGrpSpPr/>
+        <p:nvPr/>
+      </p:nvGrpSpPr>
+      <p:grpSpPr>
+        <a:xfrm>
+          <a:off x="0" y="0"/>
+          <a:ext cx="0" cy="0"/>
+          <a:chOff x="0" y="0"/>
+          <a:chExt cx="0" cy="0"/>
+        </a:xfrm>
+      </p:grpSpPr>
+      <p:sp>
+        <p:nvSpPr>
+          <p:cNvPr id="2" name="Slide Image Placeholder 1"/>
+          <p:cNvSpPr>
+            <a:spLocks noGrp="1" noRot="1" noChangeAspect="1"/>
+          </p:cNvSpPr>
+          <p:nvPr>
+            <p:ph type="sldImg"/>
+          </p:nvPr>
+        </p:nvSpPr>
+        <p:spPr/>
+      </p:sp>
+      <p:sp>
+        <p:nvSpPr>
+          <p:cNvPr id="3" name="Notes Placeholder 2"/>
+          <p:cNvSpPr>
+            <a:spLocks noGrp="1"/>
+          </p:cNvSpPr>
+          <p:nvPr>
+            <p:ph type="body" idx="1"/>
+          </p:nvPr>
+        </p:nvSpPr>
+        <p:spPr/>
+        <p:txBody>
+          <a:bodyPr/>
+          <a:lstStyle/>
+          <a:p>
+            <a:endParaRPr lang="en-US" dirty="0"/>
+          </a:p>
+        </p:txBody>
+      </p:sp>
+      <p:sp>
+        <p:nvSpPr>
+          <p:cNvPr id="4" name="Slide Number Placeholder 3"/>
+          <p:cNvSpPr>
+            <a:spLocks noGrp="1"/>
+          </p:cNvSpPr>
+          <p:nvPr>
+            <p:ph type="sldNum" sz="quarter" idx="10"/>
+          </p:nvPr>
+        </p:nvSpPr>
+        <p:spPr/>
+        <p:txBody>
+          <a:bodyPr/>
+          <a:lstStyle/>
+          <a:p>
+            <a:fld id="{677260CE-44B3-4E71-A71B-E0F845278927}" type="slidenum">
+              <a:rPr lang="en-US" smtClean="0"/>
               <a:t>12</a:t>
             </a:fld>
             <a:endParaRPr lang="en-US"/>
@@ -1177,7 +1261,7 @@
 </p:notes>
 </file>
 
-<file path=ppt/notesSlides/notesSlide6.xml><?xml version="1.0" encoding="utf-8"?>
+<file path=ppt/notesSlides/notesSlide7.xml><?xml version="1.0" encoding="utf-8"?>
 <p:notes xmlns:a="http://schemas.openxmlformats.org/drawingml/2006/main" xmlns:r="http://schemas.openxmlformats.org/officeDocument/2006/relationships" xmlns:p="http://schemas.openxmlformats.org/presentationml/2006/main">
   <p:cSld>
     <p:spTree>
@@ -12394,7 +12478,7 @@
           <p:nvPr/>
         </p:nvPicPr>
         <p:blipFill>
-          <a:blip r:embed="rId2" cstate="print">
+          <a:blip r:embed="rId3" cstate="print">
             <a:extLst>
               <a:ext uri="{28A0092B-C50C-407E-A947-70E740481C1C}">
                 <a14:useLocalDpi xmlns:a14="http://schemas.microsoft.com/office/drawing/2010/main" val="0"/>
@@ -12439,7 +12523,7 @@
           <p:nvPr/>
         </p:nvPicPr>
         <p:blipFill rotWithShape="1">
-          <a:blip r:embed="rId3" cstate="print">
+          <a:blip r:embed="rId4" cstate="print">
             <a:extLst>
               <a:ext uri="{28A0092B-C50C-407E-A947-70E740481C1C}">
                 <a14:useLocalDpi xmlns:a14="http://schemas.microsoft.com/office/drawing/2010/main" val="0"/>
@@ -12490,7 +12574,7 @@
           <p:nvPr/>
         </p:nvPicPr>
         <p:blipFill>
-          <a:blip r:embed="rId4" cstate="print">
+          <a:blip r:embed="rId5" cstate="print">
             <a:extLst>
               <a:ext uri="{28A0092B-C50C-407E-A947-70E740481C1C}">
                 <a14:useLocalDpi xmlns:a14="http://schemas.microsoft.com/office/drawing/2010/main" val="0"/>
@@ -12632,7 +12716,7 @@
           <p:nvPr/>
         </p:nvPicPr>
         <p:blipFill rotWithShape="1">
-          <a:blip r:embed="rId5"/>
+          <a:blip r:embed="rId6"/>
           <a:srcRect l="13346" t="34667" r="13869" b="38353"/>
           <a:stretch/>
         </p:blipFill>
@@ -12661,7 +12745,7 @@
           <p:nvPr/>
         </p:nvPicPr>
         <p:blipFill rotWithShape="1">
-          <a:blip r:embed="rId6"/>
+          <a:blip r:embed="rId7"/>
           <a:srcRect l="26780" t="12649" r="42426" b="30168"/>
           <a:stretch/>
         </p:blipFill>
@@ -13023,6 +13107,86 @@
               <a:t>/15</a:t>
             </a:r>
             <a:endParaRPr lang="en-US" dirty="0"/>
+          </a:p>
+        </p:txBody>
+      </p:sp>
+      <p:sp>
+        <p:nvSpPr>
+          <p:cNvPr id="22" name="TextBox 21">
+            <a:extLst>
+              <a:ext uri="{FF2B5EF4-FFF2-40B4-BE49-F238E27FC236}">
+                <a16:creationId xmlns:a16="http://schemas.microsoft.com/office/drawing/2014/main" id="{CDFBC8B1-54AD-4C63-ACEF-02DE7C00AEA6}"/>
+              </a:ext>
+            </a:extLst>
+          </p:cNvPr>
+          <p:cNvSpPr txBox="1"/>
+          <p:nvPr/>
+        </p:nvSpPr>
+        <p:spPr>
+          <a:xfrm>
+            <a:off x="2846271" y="2137139"/>
+            <a:ext cx="1012300" cy="338554"/>
+          </a:xfrm>
+          <a:prstGeom prst="rect">
+            <a:avLst/>
+          </a:prstGeom>
+          <a:noFill/>
+        </p:spPr>
+        <p:txBody>
+          <a:bodyPr wrap="square" rtlCol="0">
+            <a:spAutoFit/>
+          </a:bodyPr>
+          <a:lstStyle/>
+          <a:p>
+            <a:r>
+              <a:rPr lang="tr-TR" sz="1600" b="1" dirty="0"/>
+              <a:t>540 </a:t>
+            </a:r>
+            <a:r>
+              <a:rPr lang="tr-TR" sz="1600" b="1" dirty="0" err="1"/>
+              <a:t>Vdc</a:t>
+            </a:r>
+            <a:endParaRPr lang="en-US" sz="1600" b="1" dirty="0"/>
+          </a:p>
+        </p:txBody>
+      </p:sp>
+      <p:sp>
+        <p:nvSpPr>
+          <p:cNvPr id="23" name="TextBox 22">
+            <a:extLst>
+              <a:ext uri="{FF2B5EF4-FFF2-40B4-BE49-F238E27FC236}">
+                <a16:creationId xmlns:a16="http://schemas.microsoft.com/office/drawing/2014/main" id="{37BA6419-2597-45DD-BCA3-D7BB08F51F05}"/>
+              </a:ext>
+            </a:extLst>
+          </p:cNvPr>
+          <p:cNvSpPr txBox="1"/>
+          <p:nvPr/>
+        </p:nvSpPr>
+        <p:spPr>
+          <a:xfrm>
+            <a:off x="2898659" y="4939035"/>
+            <a:ext cx="1012300" cy="338554"/>
+          </a:xfrm>
+          <a:prstGeom prst="rect">
+            <a:avLst/>
+          </a:prstGeom>
+          <a:noFill/>
+        </p:spPr>
+        <p:txBody>
+          <a:bodyPr wrap="square" rtlCol="0">
+            <a:spAutoFit/>
+          </a:bodyPr>
+          <a:lstStyle/>
+          <a:p>
+            <a:r>
+              <a:rPr lang="tr-TR" sz="1600" b="1" dirty="0"/>
+              <a:t>540 </a:t>
+            </a:r>
+            <a:r>
+              <a:rPr lang="tr-TR" sz="1600" b="1" dirty="0" err="1"/>
+              <a:t>Vdc</a:t>
+            </a:r>
+            <a:endParaRPr lang="en-US" sz="1600" b="1" dirty="0"/>
           </a:p>
         </p:txBody>
       </p:sp>
@@ -13124,6 +13288,33 @@
                                           </p:stCondLst>
                                         </p:cTn>
                                         <p:tgtEl>
+                                          <p:spTgt spid="22"/>
+                                        </p:tgtEl>
+                                        <p:attrNameLst>
+                                          <p:attrName>style.visibility</p:attrName>
+                                        </p:attrNameLst>
+                                      </p:cBhvr>
+                                      <p:to>
+                                        <p:strVal val="visible"/>
+                                      </p:to>
+                                    </p:set>
+                                  </p:childTnLst>
+                                </p:cTn>
+                              </p:par>
+                              <p:par>
+                                <p:cTn id="11" presetID="1" presetClass="entr" presetSubtype="0" fill="hold" grpId="0" nodeType="withEffect">
+                                  <p:stCondLst>
+                                    <p:cond delay="0"/>
+                                  </p:stCondLst>
+                                  <p:childTnLst>
+                                    <p:set>
+                                      <p:cBhvr>
+                                        <p:cTn id="12" dur="1" fill="hold">
+                                          <p:stCondLst>
+                                            <p:cond delay="0"/>
+                                          </p:stCondLst>
+                                        </p:cTn>
+                                        <p:tgtEl>
                                           <p:spTgt spid="15"/>
                                         </p:tgtEl>
                                         <p:attrNameLst>
@@ -13144,26 +13335,26 @@
                     </p:cTn>
                   </p:par>
                   <p:par>
-                    <p:cTn id="11" fill="hold">
+                    <p:cTn id="13" fill="hold">
                       <p:stCondLst>
                         <p:cond delay="indefinite"/>
                       </p:stCondLst>
                       <p:childTnLst>
                         <p:par>
-                          <p:cTn id="12" fill="hold">
+                          <p:cTn id="14" fill="hold">
                             <p:stCondLst>
                               <p:cond delay="0"/>
                             </p:stCondLst>
                             <p:childTnLst>
                               <p:par>
-                                <p:cTn id="13" presetID="1" presetClass="entr" presetSubtype="0" fill="hold" grpId="0" nodeType="clickEffect">
+                                <p:cTn id="15" presetID="1" presetClass="entr" presetSubtype="0" fill="hold" grpId="0" nodeType="clickEffect">
                                   <p:stCondLst>
                                     <p:cond delay="0"/>
                                   </p:stCondLst>
                                   <p:childTnLst>
                                     <p:set>
                                       <p:cBhvr>
-                                        <p:cTn id="14" dur="1" fill="hold">
+                                        <p:cTn id="16" dur="1" fill="hold">
                                           <p:stCondLst>
                                             <p:cond delay="0"/>
                                           </p:stCondLst>
@@ -13183,34 +13374,7 @@
                                 </p:cTn>
                               </p:par>
                               <p:par>
-                                <p:cTn id="15" presetID="1" presetClass="entr" presetSubtype="0" fill="hold" nodeType="withEffect">
-                                  <p:stCondLst>
-                                    <p:cond delay="0"/>
-                                  </p:stCondLst>
-                                  <p:childTnLst>
-                                    <p:set>
-                                      <p:cBhvr>
-                                        <p:cTn id="16" dur="1" fill="hold">
-                                          <p:stCondLst>
-                                            <p:cond delay="0"/>
-                                          </p:stCondLst>
-                                        </p:cTn>
-                                        <p:tgtEl>
-                                          <p:spTgt spid="10"/>
-                                        </p:tgtEl>
-                                        <p:attrNameLst>
-                                          <p:attrName>style.visibility</p:attrName>
-                                        </p:attrNameLst>
-                                      </p:cBhvr>
-                                      <p:to>
-                                        <p:strVal val="visible"/>
-                                      </p:to>
-                                    </p:set>
-                                  </p:childTnLst>
-                                </p:cTn>
-                              </p:par>
-                              <p:par>
-                                <p:cTn id="17" presetID="1" presetClass="entr" presetSubtype="0" fill="hold" grpId="0" nodeType="withEffect">
+                                <p:cTn id="17" presetID="1" presetClass="entr" presetSubtype="0" fill="hold" nodeType="withEffect">
                                   <p:stCondLst>
                                     <p:cond delay="0"/>
                                   </p:stCondLst>
@@ -13223,7 +13387,7 @@
                                           </p:stCondLst>
                                         </p:cTn>
                                         <p:tgtEl>
-                                          <p:spTgt spid="16"/>
+                                          <p:spTgt spid="10"/>
                                         </p:tgtEl>
                                         <p:attrNameLst>
                                           <p:attrName>style.visibility</p:attrName>
@@ -13250,7 +13414,61 @@
                                           </p:stCondLst>
                                         </p:cTn>
                                         <p:tgtEl>
+                                          <p:spTgt spid="16"/>
+                                        </p:tgtEl>
+                                        <p:attrNameLst>
+                                          <p:attrName>style.visibility</p:attrName>
+                                        </p:attrNameLst>
+                                      </p:cBhvr>
+                                      <p:to>
+                                        <p:strVal val="visible"/>
+                                      </p:to>
+                                    </p:set>
+                                  </p:childTnLst>
+                                </p:cTn>
+                              </p:par>
+                              <p:par>
+                                <p:cTn id="21" presetID="1" presetClass="entr" presetSubtype="0" fill="hold" grpId="0" nodeType="withEffect">
+                                  <p:stCondLst>
+                                    <p:cond delay="0"/>
+                                  </p:stCondLst>
+                                  <p:childTnLst>
+                                    <p:set>
+                                      <p:cBhvr>
+                                        <p:cTn id="22" dur="1" fill="hold">
+                                          <p:stCondLst>
+                                            <p:cond delay="0"/>
+                                          </p:stCondLst>
+                                        </p:cTn>
+                                        <p:tgtEl>
                                           <p:spTgt spid="17"/>
+                                        </p:tgtEl>
+                                        <p:attrNameLst>
+                                          <p:attrName>style.visibility</p:attrName>
+                                        </p:attrNameLst>
+                                      </p:cBhvr>
+                                      <p:to>
+                                        <p:strVal val="visible"/>
+                                      </p:to>
+                                    </p:set>
+                                  </p:childTnLst>
+                                </p:cTn>
+                              </p:par>
+                              <p:par>
+                                <p:cTn id="23" presetID="1" presetClass="entr" presetSubtype="0" fill="hold" grpId="0" nodeType="withEffect">
+                                  <p:stCondLst>
+                                    <p:cond delay="0"/>
+                                  </p:stCondLst>
+                                  <p:childTnLst>
+                                    <p:set>
+                                      <p:cBhvr>
+                                        <p:cTn id="24" dur="1" fill="hold">
+                                          <p:stCondLst>
+                                            <p:cond delay="0"/>
+                                          </p:stCondLst>
+                                        </p:cTn>
+                                        <p:tgtEl>
+                                          <p:spTgt spid="23"/>
                                         </p:tgtEl>
                                         <p:attrNameLst>
                                           <p:attrName>style.visibility</p:attrName>
@@ -13296,6 +13514,8 @@
       <p:bldP spid="17" grpId="0"/>
       <p:bldP spid="20" grpId="0"/>
       <p:bldP spid="21" grpId="0"/>
+      <p:bldP spid="22" grpId="0"/>
+      <p:bldP spid="23" grpId="0"/>
     </p:bldLst>
   </p:timing>
 </p:sld>
@@ -13927,6 +14147,46 @@
               <a:t>/15</a:t>
             </a:r>
             <a:endParaRPr lang="en-US" dirty="0"/>
+          </a:p>
+        </p:txBody>
+      </p:sp>
+      <p:sp>
+        <p:nvSpPr>
+          <p:cNvPr id="16" name="TextBox 15">
+            <a:extLst>
+              <a:ext uri="{FF2B5EF4-FFF2-40B4-BE49-F238E27FC236}">
+                <a16:creationId xmlns:a16="http://schemas.microsoft.com/office/drawing/2014/main" id="{6C5DA19D-F8D2-4573-87DC-C0285BC1092F}"/>
+              </a:ext>
+            </a:extLst>
+          </p:cNvPr>
+          <p:cNvSpPr txBox="1"/>
+          <p:nvPr/>
+        </p:nvSpPr>
+        <p:spPr>
+          <a:xfrm>
+            <a:off x="3518075" y="3697866"/>
+            <a:ext cx="1012300" cy="338554"/>
+          </a:xfrm>
+          <a:prstGeom prst="rect">
+            <a:avLst/>
+          </a:prstGeom>
+          <a:noFill/>
+        </p:spPr>
+        <p:txBody>
+          <a:bodyPr wrap="square" rtlCol="0">
+            <a:spAutoFit/>
+          </a:bodyPr>
+          <a:lstStyle/>
+          <a:p>
+            <a:r>
+              <a:rPr lang="tr-TR" sz="1600" b="1" dirty="0"/>
+              <a:t>540 </a:t>
+            </a:r>
+            <a:r>
+              <a:rPr lang="tr-TR" sz="1600" b="1" dirty="0" err="1"/>
+              <a:t>Vdc</a:t>
+            </a:r>
+            <a:endParaRPr lang="en-US" sz="1600" b="1" dirty="0"/>
           </a:p>
         </p:txBody>
       </p:sp>
@@ -14140,6 +14400,33 @@
                                   </p:childTnLst>
                                 </p:cTn>
                               </p:par>
+                              <p:par>
+                                <p:cTn id="19" presetID="1" presetClass="entr" presetSubtype="0" fill="hold" grpId="0" nodeType="withEffect">
+                                  <p:stCondLst>
+                                    <p:cond delay="0"/>
+                                  </p:stCondLst>
+                                  <p:childTnLst>
+                                    <p:set>
+                                      <p:cBhvr>
+                                        <p:cTn id="20" dur="1" fill="hold">
+                                          <p:stCondLst>
+                                            <p:cond delay="0"/>
+                                          </p:stCondLst>
+                                        </p:cTn>
+                                        <p:tgtEl>
+                                          <p:spTgt spid="16"/>
+                                        </p:tgtEl>
+                                        <p:attrNameLst>
+                                          <p:attrName>style.visibility</p:attrName>
+                                        </p:attrNameLst>
+                                      </p:cBhvr>
+                                      <p:to>
+                                        <p:strVal val="visible"/>
+                                      </p:to>
+                                    </p:set>
+                                  </p:childTnLst>
+                                </p:cTn>
+                              </p:par>
                             </p:childTnLst>
                           </p:cTn>
                         </p:par>
@@ -14173,6 +14460,7 @@
       <p:bldP spid="19" grpId="0"/>
       <p:bldP spid="22" grpId="0"/>
       <p:bldP spid="26" grpId="0"/>
+      <p:bldP spid="16" grpId="0"/>
     </p:bldLst>
   </p:timing>
 </p:sld>
@@ -14865,6 +15153,86 @@
               <a:t>/15</a:t>
             </a:r>
             <a:endParaRPr lang="en-US" dirty="0"/>
+          </a:p>
+        </p:txBody>
+      </p:sp>
+      <p:sp>
+        <p:nvSpPr>
+          <p:cNvPr id="15" name="TextBox 14">
+            <a:extLst>
+              <a:ext uri="{FF2B5EF4-FFF2-40B4-BE49-F238E27FC236}">
+                <a16:creationId xmlns:a16="http://schemas.microsoft.com/office/drawing/2014/main" id="{ECA41743-F3C7-450A-BDD0-8B738828F75A}"/>
+              </a:ext>
+            </a:extLst>
+          </p:cNvPr>
+          <p:cNvSpPr txBox="1"/>
+          <p:nvPr/>
+        </p:nvSpPr>
+        <p:spPr>
+          <a:xfrm>
+            <a:off x="3237887" y="2321535"/>
+            <a:ext cx="1012300" cy="338554"/>
+          </a:xfrm>
+          <a:prstGeom prst="rect">
+            <a:avLst/>
+          </a:prstGeom>
+          <a:noFill/>
+        </p:spPr>
+        <p:txBody>
+          <a:bodyPr wrap="square" rtlCol="0">
+            <a:spAutoFit/>
+          </a:bodyPr>
+          <a:lstStyle/>
+          <a:p>
+            <a:r>
+              <a:rPr lang="tr-TR" sz="1600" b="1" dirty="0"/>
+              <a:t>540 </a:t>
+            </a:r>
+            <a:r>
+              <a:rPr lang="tr-TR" sz="1600" b="1" dirty="0" err="1"/>
+              <a:t>Vdc</a:t>
+            </a:r>
+            <a:endParaRPr lang="en-US" sz="1600" b="1" dirty="0"/>
+          </a:p>
+        </p:txBody>
+      </p:sp>
+      <p:sp>
+        <p:nvSpPr>
+          <p:cNvPr id="16" name="TextBox 15">
+            <a:extLst>
+              <a:ext uri="{FF2B5EF4-FFF2-40B4-BE49-F238E27FC236}">
+                <a16:creationId xmlns:a16="http://schemas.microsoft.com/office/drawing/2014/main" id="{B8588488-D4EA-455C-AC37-5943F25890FD}"/>
+              </a:ext>
+            </a:extLst>
+          </p:cNvPr>
+          <p:cNvSpPr txBox="1"/>
+          <p:nvPr/>
+        </p:nvSpPr>
+        <p:spPr>
+          <a:xfrm>
+            <a:off x="3237887" y="4598954"/>
+            <a:ext cx="1012300" cy="338554"/>
+          </a:xfrm>
+          <a:prstGeom prst="rect">
+            <a:avLst/>
+          </a:prstGeom>
+          <a:noFill/>
+        </p:spPr>
+        <p:txBody>
+          <a:bodyPr wrap="square" rtlCol="0">
+            <a:spAutoFit/>
+          </a:bodyPr>
+          <a:lstStyle/>
+          <a:p>
+            <a:r>
+              <a:rPr lang="tr-TR" sz="1600" b="1" dirty="0"/>
+              <a:t>540 </a:t>
+            </a:r>
+            <a:r>
+              <a:rPr lang="tr-TR" sz="1600" b="1" dirty="0" err="1"/>
+              <a:t>Vdc</a:t>
+            </a:r>
+            <a:endParaRPr lang="en-US" sz="1600" b="1" dirty="0"/>
           </a:p>
         </p:txBody>
       </p:sp>
@@ -14979,6 +15347,33 @@
                                   </p:childTnLst>
                                 </p:cTn>
                               </p:par>
+                              <p:par>
+                                <p:cTn id="11" presetID="1" presetClass="entr" presetSubtype="0" fill="hold" grpId="0" nodeType="withEffect">
+                                  <p:stCondLst>
+                                    <p:cond delay="0"/>
+                                  </p:stCondLst>
+                                  <p:childTnLst>
+                                    <p:set>
+                                      <p:cBhvr>
+                                        <p:cTn id="12" dur="1" fill="hold">
+                                          <p:stCondLst>
+                                            <p:cond delay="0"/>
+                                          </p:stCondLst>
+                                        </p:cTn>
+                                        <p:tgtEl>
+                                          <p:spTgt spid="15"/>
+                                        </p:tgtEl>
+                                        <p:attrNameLst>
+                                          <p:attrName>style.visibility</p:attrName>
+                                        </p:attrNameLst>
+                                      </p:cBhvr>
+                                      <p:to>
+                                        <p:strVal val="visible"/>
+                                      </p:to>
+                                    </p:set>
+                                  </p:childTnLst>
+                                </p:cTn>
+                              </p:par>
                             </p:childTnLst>
                           </p:cTn>
                         </p:par>
@@ -14986,26 +15381,26 @@
                     </p:cTn>
                   </p:par>
                   <p:par>
-                    <p:cTn id="11" fill="hold">
+                    <p:cTn id="13" fill="hold">
                       <p:stCondLst>
                         <p:cond delay="indefinite"/>
                       </p:stCondLst>
                       <p:childTnLst>
                         <p:par>
-                          <p:cTn id="12" fill="hold">
+                          <p:cTn id="14" fill="hold">
                             <p:stCondLst>
                               <p:cond delay="0"/>
                             </p:stCondLst>
                             <p:childTnLst>
                               <p:par>
-                                <p:cTn id="13" presetID="1" presetClass="entr" presetSubtype="0" fill="hold" grpId="0" nodeType="clickEffect">
+                                <p:cTn id="15" presetID="1" presetClass="entr" presetSubtype="0" fill="hold" grpId="0" nodeType="clickEffect">
                                   <p:stCondLst>
                                     <p:cond delay="0"/>
                                   </p:stCondLst>
                                   <p:childTnLst>
                                     <p:set>
                                       <p:cBhvr>
-                                        <p:cTn id="14" dur="1" fill="hold">
+                                        <p:cTn id="16" dur="1" fill="hold">
                                           <p:stCondLst>
                                             <p:cond delay="0"/>
                                           </p:stCondLst>
@@ -15025,34 +15420,7 @@
                                 </p:cTn>
                               </p:par>
                               <p:par>
-                                <p:cTn id="15" presetID="1" presetClass="entr" presetSubtype="0" fill="hold" nodeType="withEffect">
-                                  <p:stCondLst>
-                                    <p:cond delay="0"/>
-                                  </p:stCondLst>
-                                  <p:childTnLst>
-                                    <p:set>
-                                      <p:cBhvr>
-                                        <p:cTn id="16" dur="1" fill="hold">
-                                          <p:stCondLst>
-                                            <p:cond delay="0"/>
-                                          </p:stCondLst>
-                                        </p:cTn>
-                                        <p:tgtEl>
-                                          <p:spTgt spid="11"/>
-                                        </p:tgtEl>
-                                        <p:attrNameLst>
-                                          <p:attrName>style.visibility</p:attrName>
-                                        </p:attrNameLst>
-                                      </p:cBhvr>
-                                      <p:to>
-                                        <p:strVal val="visible"/>
-                                      </p:to>
-                                    </p:set>
-                                  </p:childTnLst>
-                                </p:cTn>
-                              </p:par>
-                              <p:par>
-                                <p:cTn id="17" presetID="1" presetClass="entr" presetSubtype="0" fill="hold" grpId="0" nodeType="withEffect">
+                                <p:cTn id="17" presetID="1" presetClass="entr" presetSubtype="0" fill="hold" nodeType="withEffect">
                                   <p:stCondLst>
                                     <p:cond delay="0"/>
                                   </p:stCondLst>
@@ -15065,7 +15433,7 @@
                                           </p:stCondLst>
                                         </p:cTn>
                                         <p:tgtEl>
-                                          <p:spTgt spid="24"/>
+                                          <p:spTgt spid="11"/>
                                         </p:tgtEl>
                                         <p:attrNameLst>
                                           <p:attrName>style.visibility</p:attrName>
@@ -15092,7 +15460,61 @@
                                           </p:stCondLst>
                                         </p:cTn>
                                         <p:tgtEl>
+                                          <p:spTgt spid="24"/>
+                                        </p:tgtEl>
+                                        <p:attrNameLst>
+                                          <p:attrName>style.visibility</p:attrName>
+                                        </p:attrNameLst>
+                                      </p:cBhvr>
+                                      <p:to>
+                                        <p:strVal val="visible"/>
+                                      </p:to>
+                                    </p:set>
+                                  </p:childTnLst>
+                                </p:cTn>
+                              </p:par>
+                              <p:par>
+                                <p:cTn id="21" presetID="1" presetClass="entr" presetSubtype="0" fill="hold" grpId="0" nodeType="withEffect">
+                                  <p:stCondLst>
+                                    <p:cond delay="0"/>
+                                  </p:stCondLst>
+                                  <p:childTnLst>
+                                    <p:set>
+                                      <p:cBhvr>
+                                        <p:cTn id="22" dur="1" fill="hold">
+                                          <p:stCondLst>
+                                            <p:cond delay="0"/>
+                                          </p:stCondLst>
+                                        </p:cTn>
+                                        <p:tgtEl>
                                           <p:spTgt spid="25"/>
+                                        </p:tgtEl>
+                                        <p:attrNameLst>
+                                          <p:attrName>style.visibility</p:attrName>
+                                        </p:attrNameLst>
+                                      </p:cBhvr>
+                                      <p:to>
+                                        <p:strVal val="visible"/>
+                                      </p:to>
+                                    </p:set>
+                                  </p:childTnLst>
+                                </p:cTn>
+                              </p:par>
+                              <p:par>
+                                <p:cTn id="23" presetID="1" presetClass="entr" presetSubtype="0" fill="hold" grpId="0" nodeType="withEffect">
+                                  <p:stCondLst>
+                                    <p:cond delay="0"/>
+                                  </p:stCondLst>
+                                  <p:childTnLst>
+                                    <p:set>
+                                      <p:cBhvr>
+                                        <p:cTn id="24" dur="1" fill="hold">
+                                          <p:stCondLst>
+                                            <p:cond delay="0"/>
+                                          </p:stCondLst>
+                                        </p:cTn>
+                                        <p:tgtEl>
+                                          <p:spTgt spid="16"/>
                                         </p:tgtEl>
                                         <p:attrNameLst>
                                           <p:attrName>style.visibility</p:attrName>
@@ -15138,6 +15560,8 @@
       <p:bldP spid="21" grpId="0"/>
       <p:bldP spid="24" grpId="0"/>
       <p:bldP spid="25" grpId="0"/>
+      <p:bldP spid="15" grpId="0"/>
+      <p:bldP spid="16" grpId="0"/>
     </p:bldLst>
   </p:timing>
 </p:sld>
